--- a/BioPassMidPointRev.pptx
+++ b/BioPassMidPointRev.pptx
@@ -5,7 +5,7 @@
     <p:sldMasterId id="2147483680" r:id="rId1"/>
   </p:sldMasterIdLst>
   <p:notesMasterIdLst>
-    <p:notesMasterId r:id="rId18"/>
+    <p:notesMasterId r:id="rId17"/>
   </p:notesMasterIdLst>
   <p:sldIdLst>
     <p:sldId id="256" r:id="rId2"/>
@@ -13,53 +13,52 @@
     <p:sldId id="316" r:id="rId4"/>
     <p:sldId id="311" r:id="rId5"/>
     <p:sldId id="262" r:id="rId6"/>
-    <p:sldId id="275" r:id="rId7"/>
-    <p:sldId id="312" r:id="rId8"/>
-    <p:sldId id="319" r:id="rId9"/>
-    <p:sldId id="282" r:id="rId10"/>
-    <p:sldId id="313" r:id="rId11"/>
-    <p:sldId id="271" r:id="rId12"/>
-    <p:sldId id="314" r:id="rId13"/>
-    <p:sldId id="264" r:id="rId14"/>
-    <p:sldId id="318" r:id="rId15"/>
-    <p:sldId id="315" r:id="rId16"/>
-    <p:sldId id="290" r:id="rId17"/>
+    <p:sldId id="312" r:id="rId7"/>
+    <p:sldId id="319" r:id="rId8"/>
+    <p:sldId id="282" r:id="rId9"/>
+    <p:sldId id="313" r:id="rId10"/>
+    <p:sldId id="271" r:id="rId11"/>
+    <p:sldId id="314" r:id="rId12"/>
+    <p:sldId id="264" r:id="rId13"/>
+    <p:sldId id="318" r:id="rId14"/>
+    <p:sldId id="315" r:id="rId15"/>
+    <p:sldId id="290" r:id="rId16"/>
   </p:sldIdLst>
   <p:sldSz cx="9144000" cy="5143500" type="screen16x9"/>
   <p:notesSz cx="6858000" cy="9144000"/>
   <p:embeddedFontLst>
     <p:embeddedFont>
       <p:font typeface="Actor" panose="020B0604020202020204" charset="0"/>
-      <p:regular r:id="rId19"/>
+      <p:regular r:id="rId18"/>
     </p:embeddedFont>
     <p:embeddedFont>
       <p:font typeface="Anaheim" panose="020B0604020202020204" charset="0"/>
-      <p:regular r:id="rId20"/>
-      <p:bold r:id="rId21"/>
+      <p:regular r:id="rId19"/>
+      <p:bold r:id="rId20"/>
     </p:embeddedFont>
     <p:embeddedFont>
       <p:font typeface="Bebas Neue" panose="020B0606020202050201" pitchFamily="34" charset="0"/>
-      <p:regular r:id="rId22"/>
+      <p:regular r:id="rId21"/>
     </p:embeddedFont>
     <p:embeddedFont>
       <p:font typeface="Nunito Light" pitchFamily="2" charset="0"/>
-      <p:regular r:id="rId23"/>
-      <p:italic r:id="rId24"/>
+      <p:regular r:id="rId22"/>
+      <p:italic r:id="rId23"/>
     </p:embeddedFont>
     <p:embeddedFont>
       <p:font typeface="Unbounded" panose="020B0604020202020204" charset="0"/>
-      <p:regular r:id="rId25"/>
-      <p:bold r:id="rId26"/>
+      <p:regular r:id="rId24"/>
+      <p:bold r:id="rId25"/>
     </p:embeddedFont>
     <p:embeddedFont>
       <p:font typeface="Unbounded Light" panose="020B0604020202020204" charset="0"/>
-      <p:regular r:id="rId27"/>
-      <p:bold r:id="rId28"/>
+      <p:regular r:id="rId26"/>
+      <p:bold r:id="rId27"/>
     </p:embeddedFont>
     <p:embeddedFont>
       <p:font typeface="Unbounded SemiBold" panose="020B0604020202020204" charset="0"/>
-      <p:regular r:id="rId29"/>
-      <p:bold r:id="rId30"/>
+      <p:regular r:id="rId28"/>
+      <p:bold r:id="rId29"/>
     </p:embeddedFont>
   </p:embeddedFontLst>
   <p:defaultTextStyle>
@@ -299,12 +298,55 @@
 </p:presentation>
 </file>
 
-<file path=ppt/revisionInfo.xml><?xml version="1.0" encoding="utf-8"?>
-<p1510:revInfo xmlns:a="http://schemas.openxmlformats.org/drawingml/2006/main" xmlns:r="http://schemas.openxmlformats.org/officeDocument/2006/relationships" xmlns:p1510="http://schemas.microsoft.com/office/powerpoint/2015/10/main">
-  <p1510:revLst>
-    <p1510:client id="{14C2A9CD-3BAD-4DC9-924C-A9ABA734BD74}" v="29" dt="2024-12-12T00:04:54.800"/>
-  </p1510:revLst>
-</p1510:revInfo>
+<file path=ppt/changesInfos/changesInfo1.xml><?xml version="1.0" encoding="utf-8"?>
+<pc:chgInfo xmlns:a="http://schemas.openxmlformats.org/drawingml/2006/main" xmlns:r="http://schemas.openxmlformats.org/officeDocument/2006/relationships" xmlns:ac="http://schemas.microsoft.com/office/drawing/2013/main/command" xmlns:pc="http://schemas.microsoft.com/office/powerpoint/2013/main/command">
+  <pc:docChgLst>
+    <pc:chgData name="Aisha Ntuli" userId="9e3e1cbc-968a-4935-af00-6383e8da95d2" providerId="ADAL" clId="{AC9F60B4-A1C7-411C-AC13-3CF867D289FB}"/>
+    <pc:docChg chg="delSld modSld">
+      <pc:chgData name="Aisha Ntuli" userId="9e3e1cbc-968a-4935-af00-6383e8da95d2" providerId="ADAL" clId="{AC9F60B4-A1C7-411C-AC13-3CF867D289FB}" dt="2024-12-13T18:56:17.606" v="1" actId="20577"/>
+      <pc:docMkLst>
+        <pc:docMk/>
+      </pc:docMkLst>
+      <pc:sldChg chg="modSp mod">
+        <pc:chgData name="Aisha Ntuli" userId="9e3e1cbc-968a-4935-af00-6383e8da95d2" providerId="ADAL" clId="{AC9F60B4-A1C7-411C-AC13-3CF867D289FB}" dt="2024-12-13T18:56:17.606" v="1" actId="20577"/>
+        <pc:sldMkLst>
+          <pc:docMk/>
+          <pc:sldMk cId="0" sldId="258"/>
+        </pc:sldMkLst>
+        <pc:spChg chg="mod">
+          <ac:chgData name="Aisha Ntuli" userId="9e3e1cbc-968a-4935-af00-6383e8da95d2" providerId="ADAL" clId="{AC9F60B4-A1C7-411C-AC13-3CF867D289FB}" dt="2024-12-13T18:56:17.606" v="1" actId="20577"/>
+          <ac:spMkLst>
+            <pc:docMk/>
+            <pc:sldMk cId="0" sldId="258"/>
+            <ac:spMk id="3" creationId="{A96E9E9F-7B95-B923-0DF2-13176BB49435}"/>
+          </ac:spMkLst>
+        </pc:spChg>
+      </pc:sldChg>
+      <pc:sldChg chg="del">
+        <pc:chgData name="Aisha Ntuli" userId="9e3e1cbc-968a-4935-af00-6383e8da95d2" providerId="ADAL" clId="{AC9F60B4-A1C7-411C-AC13-3CF867D289FB}" dt="2024-12-13T18:56:06.670" v="0" actId="47"/>
+        <pc:sldMkLst>
+          <pc:docMk/>
+          <pc:sldMk cId="0" sldId="275"/>
+        </pc:sldMkLst>
+      </pc:sldChg>
+      <pc:sldMasterChg chg="delSldLayout">
+        <pc:chgData name="Aisha Ntuli" userId="9e3e1cbc-968a-4935-af00-6383e8da95d2" providerId="ADAL" clId="{AC9F60B4-A1C7-411C-AC13-3CF867D289FB}" dt="2024-12-13T18:56:06.670" v="0" actId="47"/>
+        <pc:sldMasterMkLst>
+          <pc:docMk/>
+          <pc:sldMasterMk cId="0" sldId="2147483680"/>
+        </pc:sldMasterMkLst>
+        <pc:sldLayoutChg chg="del">
+          <pc:chgData name="Aisha Ntuli" userId="9e3e1cbc-968a-4935-af00-6383e8da95d2" providerId="ADAL" clId="{AC9F60B4-A1C7-411C-AC13-3CF867D289FB}" dt="2024-12-13T18:56:06.670" v="0" actId="47"/>
+          <pc:sldLayoutMkLst>
+            <pc:docMk/>
+            <pc:sldMasterMk cId="0" sldId="2147483680"/>
+            <pc:sldLayoutMk cId="234645874" sldId="2147483681"/>
+          </pc:sldLayoutMkLst>
+        </pc:sldLayoutChg>
+      </pc:sldMasterChg>
+    </pc:docChg>
+  </pc:docChgLst>
+</pc:chgInfo>
 </file>
 
 <file path=ppt/notesMasters/notesMaster1.xml><?xml version="1.0" encoding="utf-8"?>
@@ -857,7 +899,7 @@
   <p:cSld>
     <p:spTree>
       <p:nvGrpSpPr>
-        <p:cNvPr id="1" name="Shape 816"/>
+        <p:cNvPr id="1" name="Shape 626"/>
         <p:cNvGrpSpPr/>
         <p:nvPr/>
       </p:nvGrpSpPr>
@@ -871,7 +913,7 @@
       </p:grpSpPr>
       <p:sp>
         <p:nvSpPr>
-          <p:cNvPr id="817" name="Google Shape;817;g1e52b8f997a_0_1269:notes"/>
+          <p:cNvPr id="627" name="Google Shape;627;g1e52b8f997a_0_1256:notes"/>
           <p:cNvSpPr>
             <a:spLocks noGrp="1" noRot="1" noChangeAspect="1"/>
           </p:cNvSpPr>
@@ -912,7 +954,7 @@
       </p:sp>
       <p:sp>
         <p:nvSpPr>
-          <p:cNvPr id="818" name="Google Shape;818;g1e52b8f997a_0_1269:notes"/>
+          <p:cNvPr id="628" name="Google Shape;628;g1e52b8f997a_0_1256:notes"/>
           <p:cNvSpPr txBox="1">
             <a:spLocks noGrp="1"/>
           </p:cNvSpPr>
@@ -949,11 +991,6 @@
         </p:txBody>
       </p:sp>
     </p:spTree>
-    <p:extLst>
-      <p:ext uri="{BB962C8B-B14F-4D97-AF65-F5344CB8AC3E}">
-        <p14:creationId xmlns:p14="http://schemas.microsoft.com/office/powerpoint/2010/main" val="3462478798"/>
-      </p:ext>
-    </p:extLst>
   </p:cSld>
   <p:clrMapOvr>
     <a:masterClrMapping/>
@@ -1058,6 +1095,11 @@
         </p:txBody>
       </p:sp>
     </p:spTree>
+    <p:extLst>
+      <p:ext uri="{BB962C8B-B14F-4D97-AF65-F5344CB8AC3E}">
+        <p14:creationId xmlns:p14="http://schemas.microsoft.com/office/powerpoint/2010/main" val="464798622"/>
+      </p:ext>
+    </p:extLst>
   </p:cSld>
   <p:clrMapOvr>
     <a:masterClrMapping/>
@@ -1070,7 +1112,7 @@
   <p:cSld>
     <p:spTree>
       <p:nvGrpSpPr>
-        <p:cNvPr id="1" name="Shape 626"/>
+        <p:cNvPr id="1" name="Shape 533"/>
         <p:cNvGrpSpPr/>
         <p:nvPr/>
       </p:nvGrpSpPr>
@@ -1084,7 +1126,7 @@
       </p:grpSpPr>
       <p:sp>
         <p:nvSpPr>
-          <p:cNvPr id="627" name="Google Shape;627;g1e52b8f997a_0_1256:notes"/>
+          <p:cNvPr id="534" name="Google Shape;534;g1e52b8f997a_0_143:notes"/>
           <p:cNvSpPr>
             <a:spLocks noGrp="1" noRot="1" noChangeAspect="1"/>
           </p:cNvSpPr>
@@ -1125,7 +1167,7 @@
       </p:sp>
       <p:sp>
         <p:nvSpPr>
-          <p:cNvPr id="628" name="Google Shape;628;g1e52b8f997a_0_1256:notes"/>
+          <p:cNvPr id="535" name="Google Shape;535;g1e52b8f997a_0_143:notes"/>
           <p:cNvSpPr txBox="1">
             <a:spLocks noGrp="1"/>
           </p:cNvSpPr>
@@ -1162,11 +1204,6 @@
         </p:txBody>
       </p:sp>
     </p:spTree>
-    <p:extLst>
-      <p:ext uri="{BB962C8B-B14F-4D97-AF65-F5344CB8AC3E}">
-        <p14:creationId xmlns:p14="http://schemas.microsoft.com/office/powerpoint/2010/main" val="464798622"/>
-      </p:ext>
-    </p:extLst>
   </p:cSld>
   <p:clrMapOvr>
     <a:masterClrMapping/>
@@ -1271,110 +1308,6 @@
         </p:txBody>
       </p:sp>
     </p:spTree>
-  </p:cSld>
-  <p:clrMapOvr>
-    <a:masterClrMapping/>
-  </p:clrMapOvr>
-</p:notes>
-</file>
-
-<file path=ppt/notesSlides/notesSlide14.xml><?xml version="1.0" encoding="utf-8"?>
-<p:notes xmlns:a="http://schemas.openxmlformats.org/drawingml/2006/main" xmlns:r="http://schemas.openxmlformats.org/officeDocument/2006/relationships" xmlns:p="http://schemas.openxmlformats.org/presentationml/2006/main" showMasterSp="0" showMasterPhAnim="0">
-  <p:cSld>
-    <p:spTree>
-      <p:nvGrpSpPr>
-        <p:cNvPr id="1" name="Shape 533"/>
-        <p:cNvGrpSpPr/>
-        <p:nvPr/>
-      </p:nvGrpSpPr>
-      <p:grpSpPr>
-        <a:xfrm>
-          <a:off x="0" y="0"/>
-          <a:ext cx="0" cy="0"/>
-          <a:chOff x="0" y="0"/>
-          <a:chExt cx="0" cy="0"/>
-        </a:xfrm>
-      </p:grpSpPr>
-      <p:sp>
-        <p:nvSpPr>
-          <p:cNvPr id="534" name="Google Shape;534;g1e52b8f997a_0_143:notes"/>
-          <p:cNvSpPr>
-            <a:spLocks noGrp="1" noRot="1" noChangeAspect="1"/>
-          </p:cNvSpPr>
-          <p:nvPr>
-            <p:ph type="sldImg" idx="2"/>
-          </p:nvPr>
-        </p:nvSpPr>
-        <p:spPr>
-          <a:xfrm>
-            <a:off x="381000" y="685800"/>
-            <a:ext cx="6096000" cy="3429000"/>
-          </a:xfrm>
-          <a:custGeom>
-            <a:avLst/>
-            <a:gdLst/>
-            <a:ahLst/>
-            <a:cxnLst/>
-            <a:rect l="l" t="t" r="r" b="b"/>
-            <a:pathLst>
-              <a:path w="120000" h="120000" extrusionOk="0">
-                <a:moveTo>
-                  <a:pt x="0" y="0"/>
-                </a:moveTo>
-                <a:lnTo>
-                  <a:pt x="120000" y="0"/>
-                </a:lnTo>
-                <a:lnTo>
-                  <a:pt x="120000" y="120000"/>
-                </a:lnTo>
-                <a:lnTo>
-                  <a:pt x="0" y="120000"/>
-                </a:lnTo>
-                <a:close/>
-              </a:path>
-            </a:pathLst>
-          </a:custGeom>
-        </p:spPr>
-      </p:sp>
-      <p:sp>
-        <p:nvSpPr>
-          <p:cNvPr id="535" name="Google Shape;535;g1e52b8f997a_0_143:notes"/>
-          <p:cNvSpPr txBox="1">
-            <a:spLocks noGrp="1"/>
-          </p:cNvSpPr>
-          <p:nvPr>
-            <p:ph type="body" idx="1"/>
-          </p:nvPr>
-        </p:nvSpPr>
-        <p:spPr>
-          <a:xfrm>
-            <a:off x="685800" y="4343400"/>
-            <a:ext cx="5486400" cy="4114800"/>
-          </a:xfrm>
-          <a:prstGeom prst="rect">
-            <a:avLst/>
-          </a:prstGeom>
-        </p:spPr>
-        <p:txBody>
-          <a:bodyPr spcFirstLastPara="1" wrap="square" lIns="91425" tIns="91425" rIns="91425" bIns="91425" anchor="t" anchorCtr="0">
-            <a:noAutofit/>
-          </a:bodyPr>
-          <a:lstStyle/>
-          <a:p>
-            <a:pPr marL="0" lvl="0" indent="0" algn="l" rtl="0">
-              <a:spcBef>
-                <a:spcPts val="0"/>
-              </a:spcBef>
-              <a:spcAft>
-                <a:spcPts val="0"/>
-              </a:spcAft>
-              <a:buNone/>
-            </a:pPr>
-            <a:endParaRPr/>
-          </a:p>
-        </p:txBody>
-      </p:sp>
-    </p:spTree>
     <p:extLst>
       <p:ext uri="{BB962C8B-B14F-4D97-AF65-F5344CB8AC3E}">
         <p14:creationId xmlns:p14="http://schemas.microsoft.com/office/powerpoint/2010/main" val="3924017042"/>
@@ -1387,7 +1320,7 @@
 </p:notes>
 </file>
 
-<file path=ppt/notesSlides/notesSlide15.xml><?xml version="1.0" encoding="utf-8"?>
+<file path=ppt/notesSlides/notesSlide14.xml><?xml version="1.0" encoding="utf-8"?>
 <p:notes xmlns:a="http://schemas.openxmlformats.org/drawingml/2006/main" xmlns:r="http://schemas.openxmlformats.org/officeDocument/2006/relationships" xmlns:p="http://schemas.openxmlformats.org/presentationml/2006/main" showMasterSp="0" showMasterPhAnim="0">
   <p:cSld>
     <p:spTree>
@@ -1521,7 +1454,7 @@
 </p:notes>
 </file>
 
-<file path=ppt/notesSlides/notesSlide16.xml><?xml version="1.0" encoding="utf-8"?>
+<file path=ppt/notesSlides/notesSlide15.xml><?xml version="1.0" encoding="utf-8"?>
 <p:notes xmlns:a="http://schemas.openxmlformats.org/drawingml/2006/main" xmlns:r="http://schemas.openxmlformats.org/officeDocument/2006/relationships" xmlns:p="http://schemas.openxmlformats.org/presentationml/2006/main" showMasterSp="0" showMasterPhAnim="0">
   <p:cSld>
     <p:spTree>
@@ -2106,110 +2039,6 @@
   <p:cSld>
     <p:spTree>
       <p:nvGrpSpPr>
-        <p:cNvPr id="1" name="Shape 684"/>
-        <p:cNvGrpSpPr/>
-        <p:nvPr/>
-      </p:nvGrpSpPr>
-      <p:grpSpPr>
-        <a:xfrm>
-          <a:off x="0" y="0"/>
-          <a:ext cx="0" cy="0"/>
-          <a:chOff x="0" y="0"/>
-          <a:chExt cx="0" cy="0"/>
-        </a:xfrm>
-      </p:grpSpPr>
-      <p:sp>
-        <p:nvSpPr>
-          <p:cNvPr id="685" name="Google Shape;685;g1e52b8f997a_0_240:notes"/>
-          <p:cNvSpPr>
-            <a:spLocks noGrp="1" noRot="1" noChangeAspect="1"/>
-          </p:cNvSpPr>
-          <p:nvPr>
-            <p:ph type="sldImg" idx="2"/>
-          </p:nvPr>
-        </p:nvSpPr>
-        <p:spPr>
-          <a:xfrm>
-            <a:off x="381000" y="685800"/>
-            <a:ext cx="6096000" cy="3429000"/>
-          </a:xfrm>
-          <a:custGeom>
-            <a:avLst/>
-            <a:gdLst/>
-            <a:ahLst/>
-            <a:cxnLst/>
-            <a:rect l="l" t="t" r="r" b="b"/>
-            <a:pathLst>
-              <a:path w="120000" h="120000" extrusionOk="0">
-                <a:moveTo>
-                  <a:pt x="0" y="0"/>
-                </a:moveTo>
-                <a:lnTo>
-                  <a:pt x="120000" y="0"/>
-                </a:lnTo>
-                <a:lnTo>
-                  <a:pt x="120000" y="120000"/>
-                </a:lnTo>
-                <a:lnTo>
-                  <a:pt x="0" y="120000"/>
-                </a:lnTo>
-                <a:close/>
-              </a:path>
-            </a:pathLst>
-          </a:custGeom>
-        </p:spPr>
-      </p:sp>
-      <p:sp>
-        <p:nvSpPr>
-          <p:cNvPr id="686" name="Google Shape;686;g1e52b8f997a_0_240:notes"/>
-          <p:cNvSpPr txBox="1">
-            <a:spLocks noGrp="1"/>
-          </p:cNvSpPr>
-          <p:nvPr>
-            <p:ph type="body" idx="1"/>
-          </p:nvPr>
-        </p:nvSpPr>
-        <p:spPr>
-          <a:xfrm>
-            <a:off x="685800" y="4343400"/>
-            <a:ext cx="5486400" cy="4114800"/>
-          </a:xfrm>
-          <a:prstGeom prst="rect">
-            <a:avLst/>
-          </a:prstGeom>
-        </p:spPr>
-        <p:txBody>
-          <a:bodyPr spcFirstLastPara="1" wrap="square" lIns="91425" tIns="91425" rIns="91425" bIns="91425" anchor="t" anchorCtr="0">
-            <a:noAutofit/>
-          </a:bodyPr>
-          <a:lstStyle/>
-          <a:p>
-            <a:pPr marL="0" lvl="0" indent="0" algn="l" rtl="0">
-              <a:spcBef>
-                <a:spcPts val="0"/>
-              </a:spcBef>
-              <a:spcAft>
-                <a:spcPts val="0"/>
-              </a:spcAft>
-              <a:buNone/>
-            </a:pPr>
-            <a:endParaRPr/>
-          </a:p>
-        </p:txBody>
-      </p:sp>
-    </p:spTree>
-  </p:cSld>
-  <p:clrMapOvr>
-    <a:masterClrMapping/>
-  </p:clrMapOvr>
-</p:notes>
-</file>
-
-<file path=ppt/notesSlides/notesSlide7.xml><?xml version="1.0" encoding="utf-8"?>
-<p:notes xmlns:a="http://schemas.openxmlformats.org/drawingml/2006/main" xmlns:r="http://schemas.openxmlformats.org/officeDocument/2006/relationships" xmlns:p="http://schemas.openxmlformats.org/presentationml/2006/main" showMasterSp="0" showMasterPhAnim="0">
-  <p:cSld>
-    <p:spTree>
-      <p:nvGrpSpPr>
         <p:cNvPr id="1" name="Shape 500"/>
         <p:cNvGrpSpPr/>
         <p:nvPr/>
@@ -2305,6 +2134,115 @@
     <p:extLst>
       <p:ext uri="{BB962C8B-B14F-4D97-AF65-F5344CB8AC3E}">
         <p14:creationId xmlns:p14="http://schemas.microsoft.com/office/powerpoint/2010/main" val="3338601360"/>
+      </p:ext>
+    </p:extLst>
+  </p:cSld>
+  <p:clrMapOvr>
+    <a:masterClrMapping/>
+  </p:clrMapOvr>
+</p:notes>
+</file>
+
+<file path=ppt/notesSlides/notesSlide7.xml><?xml version="1.0" encoding="utf-8"?>
+<p:notes xmlns:a="http://schemas.openxmlformats.org/drawingml/2006/main" xmlns:r="http://schemas.openxmlformats.org/officeDocument/2006/relationships" xmlns:p="http://schemas.openxmlformats.org/presentationml/2006/main" showMasterSp="0" showMasterPhAnim="0">
+  <p:cSld>
+    <p:spTree>
+      <p:nvGrpSpPr>
+        <p:cNvPr id="1" name="Shape 816"/>
+        <p:cNvGrpSpPr/>
+        <p:nvPr/>
+      </p:nvGrpSpPr>
+      <p:grpSpPr>
+        <a:xfrm>
+          <a:off x="0" y="0"/>
+          <a:ext cx="0" cy="0"/>
+          <a:chOff x="0" y="0"/>
+          <a:chExt cx="0" cy="0"/>
+        </a:xfrm>
+      </p:grpSpPr>
+      <p:sp>
+        <p:nvSpPr>
+          <p:cNvPr id="817" name="Google Shape;817;g1e52b8f997a_0_1269:notes"/>
+          <p:cNvSpPr>
+            <a:spLocks noGrp="1" noRot="1" noChangeAspect="1"/>
+          </p:cNvSpPr>
+          <p:nvPr>
+            <p:ph type="sldImg" idx="2"/>
+          </p:nvPr>
+        </p:nvSpPr>
+        <p:spPr>
+          <a:xfrm>
+            <a:off x="381000" y="685800"/>
+            <a:ext cx="6096000" cy="3429000"/>
+          </a:xfrm>
+          <a:custGeom>
+            <a:avLst/>
+            <a:gdLst/>
+            <a:ahLst/>
+            <a:cxnLst/>
+            <a:rect l="l" t="t" r="r" b="b"/>
+            <a:pathLst>
+              <a:path w="120000" h="120000" extrusionOk="0">
+                <a:moveTo>
+                  <a:pt x="0" y="0"/>
+                </a:moveTo>
+                <a:lnTo>
+                  <a:pt x="120000" y="0"/>
+                </a:lnTo>
+                <a:lnTo>
+                  <a:pt x="120000" y="120000"/>
+                </a:lnTo>
+                <a:lnTo>
+                  <a:pt x="0" y="120000"/>
+                </a:lnTo>
+                <a:close/>
+              </a:path>
+            </a:pathLst>
+          </a:custGeom>
+        </p:spPr>
+      </p:sp>
+      <p:sp>
+        <p:nvSpPr>
+          <p:cNvPr id="818" name="Google Shape;818;g1e52b8f997a_0_1269:notes"/>
+          <p:cNvSpPr txBox="1">
+            <a:spLocks noGrp="1"/>
+          </p:cNvSpPr>
+          <p:nvPr>
+            <p:ph type="body" idx="1"/>
+          </p:nvPr>
+        </p:nvSpPr>
+        <p:spPr>
+          <a:xfrm>
+            <a:off x="685800" y="4343400"/>
+            <a:ext cx="5486400" cy="4114800"/>
+          </a:xfrm>
+          <a:prstGeom prst="rect">
+            <a:avLst/>
+          </a:prstGeom>
+        </p:spPr>
+        <p:txBody>
+          <a:bodyPr spcFirstLastPara="1" wrap="square" lIns="91425" tIns="91425" rIns="91425" bIns="91425" anchor="t" anchorCtr="0">
+            <a:noAutofit/>
+          </a:bodyPr>
+          <a:lstStyle/>
+          <a:p>
+            <a:pPr marL="0" lvl="0" indent="0" algn="l" rtl="0">
+              <a:spcBef>
+                <a:spcPts val="0"/>
+              </a:spcBef>
+              <a:spcAft>
+                <a:spcPts val="0"/>
+              </a:spcAft>
+              <a:buNone/>
+            </a:pPr>
+            <a:endParaRPr/>
+          </a:p>
+        </p:txBody>
+      </p:sp>
+    </p:spTree>
+    <p:extLst>
+      <p:ext uri="{BB962C8B-B14F-4D97-AF65-F5344CB8AC3E}">
+        <p14:creationId xmlns:p14="http://schemas.microsoft.com/office/powerpoint/2010/main" val="1034887039"/>
       </p:ext>
     </p:extLst>
   </p:cSld>
@@ -2411,11 +2349,6 @@
         </p:txBody>
       </p:sp>
     </p:spTree>
-    <p:extLst>
-      <p:ext uri="{BB962C8B-B14F-4D97-AF65-F5344CB8AC3E}">
-        <p14:creationId xmlns:p14="http://schemas.microsoft.com/office/powerpoint/2010/main" val="1034887039"/>
-      </p:ext>
-    </p:extLst>
   </p:cSld>
   <p:clrMapOvr>
     <a:masterClrMapping/>
@@ -2520,6 +2453,11 @@
         </p:txBody>
       </p:sp>
     </p:spTree>
+    <p:extLst>
+      <p:ext uri="{BB962C8B-B14F-4D97-AF65-F5344CB8AC3E}">
+        <p14:creationId xmlns:p14="http://schemas.microsoft.com/office/powerpoint/2010/main" val="3462478798"/>
+      </p:ext>
+    </p:extLst>
   </p:cSld>
   <p:clrMapOvr>
     <a:masterClrMapping/>
@@ -5684,2872 +5622,6 @@
 </p:sldLayout>
 </file>
 
-<file path=ppt/slideLayouts/slideLayout11.xml><?xml version="1.0" encoding="utf-8"?>
-<p:sldLayout xmlns:a="http://schemas.openxmlformats.org/drawingml/2006/main" xmlns:r="http://schemas.openxmlformats.org/officeDocument/2006/relationships" xmlns:p="http://schemas.openxmlformats.org/presentationml/2006/main" matchingName="Title and text 1">
-  <p:cSld name="Title and text 1">
-    <p:spTree>
-      <p:nvGrpSpPr>
-        <p:cNvPr id="1" name="Shape 205"/>
-        <p:cNvGrpSpPr/>
-        <p:nvPr/>
-      </p:nvGrpSpPr>
-      <p:grpSpPr>
-        <a:xfrm>
-          <a:off x="0" y="0"/>
-          <a:ext cx="0" cy="0"/>
-          <a:chOff x="0" y="0"/>
-          <a:chExt cx="0" cy="0"/>
-        </a:xfrm>
-      </p:grpSpPr>
-      <p:sp>
-        <p:nvSpPr>
-          <p:cNvPr id="206" name="Google Shape;206;p18"/>
-          <p:cNvSpPr txBox="1">
-            <a:spLocks noGrp="1"/>
-          </p:cNvSpPr>
-          <p:nvPr>
-            <p:ph type="title"/>
-          </p:nvPr>
-        </p:nvSpPr>
-        <p:spPr>
-          <a:xfrm>
-            <a:off x="885450" y="1466975"/>
-            <a:ext cx="2749800" cy="1041600"/>
-          </a:xfrm>
-          <a:prstGeom prst="rect">
-            <a:avLst/>
-          </a:prstGeom>
-        </p:spPr>
-        <p:txBody>
-          <a:bodyPr spcFirstLastPara="1" wrap="square" lIns="91425" tIns="91425" rIns="91425" bIns="91425" anchor="b" anchorCtr="0">
-            <a:noAutofit/>
-          </a:bodyPr>
-          <a:lstStyle>
-            <a:lvl1pPr lvl="0" algn="l" rtl="0">
-              <a:spcBef>
-                <a:spcPts val="0"/>
-              </a:spcBef>
-              <a:spcAft>
-                <a:spcPts val="0"/>
-              </a:spcAft>
-              <a:buSzPts val="2900"/>
-              <a:buNone/>
-              <a:defRPr/>
-            </a:lvl1pPr>
-            <a:lvl2pPr lvl="1" rtl="0">
-              <a:spcBef>
-                <a:spcPts val="0"/>
-              </a:spcBef>
-              <a:spcAft>
-                <a:spcPts val="0"/>
-              </a:spcAft>
-              <a:buSzPts val="2900"/>
-              <a:buNone/>
-              <a:defRPr/>
-            </a:lvl2pPr>
-            <a:lvl3pPr lvl="2" rtl="0">
-              <a:spcBef>
-                <a:spcPts val="0"/>
-              </a:spcBef>
-              <a:spcAft>
-                <a:spcPts val="0"/>
-              </a:spcAft>
-              <a:buSzPts val="2900"/>
-              <a:buNone/>
-              <a:defRPr/>
-            </a:lvl3pPr>
-            <a:lvl4pPr lvl="3" rtl="0">
-              <a:spcBef>
-                <a:spcPts val="0"/>
-              </a:spcBef>
-              <a:spcAft>
-                <a:spcPts val="0"/>
-              </a:spcAft>
-              <a:buSzPts val="2900"/>
-              <a:buNone/>
-              <a:defRPr/>
-            </a:lvl4pPr>
-            <a:lvl5pPr lvl="4" rtl="0">
-              <a:spcBef>
-                <a:spcPts val="0"/>
-              </a:spcBef>
-              <a:spcAft>
-                <a:spcPts val="0"/>
-              </a:spcAft>
-              <a:buSzPts val="2900"/>
-              <a:buNone/>
-              <a:defRPr/>
-            </a:lvl5pPr>
-            <a:lvl6pPr lvl="5" rtl="0">
-              <a:spcBef>
-                <a:spcPts val="0"/>
-              </a:spcBef>
-              <a:spcAft>
-                <a:spcPts val="0"/>
-              </a:spcAft>
-              <a:buSzPts val="2900"/>
-              <a:buNone/>
-              <a:defRPr/>
-            </a:lvl6pPr>
-            <a:lvl7pPr lvl="6" rtl="0">
-              <a:spcBef>
-                <a:spcPts val="0"/>
-              </a:spcBef>
-              <a:spcAft>
-                <a:spcPts val="0"/>
-              </a:spcAft>
-              <a:buSzPts val="2900"/>
-              <a:buNone/>
-              <a:defRPr/>
-            </a:lvl7pPr>
-            <a:lvl8pPr lvl="7" rtl="0">
-              <a:spcBef>
-                <a:spcPts val="0"/>
-              </a:spcBef>
-              <a:spcAft>
-                <a:spcPts val="0"/>
-              </a:spcAft>
-              <a:buSzPts val="2900"/>
-              <a:buNone/>
-              <a:defRPr/>
-            </a:lvl8pPr>
-            <a:lvl9pPr lvl="8" rtl="0">
-              <a:spcBef>
-                <a:spcPts val="0"/>
-              </a:spcBef>
-              <a:spcAft>
-                <a:spcPts val="0"/>
-              </a:spcAft>
-              <a:buSzPts val="2900"/>
-              <a:buNone/>
-              <a:defRPr/>
-            </a:lvl9pPr>
-          </a:lstStyle>
-          <a:p>
-            <a:endParaRPr/>
-          </a:p>
-        </p:txBody>
-      </p:sp>
-      <p:sp>
-        <p:nvSpPr>
-          <p:cNvPr id="207" name="Google Shape;207;p18"/>
-          <p:cNvSpPr txBox="1">
-            <a:spLocks noGrp="1"/>
-          </p:cNvSpPr>
-          <p:nvPr>
-            <p:ph type="subTitle" idx="1"/>
-          </p:nvPr>
-        </p:nvSpPr>
-        <p:spPr>
-          <a:xfrm>
-            <a:off x="885450" y="2508575"/>
-            <a:ext cx="2749800" cy="1041600"/>
-          </a:xfrm>
-          <a:prstGeom prst="rect">
-            <a:avLst/>
-          </a:prstGeom>
-        </p:spPr>
-        <p:txBody>
-          <a:bodyPr spcFirstLastPara="1" wrap="square" lIns="91425" tIns="91425" rIns="91425" bIns="91425" anchor="t" anchorCtr="0">
-            <a:noAutofit/>
-          </a:bodyPr>
-          <a:lstStyle>
-            <a:lvl1pPr lvl="0" rtl="0">
-              <a:lnSpc>
-                <a:spcPct val="100000"/>
-              </a:lnSpc>
-              <a:spcBef>
-                <a:spcPts val="0"/>
-              </a:spcBef>
-              <a:spcAft>
-                <a:spcPts val="0"/>
-              </a:spcAft>
-              <a:buSzPts val="1400"/>
-              <a:buNone/>
-              <a:defRPr/>
-            </a:lvl1pPr>
-            <a:lvl2pPr lvl="1" algn="ctr" rtl="0">
-              <a:lnSpc>
-                <a:spcPct val="100000"/>
-              </a:lnSpc>
-              <a:spcBef>
-                <a:spcPts val="0"/>
-              </a:spcBef>
-              <a:spcAft>
-                <a:spcPts val="0"/>
-              </a:spcAft>
-              <a:buSzPts val="1400"/>
-              <a:buNone/>
-              <a:defRPr/>
-            </a:lvl2pPr>
-            <a:lvl3pPr lvl="2" algn="ctr" rtl="0">
-              <a:lnSpc>
-                <a:spcPct val="100000"/>
-              </a:lnSpc>
-              <a:spcBef>
-                <a:spcPts val="1600"/>
-              </a:spcBef>
-              <a:spcAft>
-                <a:spcPts val="0"/>
-              </a:spcAft>
-              <a:buSzPts val="1400"/>
-              <a:buNone/>
-              <a:defRPr/>
-            </a:lvl3pPr>
-            <a:lvl4pPr lvl="3" algn="ctr" rtl="0">
-              <a:lnSpc>
-                <a:spcPct val="100000"/>
-              </a:lnSpc>
-              <a:spcBef>
-                <a:spcPts val="1600"/>
-              </a:spcBef>
-              <a:spcAft>
-                <a:spcPts val="0"/>
-              </a:spcAft>
-              <a:buSzPts val="1400"/>
-              <a:buNone/>
-              <a:defRPr/>
-            </a:lvl4pPr>
-            <a:lvl5pPr lvl="4" algn="ctr" rtl="0">
-              <a:lnSpc>
-                <a:spcPct val="100000"/>
-              </a:lnSpc>
-              <a:spcBef>
-                <a:spcPts val="1600"/>
-              </a:spcBef>
-              <a:spcAft>
-                <a:spcPts val="0"/>
-              </a:spcAft>
-              <a:buSzPts val="1400"/>
-              <a:buNone/>
-              <a:defRPr/>
-            </a:lvl5pPr>
-            <a:lvl6pPr lvl="5" algn="ctr" rtl="0">
-              <a:lnSpc>
-                <a:spcPct val="100000"/>
-              </a:lnSpc>
-              <a:spcBef>
-                <a:spcPts val="1600"/>
-              </a:spcBef>
-              <a:spcAft>
-                <a:spcPts val="0"/>
-              </a:spcAft>
-              <a:buSzPts val="1400"/>
-              <a:buNone/>
-              <a:defRPr/>
-            </a:lvl6pPr>
-            <a:lvl7pPr lvl="6" algn="ctr" rtl="0">
-              <a:lnSpc>
-                <a:spcPct val="100000"/>
-              </a:lnSpc>
-              <a:spcBef>
-                <a:spcPts val="1600"/>
-              </a:spcBef>
-              <a:spcAft>
-                <a:spcPts val="0"/>
-              </a:spcAft>
-              <a:buSzPts val="1400"/>
-              <a:buNone/>
-              <a:defRPr/>
-            </a:lvl7pPr>
-            <a:lvl8pPr lvl="7" algn="ctr" rtl="0">
-              <a:lnSpc>
-                <a:spcPct val="100000"/>
-              </a:lnSpc>
-              <a:spcBef>
-                <a:spcPts val="1600"/>
-              </a:spcBef>
-              <a:spcAft>
-                <a:spcPts val="0"/>
-              </a:spcAft>
-              <a:buSzPts val="1400"/>
-              <a:buNone/>
-              <a:defRPr/>
-            </a:lvl8pPr>
-            <a:lvl9pPr lvl="8" algn="ctr" rtl="0">
-              <a:lnSpc>
-                <a:spcPct val="100000"/>
-              </a:lnSpc>
-              <a:spcBef>
-                <a:spcPts val="1600"/>
-              </a:spcBef>
-              <a:spcAft>
-                <a:spcPts val="1600"/>
-              </a:spcAft>
-              <a:buSzPts val="1400"/>
-              <a:buNone/>
-              <a:defRPr/>
-            </a:lvl9pPr>
-          </a:lstStyle>
-          <a:p>
-            <a:endParaRPr/>
-          </a:p>
-        </p:txBody>
-      </p:sp>
-      <p:grpSp>
-        <p:nvGrpSpPr>
-          <p:cNvPr id="208" name="Google Shape;208;p18"/>
-          <p:cNvGrpSpPr/>
-          <p:nvPr/>
-        </p:nvGrpSpPr>
-        <p:grpSpPr>
-          <a:xfrm>
-            <a:off x="5048725" y="0"/>
-            <a:ext cx="4095351" cy="5143500"/>
-            <a:chOff x="5048725" y="0"/>
-            <a:chExt cx="4095351" cy="5143500"/>
-          </a:xfrm>
-        </p:grpSpPr>
-        <p:pic>
-          <p:nvPicPr>
-            <p:cNvPr id="209" name="Google Shape;209;p18"/>
-            <p:cNvPicPr preferRelativeResize="0"/>
-            <p:nvPr/>
-          </p:nvPicPr>
-          <p:blipFill rotWithShape="1">
-            <a:blip r:embed="rId2">
-              <a:alphaModFix/>
-            </a:blip>
-            <a:srcRect l="5249" t="15711" r="79664" b="36605"/>
-            <a:stretch/>
-          </p:blipFill>
-          <p:spPr>
-            <a:xfrm>
-              <a:off x="7258525" y="2024450"/>
-              <a:ext cx="1885551" cy="3119050"/>
-            </a:xfrm>
-            <a:prstGeom prst="rect">
-              <a:avLst/>
-            </a:prstGeom>
-            <a:noFill/>
-            <a:ln>
-              <a:noFill/>
-            </a:ln>
-          </p:spPr>
-        </p:pic>
-        <p:pic>
-          <p:nvPicPr>
-            <p:cNvPr id="210" name="Google Shape;210;p18"/>
-            <p:cNvPicPr preferRelativeResize="0"/>
-            <p:nvPr/>
-          </p:nvPicPr>
-          <p:blipFill rotWithShape="1">
-            <a:blip r:embed="rId3">
-              <a:alphaModFix/>
-            </a:blip>
-            <a:srcRect l="27263" t="65601" r="34781" b="2259"/>
-            <a:stretch/>
-          </p:blipFill>
-          <p:spPr>
-            <a:xfrm>
-              <a:off x="5048725" y="0"/>
-              <a:ext cx="4095276" cy="1814900"/>
-            </a:xfrm>
-            <a:prstGeom prst="rect">
-              <a:avLst/>
-            </a:prstGeom>
-            <a:noFill/>
-            <a:ln>
-              <a:noFill/>
-            </a:ln>
-          </p:spPr>
-        </p:pic>
-      </p:grpSp>
-      <p:grpSp>
-        <p:nvGrpSpPr>
-          <p:cNvPr id="211" name="Google Shape;211;p18"/>
-          <p:cNvGrpSpPr/>
-          <p:nvPr/>
-        </p:nvGrpSpPr>
-        <p:grpSpPr>
-          <a:xfrm>
-            <a:off x="0" y="767150"/>
-            <a:ext cx="2939325" cy="4376350"/>
-            <a:chOff x="0" y="767150"/>
-            <a:chExt cx="2939325" cy="4376350"/>
-          </a:xfrm>
-        </p:grpSpPr>
-        <p:pic>
-          <p:nvPicPr>
-            <p:cNvPr id="212" name="Google Shape;212;p18"/>
-            <p:cNvPicPr preferRelativeResize="0"/>
-            <p:nvPr/>
-          </p:nvPicPr>
-          <p:blipFill rotWithShape="1">
-            <a:blip r:embed="rId3">
-              <a:alphaModFix/>
-            </a:blip>
-            <a:srcRect l="54318" t="9229" r="30047" b="9237"/>
-            <a:stretch/>
-          </p:blipFill>
-          <p:spPr>
-            <a:xfrm>
-              <a:off x="0" y="767150"/>
-              <a:ext cx="1603524" cy="4376350"/>
-            </a:xfrm>
-            <a:prstGeom prst="rect">
-              <a:avLst/>
-            </a:prstGeom>
-            <a:noFill/>
-            <a:ln>
-              <a:noFill/>
-            </a:ln>
-          </p:spPr>
-        </p:pic>
-        <p:pic>
-          <p:nvPicPr>
-            <p:cNvPr id="213" name="Google Shape;213;p18"/>
-            <p:cNvPicPr preferRelativeResize="0"/>
-            <p:nvPr/>
-          </p:nvPicPr>
-          <p:blipFill rotWithShape="1">
-            <a:blip r:embed="rId2">
-              <a:alphaModFix/>
-            </a:blip>
-            <a:srcRect l="5068" t="54360" r="71057" b="-2804"/>
-            <a:stretch/>
-          </p:blipFill>
-          <p:spPr>
-            <a:xfrm rot="10800000">
-              <a:off x="0" y="2022100"/>
-              <a:ext cx="2939325" cy="3121400"/>
-            </a:xfrm>
-            <a:prstGeom prst="rect">
-              <a:avLst/>
-            </a:prstGeom>
-            <a:noFill/>
-            <a:ln>
-              <a:noFill/>
-            </a:ln>
-          </p:spPr>
-        </p:pic>
-      </p:grpSp>
-      <p:grpSp>
-        <p:nvGrpSpPr>
-          <p:cNvPr id="214" name="Google Shape;214;p18"/>
-          <p:cNvGrpSpPr/>
-          <p:nvPr/>
-        </p:nvGrpSpPr>
-        <p:grpSpPr>
-          <a:xfrm>
-            <a:off x="340025" y="-539050"/>
-            <a:ext cx="8485584" cy="7572200"/>
-            <a:chOff x="340025" y="-539050"/>
-            <a:chExt cx="8485584" cy="7572200"/>
-          </a:xfrm>
-        </p:grpSpPr>
-        <p:sp>
-          <p:nvSpPr>
-            <p:cNvPr id="215" name="Google Shape;215;p18"/>
-            <p:cNvSpPr/>
-            <p:nvPr/>
-          </p:nvSpPr>
-          <p:spPr>
-            <a:xfrm>
-              <a:off x="340025" y="-539050"/>
-              <a:ext cx="746400" cy="1306200"/>
-            </a:xfrm>
-            <a:custGeom>
-              <a:avLst/>
-              <a:gdLst/>
-              <a:ahLst/>
-              <a:cxnLst/>
-              <a:rect l="l" t="t" r="r" b="b"/>
-              <a:pathLst>
-                <a:path w="29856" h="52248" extrusionOk="0">
-                  <a:moveTo>
-                    <a:pt x="20668" y="8089"/>
-                  </a:moveTo>
-                  <a:cubicBezTo>
-                    <a:pt x="20666" y="8116"/>
-                    <a:pt x="20665" y="8144"/>
-                    <a:pt x="20664" y="8171"/>
-                  </a:cubicBezTo>
-                  <a:cubicBezTo>
-                    <a:pt x="20665" y="8144"/>
-                    <a:pt x="20667" y="8116"/>
-                    <a:pt x="20668" y="8089"/>
-                  </a:cubicBezTo>
-                  <a:close/>
-                  <a:moveTo>
-                    <a:pt x="24585" y="4346"/>
-                  </a:moveTo>
-                  <a:cubicBezTo>
-                    <a:pt x="26590" y="4346"/>
-                    <a:pt x="27886" y="4872"/>
-                    <a:pt x="28285" y="5736"/>
-                  </a:cubicBezTo>
-                  <a:cubicBezTo>
-                    <a:pt x="28913" y="7071"/>
-                    <a:pt x="27420" y="9193"/>
-                    <a:pt x="24671" y="11235"/>
-                  </a:cubicBezTo>
-                  <a:lnTo>
-                    <a:pt x="24435" y="11235"/>
-                  </a:lnTo>
-                  <a:cubicBezTo>
-                    <a:pt x="24042" y="11235"/>
-                    <a:pt x="23571" y="11235"/>
-                    <a:pt x="23099" y="11314"/>
-                  </a:cubicBezTo>
-                  <a:cubicBezTo>
-                    <a:pt x="19642" y="11707"/>
-                    <a:pt x="16185" y="12649"/>
-                    <a:pt x="12885" y="14142"/>
-                  </a:cubicBezTo>
-                  <a:cubicBezTo>
-                    <a:pt x="10136" y="15242"/>
-                    <a:pt x="7464" y="16735"/>
-                    <a:pt x="5029" y="18542"/>
-                  </a:cubicBezTo>
-                  <a:cubicBezTo>
-                    <a:pt x="3222" y="18542"/>
-                    <a:pt x="1965" y="18071"/>
-                    <a:pt x="1572" y="17206"/>
-                  </a:cubicBezTo>
-                  <a:cubicBezTo>
-                    <a:pt x="550" y="14849"/>
-                    <a:pt x="5814" y="10292"/>
-                    <a:pt x="13043" y="7150"/>
-                  </a:cubicBezTo>
-                  <a:cubicBezTo>
-                    <a:pt x="15085" y="6286"/>
-                    <a:pt x="17128" y="5578"/>
-                    <a:pt x="19249" y="5107"/>
-                  </a:cubicBezTo>
-                  <a:cubicBezTo>
-                    <a:pt x="20170" y="5798"/>
-                    <a:pt x="20716" y="6938"/>
-                    <a:pt x="20668" y="8089"/>
-                  </a:cubicBezTo>
-                  <a:lnTo>
-                    <a:pt x="20668" y="8089"/>
-                  </a:lnTo>
-                  <a:cubicBezTo>
-                    <a:pt x="20775" y="6395"/>
-                    <a:pt x="21790" y="4941"/>
-                    <a:pt x="23413" y="4400"/>
-                  </a:cubicBezTo>
-                  <a:cubicBezTo>
-                    <a:pt x="23827" y="4363"/>
-                    <a:pt x="24218" y="4346"/>
-                    <a:pt x="24585" y="4346"/>
-                  </a:cubicBezTo>
-                  <a:close/>
-                  <a:moveTo>
-                    <a:pt x="24121" y="11707"/>
-                  </a:moveTo>
-                  <a:cubicBezTo>
-                    <a:pt x="21842" y="13278"/>
-                    <a:pt x="19407" y="14692"/>
-                    <a:pt x="16814" y="15792"/>
-                  </a:cubicBezTo>
-                  <a:cubicBezTo>
-                    <a:pt x="13278" y="17364"/>
-                    <a:pt x="9586" y="18306"/>
-                    <a:pt x="5736" y="18542"/>
-                  </a:cubicBezTo>
-                  <a:cubicBezTo>
-                    <a:pt x="8014" y="16971"/>
-                    <a:pt x="10528" y="15556"/>
-                    <a:pt x="13121" y="14457"/>
-                  </a:cubicBezTo>
-                  <a:cubicBezTo>
-                    <a:pt x="16264" y="13042"/>
-                    <a:pt x="19721" y="12100"/>
-                    <a:pt x="23178" y="11707"/>
-                  </a:cubicBezTo>
-                  <a:close/>
-                  <a:moveTo>
-                    <a:pt x="24828" y="11707"/>
-                  </a:moveTo>
-                  <a:cubicBezTo>
-                    <a:pt x="26713" y="11785"/>
-                    <a:pt x="27970" y="12257"/>
-                    <a:pt x="28285" y="13121"/>
-                  </a:cubicBezTo>
-                  <a:cubicBezTo>
-                    <a:pt x="28835" y="14457"/>
-                    <a:pt x="27420" y="16499"/>
-                    <a:pt x="24671" y="18621"/>
-                  </a:cubicBezTo>
-                  <a:lnTo>
-                    <a:pt x="24435" y="18621"/>
-                  </a:lnTo>
-                  <a:cubicBezTo>
-                    <a:pt x="24042" y="18621"/>
-                    <a:pt x="23571" y="18699"/>
-                    <a:pt x="23099" y="18699"/>
-                  </a:cubicBezTo>
-                  <a:cubicBezTo>
-                    <a:pt x="19564" y="19092"/>
-                    <a:pt x="16185" y="20035"/>
-                    <a:pt x="12885" y="21528"/>
-                  </a:cubicBezTo>
-                  <a:cubicBezTo>
-                    <a:pt x="10136" y="22628"/>
-                    <a:pt x="7464" y="24120"/>
-                    <a:pt x="5029" y="25927"/>
-                  </a:cubicBezTo>
-                  <a:cubicBezTo>
-                    <a:pt x="3222" y="25849"/>
-                    <a:pt x="1965" y="25377"/>
-                    <a:pt x="1572" y="24592"/>
-                  </a:cubicBezTo>
-                  <a:cubicBezTo>
-                    <a:pt x="943" y="23256"/>
-                    <a:pt x="2436" y="21135"/>
-                    <a:pt x="5186" y="19092"/>
-                  </a:cubicBezTo>
-                  <a:cubicBezTo>
-                    <a:pt x="8093" y="19092"/>
-                    <a:pt x="12414" y="18149"/>
-                    <a:pt x="16971" y="16185"/>
-                  </a:cubicBezTo>
-                  <a:cubicBezTo>
-                    <a:pt x="19721" y="15007"/>
-                    <a:pt x="22392" y="13514"/>
-                    <a:pt x="24828" y="11707"/>
-                  </a:cubicBezTo>
-                  <a:close/>
-                  <a:moveTo>
-                    <a:pt x="24121" y="19092"/>
-                  </a:moveTo>
-                  <a:cubicBezTo>
-                    <a:pt x="21842" y="20663"/>
-                    <a:pt x="19407" y="22078"/>
-                    <a:pt x="16814" y="23178"/>
-                  </a:cubicBezTo>
-                  <a:cubicBezTo>
-                    <a:pt x="13278" y="24749"/>
-                    <a:pt x="9586" y="25692"/>
-                    <a:pt x="5736" y="25927"/>
-                  </a:cubicBezTo>
-                  <a:cubicBezTo>
-                    <a:pt x="8014" y="24356"/>
-                    <a:pt x="10528" y="22942"/>
-                    <a:pt x="13121" y="21842"/>
-                  </a:cubicBezTo>
-                  <a:cubicBezTo>
-                    <a:pt x="16264" y="20428"/>
-                    <a:pt x="19721" y="19485"/>
-                    <a:pt x="23178" y="19092"/>
-                  </a:cubicBezTo>
-                  <a:close/>
-                  <a:moveTo>
-                    <a:pt x="24042" y="26399"/>
-                  </a:moveTo>
-                  <a:lnTo>
-                    <a:pt x="24042" y="26477"/>
-                  </a:lnTo>
-                  <a:cubicBezTo>
-                    <a:pt x="21764" y="28049"/>
-                    <a:pt x="19328" y="29384"/>
-                    <a:pt x="16814" y="30484"/>
-                  </a:cubicBezTo>
-                  <a:cubicBezTo>
-                    <a:pt x="13278" y="31977"/>
-                    <a:pt x="9586" y="32998"/>
-                    <a:pt x="5814" y="33234"/>
-                  </a:cubicBezTo>
-                  <a:cubicBezTo>
-                    <a:pt x="8093" y="31663"/>
-                    <a:pt x="10528" y="30249"/>
-                    <a:pt x="13043" y="29227"/>
-                  </a:cubicBezTo>
-                  <a:cubicBezTo>
-                    <a:pt x="16264" y="27734"/>
-                    <a:pt x="19642" y="26870"/>
-                    <a:pt x="23178" y="26477"/>
-                  </a:cubicBezTo>
-                  <a:cubicBezTo>
-                    <a:pt x="23492" y="26399"/>
-                    <a:pt x="23806" y="26399"/>
-                    <a:pt x="24042" y="26399"/>
-                  </a:cubicBezTo>
-                  <a:close/>
-                  <a:moveTo>
-                    <a:pt x="24828" y="19092"/>
-                  </a:moveTo>
-                  <a:cubicBezTo>
-                    <a:pt x="26713" y="19092"/>
-                    <a:pt x="27970" y="19642"/>
-                    <a:pt x="28285" y="20428"/>
-                  </a:cubicBezTo>
-                  <a:cubicBezTo>
-                    <a:pt x="28835" y="21842"/>
-                    <a:pt x="27420" y="23885"/>
-                    <a:pt x="24592" y="26006"/>
-                  </a:cubicBezTo>
-                  <a:lnTo>
-                    <a:pt x="24435" y="26006"/>
-                  </a:lnTo>
-                  <a:cubicBezTo>
-                    <a:pt x="24042" y="26006"/>
-                    <a:pt x="23571" y="26006"/>
-                    <a:pt x="23099" y="26085"/>
-                  </a:cubicBezTo>
-                  <a:cubicBezTo>
-                    <a:pt x="19564" y="26477"/>
-                    <a:pt x="16185" y="27420"/>
-                    <a:pt x="12885" y="28913"/>
-                  </a:cubicBezTo>
-                  <a:cubicBezTo>
-                    <a:pt x="10136" y="30013"/>
-                    <a:pt x="7464" y="31506"/>
-                    <a:pt x="5029" y="33313"/>
-                  </a:cubicBezTo>
-                  <a:cubicBezTo>
-                    <a:pt x="3222" y="33156"/>
-                    <a:pt x="1965" y="32763"/>
-                    <a:pt x="1572" y="31820"/>
-                  </a:cubicBezTo>
-                  <a:lnTo>
-                    <a:pt x="1572" y="31899"/>
-                  </a:lnTo>
-                  <a:cubicBezTo>
-                    <a:pt x="943" y="30563"/>
-                    <a:pt x="2436" y="28520"/>
-                    <a:pt x="5186" y="26399"/>
-                  </a:cubicBezTo>
-                  <a:cubicBezTo>
-                    <a:pt x="5290" y="26402"/>
-                    <a:pt x="5396" y="26403"/>
-                    <a:pt x="5503" y="26403"/>
-                  </a:cubicBezTo>
-                  <a:cubicBezTo>
-                    <a:pt x="8403" y="26403"/>
-                    <a:pt x="12577" y="25386"/>
-                    <a:pt x="16971" y="23492"/>
-                  </a:cubicBezTo>
-                  <a:cubicBezTo>
-                    <a:pt x="19721" y="22392"/>
-                    <a:pt x="22392" y="20899"/>
-                    <a:pt x="24828" y="19092"/>
-                  </a:cubicBezTo>
-                  <a:close/>
-                  <a:moveTo>
-                    <a:pt x="24121" y="33784"/>
-                  </a:moveTo>
-                  <a:cubicBezTo>
-                    <a:pt x="21842" y="35434"/>
-                    <a:pt x="19328" y="36770"/>
-                    <a:pt x="16735" y="37870"/>
-                  </a:cubicBezTo>
-                  <a:cubicBezTo>
-                    <a:pt x="13314" y="39425"/>
-                    <a:pt x="9662" y="40364"/>
-                    <a:pt x="5855" y="40612"/>
-                  </a:cubicBezTo>
-                  <a:lnTo>
-                    <a:pt x="5855" y="40612"/>
-                  </a:lnTo>
-                  <a:cubicBezTo>
-                    <a:pt x="8099" y="38999"/>
-                    <a:pt x="10495" y="37615"/>
-                    <a:pt x="13043" y="36534"/>
-                  </a:cubicBezTo>
-                  <a:cubicBezTo>
-                    <a:pt x="16264" y="35120"/>
-                    <a:pt x="19642" y="34177"/>
-                    <a:pt x="23099" y="33784"/>
-                  </a:cubicBezTo>
-                  <a:close/>
-                  <a:moveTo>
-                    <a:pt x="24828" y="26399"/>
-                  </a:moveTo>
-                  <a:cubicBezTo>
-                    <a:pt x="26713" y="26399"/>
-                    <a:pt x="27970" y="26949"/>
-                    <a:pt x="28363" y="27813"/>
-                  </a:cubicBezTo>
-                  <a:cubicBezTo>
-                    <a:pt x="28913" y="29149"/>
-                    <a:pt x="27420" y="31191"/>
-                    <a:pt x="24671" y="33313"/>
-                  </a:cubicBezTo>
-                  <a:lnTo>
-                    <a:pt x="24671" y="33391"/>
-                  </a:lnTo>
-                  <a:lnTo>
-                    <a:pt x="23099" y="33391"/>
-                  </a:lnTo>
-                  <a:cubicBezTo>
-                    <a:pt x="19564" y="33784"/>
-                    <a:pt x="16107" y="34727"/>
-                    <a:pt x="12885" y="36141"/>
-                  </a:cubicBezTo>
-                  <a:cubicBezTo>
-                    <a:pt x="10136" y="37320"/>
-                    <a:pt x="7464" y="38812"/>
-                    <a:pt x="5029" y="40620"/>
-                  </a:cubicBezTo>
-                  <a:cubicBezTo>
-                    <a:pt x="3222" y="40541"/>
-                    <a:pt x="1965" y="40148"/>
-                    <a:pt x="1572" y="39205"/>
-                  </a:cubicBezTo>
-                  <a:cubicBezTo>
-                    <a:pt x="1022" y="37870"/>
-                    <a:pt x="2515" y="35748"/>
-                    <a:pt x="5264" y="33706"/>
-                  </a:cubicBezTo>
-                  <a:cubicBezTo>
-                    <a:pt x="8171" y="33706"/>
-                    <a:pt x="12493" y="32763"/>
-                    <a:pt x="16971" y="30799"/>
-                  </a:cubicBezTo>
-                  <a:cubicBezTo>
-                    <a:pt x="19799" y="29699"/>
-                    <a:pt x="22392" y="28206"/>
-                    <a:pt x="24828" y="26399"/>
-                  </a:cubicBezTo>
-                  <a:close/>
-                  <a:moveTo>
-                    <a:pt x="24828" y="33784"/>
-                  </a:moveTo>
-                  <a:cubicBezTo>
-                    <a:pt x="26792" y="33784"/>
-                    <a:pt x="27970" y="34256"/>
-                    <a:pt x="28285" y="35120"/>
-                  </a:cubicBezTo>
-                  <a:lnTo>
-                    <a:pt x="28285" y="35198"/>
-                  </a:lnTo>
-                  <a:cubicBezTo>
-                    <a:pt x="29306" y="37555"/>
-                    <a:pt x="24042" y="42034"/>
-                    <a:pt x="16814" y="45176"/>
-                  </a:cubicBezTo>
-                  <a:cubicBezTo>
-                    <a:pt x="14457" y="46198"/>
-                    <a:pt x="12021" y="46983"/>
-                    <a:pt x="9507" y="47533"/>
-                  </a:cubicBezTo>
-                  <a:cubicBezTo>
-                    <a:pt x="8407" y="46748"/>
-                    <a:pt x="7700" y="45491"/>
-                    <a:pt x="7700" y="44155"/>
-                  </a:cubicBezTo>
-                  <a:cubicBezTo>
-                    <a:pt x="7700" y="45884"/>
-                    <a:pt x="6600" y="47455"/>
-                    <a:pt x="4950" y="48005"/>
-                  </a:cubicBezTo>
-                  <a:cubicBezTo>
-                    <a:pt x="3222" y="47926"/>
-                    <a:pt x="1965" y="47455"/>
-                    <a:pt x="1572" y="46591"/>
-                  </a:cubicBezTo>
-                  <a:cubicBezTo>
-                    <a:pt x="943" y="45255"/>
-                    <a:pt x="2436" y="43212"/>
-                    <a:pt x="5186" y="41091"/>
-                  </a:cubicBezTo>
-                  <a:cubicBezTo>
-                    <a:pt x="5290" y="41094"/>
-                    <a:pt x="5396" y="41095"/>
-                    <a:pt x="5504" y="41095"/>
-                  </a:cubicBezTo>
-                  <a:cubicBezTo>
-                    <a:pt x="8403" y="41095"/>
-                    <a:pt x="12577" y="40081"/>
-                    <a:pt x="16971" y="38262"/>
-                  </a:cubicBezTo>
-                  <a:cubicBezTo>
-                    <a:pt x="19721" y="37084"/>
-                    <a:pt x="22392" y="35591"/>
-                    <a:pt x="24828" y="33784"/>
-                  </a:cubicBezTo>
-                  <a:close/>
-                  <a:moveTo>
-                    <a:pt x="20742" y="0"/>
-                  </a:moveTo>
-                  <a:cubicBezTo>
-                    <a:pt x="20742" y="2279"/>
-                    <a:pt x="18935" y="4086"/>
-                    <a:pt x="16657" y="4086"/>
-                  </a:cubicBezTo>
-                  <a:cubicBezTo>
-                    <a:pt x="17442" y="4086"/>
-                    <a:pt x="18149" y="4243"/>
-                    <a:pt x="18857" y="4714"/>
-                  </a:cubicBezTo>
-                  <a:cubicBezTo>
-                    <a:pt x="16814" y="5186"/>
-                    <a:pt x="14850" y="5893"/>
-                    <a:pt x="12964" y="6678"/>
-                  </a:cubicBezTo>
-                  <a:cubicBezTo>
-                    <a:pt x="5186" y="10057"/>
-                    <a:pt x="0" y="14771"/>
-                    <a:pt x="1257" y="17364"/>
-                  </a:cubicBezTo>
-                  <a:cubicBezTo>
-                    <a:pt x="1650" y="18306"/>
-                    <a:pt x="2829" y="18856"/>
-                    <a:pt x="4557" y="19013"/>
-                  </a:cubicBezTo>
-                  <a:cubicBezTo>
-                    <a:pt x="1886" y="21135"/>
-                    <a:pt x="629" y="23178"/>
-                    <a:pt x="1257" y="24670"/>
-                  </a:cubicBezTo>
-                  <a:cubicBezTo>
-                    <a:pt x="1650" y="25613"/>
-                    <a:pt x="2829" y="26163"/>
-                    <a:pt x="4557" y="26320"/>
-                  </a:cubicBezTo>
-                  <a:cubicBezTo>
-                    <a:pt x="1886" y="28442"/>
-                    <a:pt x="629" y="30563"/>
-                    <a:pt x="1257" y="31977"/>
-                  </a:cubicBezTo>
-                  <a:cubicBezTo>
-                    <a:pt x="1650" y="32998"/>
-                    <a:pt x="2829" y="33470"/>
-                    <a:pt x="4557" y="33627"/>
-                  </a:cubicBezTo>
-                  <a:cubicBezTo>
-                    <a:pt x="1965" y="35748"/>
-                    <a:pt x="550" y="37870"/>
-                    <a:pt x="1257" y="39362"/>
-                  </a:cubicBezTo>
-                  <a:cubicBezTo>
-                    <a:pt x="1650" y="40384"/>
-                    <a:pt x="2829" y="40855"/>
-                    <a:pt x="4557" y="41012"/>
-                  </a:cubicBezTo>
-                  <a:cubicBezTo>
-                    <a:pt x="1886" y="43134"/>
-                    <a:pt x="629" y="45255"/>
-                    <a:pt x="1257" y="46669"/>
-                  </a:cubicBezTo>
-                  <a:cubicBezTo>
-                    <a:pt x="1650" y="47769"/>
-                    <a:pt x="2986" y="48319"/>
-                    <a:pt x="4950" y="48398"/>
-                  </a:cubicBezTo>
-                  <a:cubicBezTo>
-                    <a:pt x="6600" y="48948"/>
-                    <a:pt x="7779" y="50440"/>
-                    <a:pt x="7779" y="52248"/>
-                  </a:cubicBezTo>
-                  <a:cubicBezTo>
-                    <a:pt x="7779" y="49969"/>
-                    <a:pt x="9586" y="48162"/>
-                    <a:pt x="11864" y="48162"/>
-                  </a:cubicBezTo>
-                  <a:cubicBezTo>
-                    <a:pt x="11236" y="48162"/>
-                    <a:pt x="10686" y="48005"/>
-                    <a:pt x="10136" y="47769"/>
-                  </a:cubicBezTo>
-                  <a:cubicBezTo>
-                    <a:pt x="12493" y="47219"/>
-                    <a:pt x="14771" y="46512"/>
-                    <a:pt x="17050" y="45569"/>
-                  </a:cubicBezTo>
-                  <a:cubicBezTo>
-                    <a:pt x="24671" y="42269"/>
-                    <a:pt x="29856" y="37634"/>
-                    <a:pt x="28756" y="34963"/>
-                  </a:cubicBezTo>
-                  <a:cubicBezTo>
-                    <a:pt x="28285" y="34020"/>
-                    <a:pt x="27185" y="33470"/>
-                    <a:pt x="25378" y="33313"/>
-                  </a:cubicBezTo>
-                  <a:cubicBezTo>
-                    <a:pt x="27970" y="31191"/>
-                    <a:pt x="29306" y="29070"/>
-                    <a:pt x="28756" y="27656"/>
-                  </a:cubicBezTo>
-                  <a:cubicBezTo>
-                    <a:pt x="28285" y="26635"/>
-                    <a:pt x="27106" y="26163"/>
-                    <a:pt x="25378" y="26006"/>
-                  </a:cubicBezTo>
-                  <a:cubicBezTo>
-                    <a:pt x="28049" y="23885"/>
-                    <a:pt x="29385" y="21763"/>
-                    <a:pt x="28756" y="20271"/>
-                  </a:cubicBezTo>
-                  <a:cubicBezTo>
-                    <a:pt x="28285" y="19328"/>
-                    <a:pt x="27185" y="18778"/>
-                    <a:pt x="25378" y="18621"/>
-                  </a:cubicBezTo>
-                  <a:cubicBezTo>
-                    <a:pt x="28049" y="16499"/>
-                    <a:pt x="29306" y="14378"/>
-                    <a:pt x="28756" y="12964"/>
-                  </a:cubicBezTo>
-                  <a:cubicBezTo>
-                    <a:pt x="28285" y="11942"/>
-                    <a:pt x="27185" y="11392"/>
-                    <a:pt x="25378" y="11314"/>
-                  </a:cubicBezTo>
-                  <a:cubicBezTo>
-                    <a:pt x="28049" y="9193"/>
-                    <a:pt x="29306" y="7071"/>
-                    <a:pt x="28756" y="5578"/>
-                  </a:cubicBezTo>
-                  <a:cubicBezTo>
-                    <a:pt x="28285" y="4478"/>
-                    <a:pt x="26792" y="3929"/>
-                    <a:pt x="24513" y="3929"/>
-                  </a:cubicBezTo>
-                  <a:lnTo>
-                    <a:pt x="23649" y="3929"/>
-                  </a:lnTo>
-                  <a:cubicBezTo>
-                    <a:pt x="21921" y="3379"/>
-                    <a:pt x="20742" y="1807"/>
-                    <a:pt x="20742" y="0"/>
-                  </a:cubicBezTo>
-                  <a:close/>
-                </a:path>
-              </a:pathLst>
-            </a:custGeom>
-            <a:solidFill>
-              <a:schemeClr val="lt1"/>
-            </a:solidFill>
-            <a:ln w="9525" cap="flat" cmpd="sng">
-              <a:solidFill>
-                <a:schemeClr val="lt1"/>
-              </a:solidFill>
-              <a:prstDash val="solid"/>
-              <a:round/>
-              <a:headEnd type="none" w="sm" len="sm"/>
-              <a:tailEnd type="none" w="sm" len="sm"/>
-            </a:ln>
-          </p:spPr>
-          <p:txBody>
-            <a:bodyPr spcFirstLastPara="1" wrap="square" lIns="91425" tIns="91425" rIns="91425" bIns="91425" anchor="ctr" anchorCtr="0">
-              <a:noAutofit/>
-            </a:bodyPr>
-            <a:lstStyle/>
-            <a:p>
-              <a:pPr marL="0" lvl="0" indent="0" algn="l" rtl="0">
-                <a:spcBef>
-                  <a:spcPts val="0"/>
-                </a:spcBef>
-                <a:spcAft>
-                  <a:spcPts val="0"/>
-                </a:spcAft>
-                <a:buNone/>
-              </a:pPr>
-              <a:endParaRPr/>
-            </a:p>
-          </p:txBody>
-        </p:sp>
-        <p:sp>
-          <p:nvSpPr>
-            <p:cNvPr id="216" name="Google Shape;216;p18"/>
-            <p:cNvSpPr/>
-            <p:nvPr/>
-          </p:nvSpPr>
-          <p:spPr>
-            <a:xfrm>
-              <a:off x="8274775" y="257063"/>
-              <a:ext cx="550834" cy="564881"/>
-            </a:xfrm>
-            <a:custGeom>
-              <a:avLst/>
-              <a:gdLst/>
-              <a:ahLst/>
-              <a:cxnLst/>
-              <a:rect l="l" t="t" r="r" b="b"/>
-              <a:pathLst>
-                <a:path w="43135" h="44235" extrusionOk="0">
-                  <a:moveTo>
-                    <a:pt x="21057" y="1"/>
-                  </a:moveTo>
-                  <a:lnTo>
-                    <a:pt x="21057" y="394"/>
-                  </a:lnTo>
-                  <a:cubicBezTo>
-                    <a:pt x="20979" y="12179"/>
-                    <a:pt x="11786" y="21921"/>
-                    <a:pt x="1" y="22471"/>
-                  </a:cubicBezTo>
-                  <a:cubicBezTo>
-                    <a:pt x="11629" y="23021"/>
-                    <a:pt x="20821" y="32606"/>
-                    <a:pt x="21057" y="44234"/>
-                  </a:cubicBezTo>
-                  <a:lnTo>
-                    <a:pt x="21057" y="43841"/>
-                  </a:lnTo>
-                  <a:cubicBezTo>
-                    <a:pt x="20979" y="31663"/>
-                    <a:pt x="30957" y="21764"/>
-                    <a:pt x="43135" y="21764"/>
-                  </a:cubicBezTo>
-                  <a:cubicBezTo>
-                    <a:pt x="31114" y="21685"/>
-                    <a:pt x="21214" y="12022"/>
-                    <a:pt x="21057" y="1"/>
-                  </a:cubicBezTo>
-                  <a:close/>
-                </a:path>
-              </a:pathLst>
-            </a:custGeom>
-            <a:noFill/>
-            <a:ln w="19050" cap="flat" cmpd="sng">
-              <a:solidFill>
-                <a:schemeClr val="lt1"/>
-              </a:solidFill>
-              <a:prstDash val="solid"/>
-              <a:round/>
-              <a:headEnd type="none" w="sm" len="sm"/>
-              <a:tailEnd type="none" w="sm" len="sm"/>
-            </a:ln>
-          </p:spPr>
-          <p:txBody>
-            <a:bodyPr spcFirstLastPara="1" wrap="square" lIns="91425" tIns="91425" rIns="91425" bIns="91425" anchor="ctr" anchorCtr="0">
-              <a:noAutofit/>
-            </a:bodyPr>
-            <a:lstStyle/>
-            <a:p>
-              <a:pPr marL="0" lvl="0" indent="0" algn="l" rtl="0">
-                <a:spcBef>
-                  <a:spcPts val="0"/>
-                </a:spcBef>
-                <a:spcAft>
-                  <a:spcPts val="0"/>
-                </a:spcAft>
-                <a:buNone/>
-              </a:pPr>
-              <a:endParaRPr/>
-            </a:p>
-          </p:txBody>
-        </p:sp>
-        <p:sp>
-          <p:nvSpPr>
-            <p:cNvPr id="217" name="Google Shape;217;p18"/>
-            <p:cNvSpPr/>
-            <p:nvPr/>
-          </p:nvSpPr>
-          <p:spPr>
-            <a:xfrm>
-              <a:off x="3296325" y="4604000"/>
-              <a:ext cx="2429800" cy="2429150"/>
-            </a:xfrm>
-            <a:custGeom>
-              <a:avLst/>
-              <a:gdLst/>
-              <a:ahLst/>
-              <a:cxnLst/>
-              <a:rect l="l" t="t" r="r" b="b"/>
-              <a:pathLst>
-                <a:path w="97192" h="97166" extrusionOk="0">
-                  <a:moveTo>
-                    <a:pt x="47043" y="1"/>
-                  </a:moveTo>
-                  <a:lnTo>
-                    <a:pt x="47282" y="7412"/>
-                  </a:lnTo>
-                  <a:lnTo>
-                    <a:pt x="47839" y="7412"/>
-                  </a:lnTo>
-                  <a:lnTo>
-                    <a:pt x="47707" y="1"/>
-                  </a:lnTo>
-                  <a:close/>
-                  <a:moveTo>
-                    <a:pt x="50389" y="27"/>
-                  </a:moveTo>
-                  <a:lnTo>
-                    <a:pt x="50150" y="7438"/>
-                  </a:lnTo>
-                  <a:lnTo>
-                    <a:pt x="50708" y="7465"/>
-                  </a:lnTo>
-                  <a:lnTo>
-                    <a:pt x="51053" y="54"/>
-                  </a:lnTo>
-                  <a:cubicBezTo>
-                    <a:pt x="50841" y="54"/>
-                    <a:pt x="50628" y="27"/>
-                    <a:pt x="50389" y="27"/>
-                  </a:cubicBezTo>
-                  <a:close/>
-                  <a:moveTo>
-                    <a:pt x="44386" y="160"/>
-                  </a:moveTo>
-                  <a:lnTo>
-                    <a:pt x="43722" y="213"/>
-                  </a:lnTo>
-                  <a:lnTo>
-                    <a:pt x="44466" y="7598"/>
-                  </a:lnTo>
-                  <a:lnTo>
-                    <a:pt x="45024" y="7544"/>
-                  </a:lnTo>
-                  <a:lnTo>
-                    <a:pt x="44386" y="160"/>
-                  </a:lnTo>
-                  <a:close/>
-                  <a:moveTo>
-                    <a:pt x="53710" y="266"/>
-                  </a:moveTo>
-                  <a:lnTo>
-                    <a:pt x="52939" y="7624"/>
-                  </a:lnTo>
-                  <a:lnTo>
-                    <a:pt x="53524" y="7704"/>
-                  </a:lnTo>
-                  <a:lnTo>
-                    <a:pt x="54374" y="319"/>
-                  </a:lnTo>
-                  <a:lnTo>
-                    <a:pt x="53710" y="266"/>
-                  </a:lnTo>
-                  <a:close/>
-                  <a:moveTo>
-                    <a:pt x="41066" y="585"/>
-                  </a:moveTo>
-                  <a:cubicBezTo>
-                    <a:pt x="40854" y="612"/>
-                    <a:pt x="40615" y="638"/>
-                    <a:pt x="40402" y="691"/>
-                  </a:cubicBezTo>
-                  <a:lnTo>
-                    <a:pt x="41650" y="7996"/>
-                  </a:lnTo>
-                  <a:lnTo>
-                    <a:pt x="42208" y="7890"/>
-                  </a:lnTo>
-                  <a:lnTo>
-                    <a:pt x="41066" y="585"/>
-                  </a:lnTo>
-                  <a:close/>
-                  <a:moveTo>
-                    <a:pt x="57030" y="718"/>
-                  </a:moveTo>
-                  <a:lnTo>
-                    <a:pt x="55755" y="8023"/>
-                  </a:lnTo>
-                  <a:lnTo>
-                    <a:pt x="56313" y="8129"/>
-                  </a:lnTo>
-                  <a:lnTo>
-                    <a:pt x="57694" y="851"/>
-                  </a:lnTo>
-                  <a:lnTo>
-                    <a:pt x="57030" y="718"/>
-                  </a:lnTo>
-                  <a:close/>
-                  <a:moveTo>
-                    <a:pt x="37772" y="1196"/>
-                  </a:moveTo>
-                  <a:lnTo>
-                    <a:pt x="37135" y="1355"/>
-                  </a:lnTo>
-                  <a:lnTo>
-                    <a:pt x="38861" y="8554"/>
-                  </a:lnTo>
-                  <a:lnTo>
-                    <a:pt x="39446" y="8421"/>
-                  </a:lnTo>
-                  <a:lnTo>
-                    <a:pt x="37772" y="1196"/>
-                  </a:lnTo>
-                  <a:close/>
-                  <a:moveTo>
-                    <a:pt x="60297" y="1408"/>
-                  </a:moveTo>
-                  <a:lnTo>
-                    <a:pt x="58517" y="8607"/>
-                  </a:lnTo>
-                  <a:lnTo>
-                    <a:pt x="59075" y="8740"/>
-                  </a:lnTo>
-                  <a:lnTo>
-                    <a:pt x="60961" y="1568"/>
-                  </a:lnTo>
-                  <a:cubicBezTo>
-                    <a:pt x="60749" y="1515"/>
-                    <a:pt x="60536" y="1462"/>
-                    <a:pt x="60297" y="1408"/>
-                  </a:cubicBezTo>
-                  <a:close/>
-                  <a:moveTo>
-                    <a:pt x="34532" y="2046"/>
-                  </a:moveTo>
-                  <a:lnTo>
-                    <a:pt x="33894" y="2232"/>
-                  </a:lnTo>
-                  <a:lnTo>
-                    <a:pt x="36126" y="9324"/>
-                  </a:lnTo>
-                  <a:lnTo>
-                    <a:pt x="36683" y="9138"/>
-                  </a:lnTo>
-                  <a:lnTo>
-                    <a:pt x="34532" y="2046"/>
-                  </a:lnTo>
-                  <a:close/>
-                  <a:moveTo>
-                    <a:pt x="63538" y="2338"/>
-                  </a:moveTo>
-                  <a:lnTo>
-                    <a:pt x="61253" y="9377"/>
-                  </a:lnTo>
-                  <a:lnTo>
-                    <a:pt x="61811" y="9563"/>
-                  </a:lnTo>
-                  <a:lnTo>
-                    <a:pt x="64175" y="2524"/>
-                  </a:lnTo>
-                  <a:lnTo>
-                    <a:pt x="63538" y="2338"/>
-                  </a:lnTo>
-                  <a:close/>
-                  <a:moveTo>
-                    <a:pt x="31371" y="3135"/>
-                  </a:moveTo>
-                  <a:lnTo>
-                    <a:pt x="30760" y="3374"/>
-                  </a:lnTo>
-                  <a:lnTo>
-                    <a:pt x="33469" y="10254"/>
-                  </a:lnTo>
-                  <a:lnTo>
-                    <a:pt x="34001" y="10068"/>
-                  </a:lnTo>
-                  <a:lnTo>
-                    <a:pt x="31371" y="3135"/>
-                  </a:lnTo>
-                  <a:close/>
-                  <a:moveTo>
-                    <a:pt x="66699" y="3480"/>
-                  </a:moveTo>
-                  <a:lnTo>
-                    <a:pt x="63910" y="10360"/>
-                  </a:lnTo>
-                  <a:lnTo>
-                    <a:pt x="64467" y="10572"/>
-                  </a:lnTo>
-                  <a:lnTo>
-                    <a:pt x="67310" y="3719"/>
-                  </a:lnTo>
-                  <a:lnTo>
-                    <a:pt x="66699" y="3480"/>
-                  </a:lnTo>
-                  <a:close/>
-                  <a:moveTo>
-                    <a:pt x="28290" y="4410"/>
-                  </a:moveTo>
-                  <a:lnTo>
-                    <a:pt x="27679" y="4702"/>
-                  </a:lnTo>
-                  <a:lnTo>
-                    <a:pt x="30866" y="11396"/>
-                  </a:lnTo>
-                  <a:lnTo>
-                    <a:pt x="31397" y="11157"/>
-                  </a:lnTo>
-                  <a:lnTo>
-                    <a:pt x="28290" y="4410"/>
-                  </a:lnTo>
-                  <a:close/>
-                  <a:moveTo>
-                    <a:pt x="69753" y="4835"/>
-                  </a:moveTo>
-                  <a:lnTo>
-                    <a:pt x="66513" y="11502"/>
-                  </a:lnTo>
-                  <a:lnTo>
-                    <a:pt x="67044" y="11768"/>
-                  </a:lnTo>
-                  <a:lnTo>
-                    <a:pt x="70364" y="5127"/>
-                  </a:lnTo>
-                  <a:lnTo>
-                    <a:pt x="69753" y="4835"/>
-                  </a:lnTo>
-                  <a:close/>
-                  <a:moveTo>
-                    <a:pt x="25315" y="5898"/>
-                  </a:moveTo>
-                  <a:lnTo>
-                    <a:pt x="24730" y="6243"/>
-                  </a:lnTo>
-                  <a:lnTo>
-                    <a:pt x="28369" y="12697"/>
-                  </a:lnTo>
-                  <a:lnTo>
-                    <a:pt x="28847" y="12432"/>
-                  </a:lnTo>
-                  <a:lnTo>
-                    <a:pt x="25315" y="5898"/>
-                  </a:lnTo>
-                  <a:close/>
-                  <a:moveTo>
-                    <a:pt x="72728" y="6402"/>
-                  </a:moveTo>
-                  <a:lnTo>
-                    <a:pt x="69036" y="12830"/>
-                  </a:lnTo>
-                  <a:lnTo>
-                    <a:pt x="69514" y="13122"/>
-                  </a:lnTo>
-                  <a:lnTo>
-                    <a:pt x="73286" y="6721"/>
-                  </a:lnTo>
-                  <a:lnTo>
-                    <a:pt x="72728" y="6402"/>
-                  </a:lnTo>
-                  <a:close/>
-                  <a:moveTo>
-                    <a:pt x="22446" y="7598"/>
-                  </a:moveTo>
-                  <a:lnTo>
-                    <a:pt x="21888" y="7969"/>
-                  </a:lnTo>
-                  <a:lnTo>
-                    <a:pt x="25952" y="14185"/>
-                  </a:lnTo>
-                  <a:lnTo>
-                    <a:pt x="26430" y="13866"/>
-                  </a:lnTo>
-                  <a:lnTo>
-                    <a:pt x="22446" y="7598"/>
-                  </a:lnTo>
-                  <a:close/>
-                  <a:moveTo>
-                    <a:pt x="75570" y="8155"/>
-                  </a:moveTo>
-                  <a:lnTo>
-                    <a:pt x="71453" y="14344"/>
-                  </a:lnTo>
-                  <a:lnTo>
-                    <a:pt x="71905" y="14637"/>
-                  </a:lnTo>
-                  <a:lnTo>
-                    <a:pt x="76128" y="8554"/>
-                  </a:lnTo>
-                  <a:lnTo>
-                    <a:pt x="75570" y="8155"/>
-                  </a:lnTo>
-                  <a:close/>
-                  <a:moveTo>
-                    <a:pt x="19684" y="9510"/>
-                  </a:moveTo>
-                  <a:lnTo>
-                    <a:pt x="19152" y="9908"/>
-                  </a:lnTo>
-                  <a:lnTo>
-                    <a:pt x="23641" y="15805"/>
-                  </a:lnTo>
-                  <a:lnTo>
-                    <a:pt x="24093" y="15487"/>
-                  </a:lnTo>
-                  <a:lnTo>
-                    <a:pt x="19684" y="9510"/>
-                  </a:lnTo>
-                  <a:close/>
-                  <a:moveTo>
-                    <a:pt x="78280" y="10121"/>
-                  </a:moveTo>
-                  <a:lnTo>
-                    <a:pt x="73738" y="15991"/>
-                  </a:lnTo>
-                  <a:lnTo>
-                    <a:pt x="74189" y="16337"/>
-                  </a:lnTo>
-                  <a:lnTo>
-                    <a:pt x="78811" y="10546"/>
-                  </a:lnTo>
-                  <a:lnTo>
-                    <a:pt x="78280" y="10121"/>
-                  </a:lnTo>
-                  <a:close/>
-                  <a:moveTo>
-                    <a:pt x="17054" y="11608"/>
-                  </a:moveTo>
-                  <a:lnTo>
-                    <a:pt x="16549" y="12033"/>
-                  </a:lnTo>
-                  <a:lnTo>
-                    <a:pt x="21437" y="17611"/>
-                  </a:lnTo>
-                  <a:lnTo>
-                    <a:pt x="21888" y="17240"/>
-                  </a:lnTo>
-                  <a:lnTo>
-                    <a:pt x="17054" y="11608"/>
-                  </a:lnTo>
-                  <a:close/>
-                  <a:moveTo>
-                    <a:pt x="80856" y="12246"/>
-                  </a:moveTo>
-                  <a:lnTo>
-                    <a:pt x="75916" y="17797"/>
-                  </a:lnTo>
-                  <a:lnTo>
-                    <a:pt x="76367" y="18169"/>
-                  </a:lnTo>
-                  <a:lnTo>
-                    <a:pt x="81361" y="12697"/>
-                  </a:lnTo>
-                  <a:lnTo>
-                    <a:pt x="80856" y="12246"/>
-                  </a:lnTo>
-                  <a:close/>
-                  <a:moveTo>
-                    <a:pt x="14610" y="13866"/>
-                  </a:moveTo>
-                  <a:cubicBezTo>
-                    <a:pt x="14451" y="13999"/>
-                    <a:pt x="14291" y="14158"/>
-                    <a:pt x="14132" y="14318"/>
-                  </a:cubicBezTo>
-                  <a:lnTo>
-                    <a:pt x="19391" y="19551"/>
-                  </a:lnTo>
-                  <a:lnTo>
-                    <a:pt x="19790" y="19179"/>
-                  </a:lnTo>
-                  <a:lnTo>
-                    <a:pt x="14610" y="13866"/>
-                  </a:lnTo>
-                  <a:close/>
-                  <a:moveTo>
-                    <a:pt x="83300" y="14557"/>
-                  </a:moveTo>
-                  <a:lnTo>
-                    <a:pt x="77988" y="19763"/>
-                  </a:lnTo>
-                  <a:cubicBezTo>
-                    <a:pt x="78120" y="19869"/>
-                    <a:pt x="78253" y="20029"/>
-                    <a:pt x="78386" y="20161"/>
-                  </a:cubicBezTo>
-                  <a:lnTo>
-                    <a:pt x="83752" y="15035"/>
-                  </a:lnTo>
-                  <a:cubicBezTo>
-                    <a:pt x="83592" y="14876"/>
-                    <a:pt x="83459" y="14716"/>
-                    <a:pt x="83300" y="14557"/>
-                  </a:cubicBezTo>
-                  <a:close/>
-                  <a:moveTo>
-                    <a:pt x="12299" y="16257"/>
-                  </a:moveTo>
-                  <a:lnTo>
-                    <a:pt x="11848" y="16762"/>
-                  </a:lnTo>
-                  <a:lnTo>
-                    <a:pt x="17452" y="21622"/>
-                  </a:lnTo>
-                  <a:cubicBezTo>
-                    <a:pt x="17585" y="21490"/>
-                    <a:pt x="17691" y="21357"/>
-                    <a:pt x="17824" y="21197"/>
-                  </a:cubicBezTo>
-                  <a:lnTo>
-                    <a:pt x="12299" y="16257"/>
-                  </a:lnTo>
-                  <a:close/>
-                  <a:moveTo>
-                    <a:pt x="85531" y="17027"/>
-                  </a:moveTo>
-                  <a:lnTo>
-                    <a:pt x="79900" y="21835"/>
-                  </a:lnTo>
-                  <a:cubicBezTo>
-                    <a:pt x="80033" y="21968"/>
-                    <a:pt x="80139" y="22127"/>
-                    <a:pt x="80272" y="22260"/>
-                  </a:cubicBezTo>
-                  <a:lnTo>
-                    <a:pt x="85983" y="17532"/>
-                  </a:lnTo>
-                  <a:lnTo>
-                    <a:pt x="85531" y="17027"/>
-                  </a:lnTo>
-                  <a:close/>
-                  <a:moveTo>
-                    <a:pt x="10148" y="18833"/>
-                  </a:moveTo>
-                  <a:lnTo>
-                    <a:pt x="9749" y="19365"/>
-                  </a:lnTo>
-                  <a:lnTo>
-                    <a:pt x="15673" y="23827"/>
-                  </a:lnTo>
-                  <a:lnTo>
-                    <a:pt x="16018" y="23402"/>
-                  </a:lnTo>
-                  <a:lnTo>
-                    <a:pt x="10148" y="18833"/>
-                  </a:lnTo>
-                  <a:close/>
-                  <a:moveTo>
-                    <a:pt x="87630" y="19630"/>
-                  </a:moveTo>
-                  <a:lnTo>
-                    <a:pt x="81680" y="24040"/>
-                  </a:lnTo>
-                  <a:lnTo>
-                    <a:pt x="82025" y="24518"/>
-                  </a:lnTo>
-                  <a:lnTo>
-                    <a:pt x="88028" y="20161"/>
-                  </a:lnTo>
-                  <a:lnTo>
-                    <a:pt x="87630" y="19630"/>
-                  </a:lnTo>
-                  <a:close/>
-                  <a:moveTo>
-                    <a:pt x="8182" y="21543"/>
-                  </a:moveTo>
-                  <a:cubicBezTo>
-                    <a:pt x="8076" y="21729"/>
-                    <a:pt x="7943" y="21915"/>
-                    <a:pt x="7810" y="22101"/>
-                  </a:cubicBezTo>
-                  <a:lnTo>
-                    <a:pt x="14052" y="26165"/>
-                  </a:lnTo>
-                  <a:lnTo>
-                    <a:pt x="14345" y="25686"/>
-                  </a:lnTo>
-                  <a:lnTo>
-                    <a:pt x="8182" y="21543"/>
-                  </a:lnTo>
-                  <a:close/>
-                  <a:moveTo>
-                    <a:pt x="89542" y="22366"/>
-                  </a:moveTo>
-                  <a:lnTo>
-                    <a:pt x="83273" y="26377"/>
-                  </a:lnTo>
-                  <a:cubicBezTo>
-                    <a:pt x="83380" y="26536"/>
-                    <a:pt x="83486" y="26696"/>
-                    <a:pt x="83566" y="26855"/>
-                  </a:cubicBezTo>
-                  <a:lnTo>
-                    <a:pt x="83592" y="26855"/>
-                  </a:lnTo>
-                  <a:lnTo>
-                    <a:pt x="89887" y="22924"/>
-                  </a:lnTo>
-                  <a:cubicBezTo>
-                    <a:pt x="89781" y="22738"/>
-                    <a:pt x="89648" y="22552"/>
-                    <a:pt x="89542" y="22366"/>
-                  </a:cubicBezTo>
-                  <a:close/>
-                  <a:moveTo>
-                    <a:pt x="6429" y="24411"/>
-                  </a:moveTo>
-                  <a:cubicBezTo>
-                    <a:pt x="6296" y="24597"/>
-                    <a:pt x="6190" y="24783"/>
-                    <a:pt x="6084" y="24969"/>
-                  </a:cubicBezTo>
-                  <a:lnTo>
-                    <a:pt x="12565" y="28582"/>
-                  </a:lnTo>
-                  <a:cubicBezTo>
-                    <a:pt x="12671" y="28422"/>
-                    <a:pt x="12751" y="28263"/>
-                    <a:pt x="12857" y="28104"/>
-                  </a:cubicBezTo>
-                  <a:lnTo>
-                    <a:pt x="6429" y="24411"/>
-                  </a:lnTo>
-                  <a:close/>
-                  <a:moveTo>
-                    <a:pt x="91242" y="25261"/>
-                  </a:moveTo>
-                  <a:lnTo>
-                    <a:pt x="84734" y="28821"/>
-                  </a:lnTo>
-                  <a:cubicBezTo>
-                    <a:pt x="84814" y="28980"/>
-                    <a:pt x="84894" y="29140"/>
-                    <a:pt x="85000" y="29325"/>
-                  </a:cubicBezTo>
-                  <a:lnTo>
-                    <a:pt x="91561" y="25819"/>
-                  </a:lnTo>
-                  <a:lnTo>
-                    <a:pt x="91242" y="25261"/>
-                  </a:lnTo>
-                  <a:close/>
-                  <a:moveTo>
-                    <a:pt x="4862" y="27360"/>
-                  </a:moveTo>
-                  <a:cubicBezTo>
-                    <a:pt x="4756" y="27546"/>
-                    <a:pt x="4649" y="27758"/>
-                    <a:pt x="4570" y="27971"/>
-                  </a:cubicBezTo>
-                  <a:lnTo>
-                    <a:pt x="11290" y="31132"/>
-                  </a:lnTo>
-                  <a:cubicBezTo>
-                    <a:pt x="11370" y="30946"/>
-                    <a:pt x="11449" y="30786"/>
-                    <a:pt x="11529" y="30600"/>
-                  </a:cubicBezTo>
-                  <a:lnTo>
-                    <a:pt x="4862" y="27360"/>
-                  </a:lnTo>
-                  <a:close/>
-                  <a:moveTo>
-                    <a:pt x="92730" y="28236"/>
-                  </a:moveTo>
-                  <a:lnTo>
-                    <a:pt x="86009" y="31344"/>
-                  </a:lnTo>
-                  <a:cubicBezTo>
-                    <a:pt x="86089" y="31504"/>
-                    <a:pt x="86142" y="31690"/>
-                    <a:pt x="86222" y="31849"/>
-                  </a:cubicBezTo>
-                  <a:lnTo>
-                    <a:pt x="86248" y="31849"/>
-                  </a:lnTo>
-                  <a:lnTo>
-                    <a:pt x="93022" y="28847"/>
-                  </a:lnTo>
-                  <a:cubicBezTo>
-                    <a:pt x="92942" y="28635"/>
-                    <a:pt x="92836" y="28422"/>
-                    <a:pt x="92730" y="28236"/>
-                  </a:cubicBezTo>
-                  <a:close/>
-                  <a:moveTo>
-                    <a:pt x="3481" y="30415"/>
-                  </a:moveTo>
-                  <a:lnTo>
-                    <a:pt x="3242" y="31052"/>
-                  </a:lnTo>
-                  <a:lnTo>
-                    <a:pt x="10174" y="33735"/>
-                  </a:lnTo>
-                  <a:cubicBezTo>
-                    <a:pt x="10227" y="33549"/>
-                    <a:pt x="10307" y="33363"/>
-                    <a:pt x="10387" y="33204"/>
-                  </a:cubicBezTo>
-                  <a:lnTo>
-                    <a:pt x="10360" y="33204"/>
-                  </a:lnTo>
-                  <a:lnTo>
-                    <a:pt x="3481" y="30415"/>
-                  </a:lnTo>
-                  <a:close/>
-                  <a:moveTo>
-                    <a:pt x="94031" y="31318"/>
-                  </a:moveTo>
-                  <a:lnTo>
-                    <a:pt x="87098" y="33947"/>
-                  </a:lnTo>
-                  <a:cubicBezTo>
-                    <a:pt x="87151" y="34107"/>
-                    <a:pt x="87231" y="34293"/>
-                    <a:pt x="87284" y="34479"/>
-                  </a:cubicBezTo>
-                  <a:lnTo>
-                    <a:pt x="94270" y="31929"/>
-                  </a:lnTo>
-                  <a:lnTo>
-                    <a:pt x="94031" y="31318"/>
-                  </a:lnTo>
-                  <a:close/>
-                  <a:moveTo>
-                    <a:pt x="2338" y="33575"/>
-                  </a:moveTo>
-                  <a:cubicBezTo>
-                    <a:pt x="2285" y="33788"/>
-                    <a:pt x="2206" y="34000"/>
-                    <a:pt x="2153" y="34213"/>
-                  </a:cubicBezTo>
-                  <a:lnTo>
-                    <a:pt x="9218" y="36418"/>
-                  </a:lnTo>
-                  <a:cubicBezTo>
-                    <a:pt x="9298" y="36232"/>
-                    <a:pt x="9351" y="36046"/>
-                    <a:pt x="9404" y="35860"/>
-                  </a:cubicBezTo>
-                  <a:lnTo>
-                    <a:pt x="2338" y="33575"/>
-                  </a:lnTo>
-                  <a:close/>
-                  <a:moveTo>
-                    <a:pt x="95120" y="34479"/>
-                  </a:moveTo>
-                  <a:lnTo>
-                    <a:pt x="88001" y="36630"/>
-                  </a:lnTo>
-                  <a:cubicBezTo>
-                    <a:pt x="88055" y="36816"/>
-                    <a:pt x="88108" y="37002"/>
-                    <a:pt x="88161" y="37188"/>
-                  </a:cubicBezTo>
-                  <a:lnTo>
-                    <a:pt x="95306" y="35116"/>
-                  </a:lnTo>
-                  <a:cubicBezTo>
-                    <a:pt x="95226" y="34904"/>
-                    <a:pt x="95173" y="34691"/>
-                    <a:pt x="95120" y="34479"/>
-                  </a:cubicBezTo>
-                  <a:close/>
-                  <a:moveTo>
-                    <a:pt x="1435" y="36789"/>
-                  </a:moveTo>
-                  <a:lnTo>
-                    <a:pt x="1276" y="37454"/>
-                  </a:lnTo>
-                  <a:lnTo>
-                    <a:pt x="8501" y="39154"/>
-                  </a:lnTo>
-                  <a:cubicBezTo>
-                    <a:pt x="8527" y="38968"/>
-                    <a:pt x="8581" y="38755"/>
-                    <a:pt x="8634" y="38596"/>
-                  </a:cubicBezTo>
-                  <a:lnTo>
-                    <a:pt x="1435" y="36789"/>
-                  </a:lnTo>
-                  <a:close/>
-                  <a:moveTo>
-                    <a:pt x="95970" y="37693"/>
-                  </a:moveTo>
-                  <a:lnTo>
-                    <a:pt x="88745" y="39366"/>
-                  </a:lnTo>
-                  <a:cubicBezTo>
-                    <a:pt x="88772" y="39552"/>
-                    <a:pt x="88825" y="39738"/>
-                    <a:pt x="88851" y="39924"/>
-                  </a:cubicBezTo>
-                  <a:lnTo>
-                    <a:pt x="96103" y="38357"/>
-                  </a:lnTo>
-                  <a:cubicBezTo>
-                    <a:pt x="96076" y="38144"/>
-                    <a:pt x="96023" y="37932"/>
-                    <a:pt x="95970" y="37693"/>
-                  </a:cubicBezTo>
-                  <a:close/>
-                  <a:moveTo>
-                    <a:pt x="745" y="40057"/>
-                  </a:moveTo>
-                  <a:cubicBezTo>
-                    <a:pt x="692" y="40296"/>
-                    <a:pt x="665" y="40508"/>
-                    <a:pt x="638" y="40721"/>
-                  </a:cubicBezTo>
-                  <a:lnTo>
-                    <a:pt x="7943" y="41916"/>
-                  </a:lnTo>
-                  <a:cubicBezTo>
-                    <a:pt x="7970" y="41757"/>
-                    <a:pt x="7996" y="41544"/>
-                    <a:pt x="8023" y="41358"/>
-                  </a:cubicBezTo>
-                  <a:lnTo>
-                    <a:pt x="8049" y="41358"/>
-                  </a:lnTo>
-                  <a:lnTo>
-                    <a:pt x="745" y="40057"/>
-                  </a:lnTo>
-                  <a:close/>
-                  <a:moveTo>
-                    <a:pt x="96608" y="40986"/>
-                  </a:moveTo>
-                  <a:lnTo>
-                    <a:pt x="89276" y="42155"/>
-                  </a:lnTo>
-                  <a:cubicBezTo>
-                    <a:pt x="89303" y="42341"/>
-                    <a:pt x="89330" y="42527"/>
-                    <a:pt x="89356" y="42713"/>
-                  </a:cubicBezTo>
-                  <a:lnTo>
-                    <a:pt x="96687" y="41650"/>
-                  </a:lnTo>
-                  <a:lnTo>
-                    <a:pt x="96608" y="40986"/>
-                  </a:lnTo>
-                  <a:close/>
-                  <a:moveTo>
-                    <a:pt x="267" y="43377"/>
-                  </a:moveTo>
-                  <a:cubicBezTo>
-                    <a:pt x="240" y="43589"/>
-                    <a:pt x="213" y="43828"/>
-                    <a:pt x="187" y="44041"/>
-                  </a:cubicBezTo>
-                  <a:lnTo>
-                    <a:pt x="7571" y="44732"/>
-                  </a:lnTo>
-                  <a:cubicBezTo>
-                    <a:pt x="7598" y="44546"/>
-                    <a:pt x="7624" y="44360"/>
-                    <a:pt x="7651" y="44174"/>
-                  </a:cubicBezTo>
-                  <a:lnTo>
-                    <a:pt x="7624" y="44174"/>
-                  </a:lnTo>
-                  <a:lnTo>
-                    <a:pt x="267" y="43377"/>
-                  </a:lnTo>
-                  <a:close/>
-                  <a:moveTo>
-                    <a:pt x="97006" y="44307"/>
-                  </a:moveTo>
-                  <a:lnTo>
-                    <a:pt x="89595" y="44971"/>
-                  </a:lnTo>
-                  <a:cubicBezTo>
-                    <a:pt x="89622" y="45157"/>
-                    <a:pt x="89648" y="45343"/>
-                    <a:pt x="89648" y="45528"/>
-                  </a:cubicBezTo>
-                  <a:lnTo>
-                    <a:pt x="97059" y="44971"/>
-                  </a:lnTo>
-                  <a:cubicBezTo>
-                    <a:pt x="97059" y="44758"/>
-                    <a:pt x="97006" y="44546"/>
-                    <a:pt x="97006" y="44307"/>
-                  </a:cubicBezTo>
-                  <a:close/>
-                  <a:moveTo>
-                    <a:pt x="28" y="46724"/>
-                  </a:moveTo>
-                  <a:cubicBezTo>
-                    <a:pt x="28" y="46936"/>
-                    <a:pt x="1" y="47175"/>
-                    <a:pt x="1" y="47388"/>
-                  </a:cubicBezTo>
-                  <a:lnTo>
-                    <a:pt x="7412" y="47574"/>
-                  </a:lnTo>
-                  <a:cubicBezTo>
-                    <a:pt x="7412" y="47388"/>
-                    <a:pt x="7438" y="47175"/>
-                    <a:pt x="7438" y="46989"/>
-                  </a:cubicBezTo>
-                  <a:lnTo>
-                    <a:pt x="28" y="46724"/>
-                  </a:lnTo>
-                  <a:close/>
-                  <a:moveTo>
-                    <a:pt x="97192" y="47653"/>
-                  </a:moveTo>
-                  <a:lnTo>
-                    <a:pt x="89781" y="47786"/>
-                  </a:lnTo>
-                  <a:cubicBezTo>
-                    <a:pt x="89755" y="47972"/>
-                    <a:pt x="89755" y="48185"/>
-                    <a:pt x="89781" y="48371"/>
-                  </a:cubicBezTo>
-                  <a:lnTo>
-                    <a:pt x="97192" y="48318"/>
-                  </a:lnTo>
-                  <a:lnTo>
-                    <a:pt x="97192" y="47653"/>
-                  </a:lnTo>
-                  <a:close/>
-                  <a:moveTo>
-                    <a:pt x="89781" y="48583"/>
-                  </a:moveTo>
-                  <a:lnTo>
-                    <a:pt x="89781" y="49141"/>
-                  </a:lnTo>
-                  <a:lnTo>
-                    <a:pt x="97192" y="49247"/>
-                  </a:lnTo>
-                  <a:lnTo>
-                    <a:pt x="97192" y="48583"/>
-                  </a:lnTo>
-                  <a:close/>
-                  <a:moveTo>
-                    <a:pt x="7412" y="49832"/>
-                  </a:moveTo>
-                  <a:lnTo>
-                    <a:pt x="1" y="50044"/>
-                  </a:lnTo>
-                  <a:cubicBezTo>
-                    <a:pt x="1" y="50257"/>
-                    <a:pt x="1" y="50496"/>
-                    <a:pt x="28" y="50708"/>
-                  </a:cubicBezTo>
-                  <a:lnTo>
-                    <a:pt x="7438" y="50389"/>
-                  </a:lnTo>
-                  <a:lnTo>
-                    <a:pt x="7412" y="49832"/>
-                  </a:lnTo>
-                  <a:close/>
-                  <a:moveTo>
-                    <a:pt x="89675" y="51425"/>
-                  </a:moveTo>
-                  <a:cubicBezTo>
-                    <a:pt x="89648" y="51611"/>
-                    <a:pt x="89648" y="51797"/>
-                    <a:pt x="89622" y="51983"/>
-                  </a:cubicBezTo>
-                  <a:lnTo>
-                    <a:pt x="97033" y="52594"/>
-                  </a:lnTo>
-                  <a:cubicBezTo>
-                    <a:pt x="97033" y="52355"/>
-                    <a:pt x="97059" y="52142"/>
-                    <a:pt x="97086" y="51930"/>
-                  </a:cubicBezTo>
-                  <a:lnTo>
-                    <a:pt x="89675" y="51425"/>
-                  </a:lnTo>
-                  <a:close/>
-                  <a:moveTo>
-                    <a:pt x="7598" y="52674"/>
-                  </a:moveTo>
-                  <a:lnTo>
-                    <a:pt x="213" y="53391"/>
-                  </a:lnTo>
-                  <a:cubicBezTo>
-                    <a:pt x="240" y="53603"/>
-                    <a:pt x="267" y="53816"/>
-                    <a:pt x="293" y="54055"/>
-                  </a:cubicBezTo>
-                  <a:lnTo>
-                    <a:pt x="7651" y="53232"/>
-                  </a:lnTo>
-                  <a:lnTo>
-                    <a:pt x="7598" y="52674"/>
-                  </a:lnTo>
-                  <a:close/>
-                  <a:moveTo>
-                    <a:pt x="89409" y="54241"/>
-                  </a:moveTo>
-                  <a:cubicBezTo>
-                    <a:pt x="89356" y="54427"/>
-                    <a:pt x="89330" y="54613"/>
-                    <a:pt x="89330" y="54799"/>
-                  </a:cubicBezTo>
-                  <a:lnTo>
-                    <a:pt x="96661" y="55914"/>
-                  </a:lnTo>
-                  <a:cubicBezTo>
-                    <a:pt x="96687" y="55675"/>
-                    <a:pt x="96714" y="55463"/>
-                    <a:pt x="96740" y="55250"/>
-                  </a:cubicBezTo>
-                  <a:lnTo>
-                    <a:pt x="89409" y="54241"/>
-                  </a:lnTo>
-                  <a:close/>
-                  <a:moveTo>
-                    <a:pt x="7970" y="55463"/>
-                  </a:moveTo>
-                  <a:lnTo>
-                    <a:pt x="665" y="56711"/>
-                  </a:lnTo>
-                  <a:cubicBezTo>
-                    <a:pt x="718" y="56924"/>
-                    <a:pt x="745" y="57136"/>
-                    <a:pt x="798" y="57375"/>
-                  </a:cubicBezTo>
-                  <a:lnTo>
-                    <a:pt x="8102" y="56047"/>
-                  </a:lnTo>
-                  <a:cubicBezTo>
-                    <a:pt x="8049" y="55835"/>
-                    <a:pt x="7996" y="55649"/>
-                    <a:pt x="7970" y="55463"/>
-                  </a:cubicBezTo>
-                  <a:close/>
-                  <a:moveTo>
-                    <a:pt x="88905" y="57030"/>
-                  </a:moveTo>
-                  <a:cubicBezTo>
-                    <a:pt x="88854" y="57208"/>
-                    <a:pt x="88827" y="57385"/>
-                    <a:pt x="88779" y="57563"/>
-                  </a:cubicBezTo>
-                  <a:lnTo>
-                    <a:pt x="88779" y="57563"/>
-                  </a:lnTo>
-                  <a:lnTo>
-                    <a:pt x="88772" y="57561"/>
-                  </a:lnTo>
-                  <a:lnTo>
-                    <a:pt x="88772" y="57588"/>
-                  </a:lnTo>
-                  <a:cubicBezTo>
-                    <a:pt x="88774" y="57579"/>
-                    <a:pt x="88776" y="57571"/>
-                    <a:pt x="88779" y="57563"/>
-                  </a:cubicBezTo>
-                  <a:lnTo>
-                    <a:pt x="88779" y="57563"/>
-                  </a:lnTo>
-                  <a:lnTo>
-                    <a:pt x="96023" y="59208"/>
-                  </a:lnTo>
-                  <a:cubicBezTo>
-                    <a:pt x="96076" y="58996"/>
-                    <a:pt x="96130" y="58757"/>
-                    <a:pt x="96156" y="58544"/>
-                  </a:cubicBezTo>
-                  <a:lnTo>
-                    <a:pt x="88905" y="57030"/>
-                  </a:lnTo>
-                  <a:close/>
-                  <a:moveTo>
-                    <a:pt x="8554" y="58252"/>
-                  </a:moveTo>
-                  <a:lnTo>
-                    <a:pt x="1329" y="59978"/>
-                  </a:lnTo>
-                  <a:lnTo>
-                    <a:pt x="1488" y="60642"/>
-                  </a:lnTo>
-                  <a:lnTo>
-                    <a:pt x="8687" y="58810"/>
-                  </a:lnTo>
-                  <a:cubicBezTo>
-                    <a:pt x="8634" y="58624"/>
-                    <a:pt x="8581" y="58438"/>
-                    <a:pt x="8554" y="58252"/>
-                  </a:cubicBezTo>
-                  <a:close/>
-                  <a:moveTo>
-                    <a:pt x="88241" y="59766"/>
-                  </a:moveTo>
-                  <a:cubicBezTo>
-                    <a:pt x="88161" y="59978"/>
-                    <a:pt x="88134" y="60138"/>
-                    <a:pt x="88081" y="60324"/>
-                  </a:cubicBezTo>
-                  <a:lnTo>
-                    <a:pt x="95173" y="62449"/>
-                  </a:lnTo>
-                  <a:cubicBezTo>
-                    <a:pt x="95253" y="62236"/>
-                    <a:pt x="95306" y="62024"/>
-                    <a:pt x="95359" y="61785"/>
-                  </a:cubicBezTo>
-                  <a:lnTo>
-                    <a:pt x="88241" y="59766"/>
-                  </a:lnTo>
-                  <a:close/>
-                  <a:moveTo>
-                    <a:pt x="9298" y="60988"/>
-                  </a:moveTo>
-                  <a:lnTo>
-                    <a:pt x="2232" y="63192"/>
-                  </a:lnTo>
-                  <a:cubicBezTo>
-                    <a:pt x="2285" y="63405"/>
-                    <a:pt x="2365" y="63644"/>
-                    <a:pt x="2418" y="63856"/>
-                  </a:cubicBezTo>
-                  <a:lnTo>
-                    <a:pt x="9484" y="61519"/>
-                  </a:lnTo>
-                  <a:cubicBezTo>
-                    <a:pt x="9404" y="61333"/>
-                    <a:pt x="9351" y="61147"/>
-                    <a:pt x="9298" y="60988"/>
-                  </a:cubicBezTo>
-                  <a:close/>
-                  <a:moveTo>
-                    <a:pt x="87391" y="62475"/>
-                  </a:moveTo>
-                  <a:cubicBezTo>
-                    <a:pt x="87311" y="62661"/>
-                    <a:pt x="87231" y="62847"/>
-                    <a:pt x="87178" y="63006"/>
-                  </a:cubicBezTo>
-                  <a:lnTo>
-                    <a:pt x="94111" y="65610"/>
-                  </a:lnTo>
-                  <a:lnTo>
-                    <a:pt x="94350" y="64972"/>
-                  </a:lnTo>
-                  <a:lnTo>
-                    <a:pt x="87391" y="62475"/>
-                  </a:lnTo>
-                  <a:close/>
-                  <a:moveTo>
-                    <a:pt x="10254" y="63671"/>
-                  </a:moveTo>
-                  <a:lnTo>
-                    <a:pt x="3348" y="66380"/>
-                  </a:lnTo>
-                  <a:cubicBezTo>
-                    <a:pt x="3427" y="66592"/>
-                    <a:pt x="3507" y="66778"/>
-                    <a:pt x="3587" y="66991"/>
-                  </a:cubicBezTo>
-                  <a:lnTo>
-                    <a:pt x="10466" y="64175"/>
-                  </a:lnTo>
-                  <a:lnTo>
-                    <a:pt x="10254" y="63671"/>
-                  </a:lnTo>
-                  <a:close/>
-                  <a:moveTo>
-                    <a:pt x="86301" y="65105"/>
-                  </a:moveTo>
-                  <a:cubicBezTo>
-                    <a:pt x="86250" y="65283"/>
-                    <a:pt x="86175" y="65462"/>
-                    <a:pt x="86099" y="65640"/>
-                  </a:cubicBezTo>
-                  <a:lnTo>
-                    <a:pt x="86099" y="65640"/>
-                  </a:lnTo>
-                  <a:lnTo>
-                    <a:pt x="86089" y="65636"/>
-                  </a:lnTo>
-                  <a:lnTo>
-                    <a:pt x="86089" y="65663"/>
-                  </a:lnTo>
-                  <a:cubicBezTo>
-                    <a:pt x="86092" y="65655"/>
-                    <a:pt x="86095" y="65648"/>
-                    <a:pt x="86099" y="65640"/>
-                  </a:cubicBezTo>
-                  <a:lnTo>
-                    <a:pt x="86099" y="65640"/>
-                  </a:lnTo>
-                  <a:lnTo>
-                    <a:pt x="92836" y="68717"/>
-                  </a:lnTo>
-                  <a:cubicBezTo>
-                    <a:pt x="92915" y="68505"/>
-                    <a:pt x="93022" y="68319"/>
-                    <a:pt x="93101" y="68106"/>
-                  </a:cubicBezTo>
-                  <a:lnTo>
-                    <a:pt x="86301" y="65105"/>
-                  </a:lnTo>
-                  <a:close/>
-                  <a:moveTo>
-                    <a:pt x="11370" y="66247"/>
-                  </a:moveTo>
-                  <a:lnTo>
-                    <a:pt x="4676" y="69435"/>
-                  </a:lnTo>
-                  <a:lnTo>
-                    <a:pt x="4968" y="70045"/>
-                  </a:lnTo>
-                  <a:lnTo>
-                    <a:pt x="11635" y="66752"/>
-                  </a:lnTo>
-                  <a:cubicBezTo>
-                    <a:pt x="11529" y="66592"/>
-                    <a:pt x="11449" y="66406"/>
-                    <a:pt x="11370" y="66247"/>
-                  </a:cubicBezTo>
-                  <a:close/>
-                  <a:moveTo>
-                    <a:pt x="85080" y="67681"/>
-                  </a:moveTo>
-                  <a:lnTo>
-                    <a:pt x="84814" y="68186"/>
-                  </a:lnTo>
-                  <a:lnTo>
-                    <a:pt x="91348" y="71719"/>
-                  </a:lnTo>
-                  <a:lnTo>
-                    <a:pt x="91640" y="71135"/>
-                  </a:lnTo>
-                  <a:lnTo>
-                    <a:pt x="85080" y="67681"/>
-                  </a:lnTo>
-                  <a:close/>
-                  <a:moveTo>
-                    <a:pt x="12671" y="68744"/>
-                  </a:moveTo>
-                  <a:lnTo>
-                    <a:pt x="12671" y="68770"/>
-                  </a:lnTo>
-                  <a:lnTo>
-                    <a:pt x="6217" y="72383"/>
-                  </a:lnTo>
-                  <a:cubicBezTo>
-                    <a:pt x="6323" y="72595"/>
-                    <a:pt x="6429" y="72781"/>
-                    <a:pt x="6535" y="72967"/>
-                  </a:cubicBezTo>
-                  <a:lnTo>
-                    <a:pt x="12963" y="69249"/>
-                  </a:lnTo>
-                  <a:cubicBezTo>
-                    <a:pt x="12857" y="69089"/>
-                    <a:pt x="12777" y="68930"/>
-                    <a:pt x="12671" y="68744"/>
-                  </a:cubicBezTo>
-                  <a:close/>
-                  <a:moveTo>
-                    <a:pt x="83698" y="70152"/>
-                  </a:moveTo>
-                  <a:lnTo>
-                    <a:pt x="83380" y="70630"/>
-                  </a:lnTo>
-                  <a:lnTo>
-                    <a:pt x="89648" y="74614"/>
-                  </a:lnTo>
-                  <a:cubicBezTo>
-                    <a:pt x="89781" y="74428"/>
-                    <a:pt x="89887" y="74242"/>
-                    <a:pt x="89994" y="74056"/>
-                  </a:cubicBezTo>
-                  <a:lnTo>
-                    <a:pt x="83698" y="70152"/>
-                  </a:lnTo>
-                  <a:close/>
-                  <a:moveTo>
-                    <a:pt x="14132" y="71161"/>
-                  </a:moveTo>
-                  <a:lnTo>
-                    <a:pt x="7943" y="75252"/>
-                  </a:lnTo>
-                  <a:cubicBezTo>
-                    <a:pt x="8076" y="75438"/>
-                    <a:pt x="8182" y="75624"/>
-                    <a:pt x="8315" y="75810"/>
-                  </a:cubicBezTo>
-                  <a:lnTo>
-                    <a:pt x="14451" y="71639"/>
-                  </a:lnTo>
-                  <a:cubicBezTo>
-                    <a:pt x="14345" y="71480"/>
-                    <a:pt x="14238" y="71320"/>
-                    <a:pt x="14132" y="71161"/>
-                  </a:cubicBezTo>
-                  <a:close/>
-                  <a:moveTo>
-                    <a:pt x="82131" y="72489"/>
-                  </a:moveTo>
-                  <a:lnTo>
-                    <a:pt x="81786" y="72967"/>
-                  </a:lnTo>
-                  <a:lnTo>
-                    <a:pt x="87762" y="77350"/>
-                  </a:lnTo>
-                  <a:lnTo>
-                    <a:pt x="88161" y="76819"/>
-                  </a:lnTo>
-                  <a:lnTo>
-                    <a:pt x="82131" y="72489"/>
-                  </a:lnTo>
-                  <a:close/>
-                  <a:moveTo>
-                    <a:pt x="15779" y="73472"/>
-                  </a:moveTo>
-                  <a:lnTo>
-                    <a:pt x="9882" y="77961"/>
-                  </a:lnTo>
-                  <a:cubicBezTo>
-                    <a:pt x="10015" y="78147"/>
-                    <a:pt x="10148" y="78333"/>
-                    <a:pt x="10281" y="78492"/>
-                  </a:cubicBezTo>
-                  <a:lnTo>
-                    <a:pt x="16124" y="73924"/>
-                  </a:lnTo>
-                  <a:lnTo>
-                    <a:pt x="15779" y="73472"/>
-                  </a:lnTo>
-                  <a:close/>
-                  <a:moveTo>
-                    <a:pt x="80378" y="74747"/>
-                  </a:moveTo>
-                  <a:lnTo>
-                    <a:pt x="80033" y="75199"/>
-                  </a:lnTo>
-                  <a:lnTo>
-                    <a:pt x="85664" y="80006"/>
-                  </a:lnTo>
-                  <a:cubicBezTo>
-                    <a:pt x="85823" y="79820"/>
-                    <a:pt x="85956" y="79661"/>
-                    <a:pt x="86089" y="79475"/>
-                  </a:cubicBezTo>
-                  <a:lnTo>
-                    <a:pt x="80378" y="74747"/>
-                  </a:lnTo>
-                  <a:close/>
-                  <a:moveTo>
-                    <a:pt x="17585" y="75677"/>
-                  </a:moveTo>
-                  <a:lnTo>
-                    <a:pt x="11981" y="80564"/>
-                  </a:lnTo>
-                  <a:lnTo>
-                    <a:pt x="12432" y="81069"/>
-                  </a:lnTo>
-                  <a:lnTo>
-                    <a:pt x="17957" y="76102"/>
-                  </a:lnTo>
-                  <a:cubicBezTo>
-                    <a:pt x="17824" y="75969"/>
-                    <a:pt x="17691" y="75810"/>
-                    <a:pt x="17585" y="75677"/>
-                  </a:cubicBezTo>
-                  <a:close/>
-                  <a:moveTo>
-                    <a:pt x="78492" y="76872"/>
-                  </a:moveTo>
-                  <a:lnTo>
-                    <a:pt x="78120" y="77297"/>
-                  </a:lnTo>
-                  <a:lnTo>
-                    <a:pt x="83433" y="82450"/>
-                  </a:lnTo>
-                  <a:cubicBezTo>
-                    <a:pt x="83566" y="82291"/>
-                    <a:pt x="83725" y="82131"/>
-                    <a:pt x="83884" y="81972"/>
-                  </a:cubicBezTo>
-                  <a:lnTo>
-                    <a:pt x="78492" y="76872"/>
-                  </a:lnTo>
-                  <a:close/>
-                  <a:moveTo>
-                    <a:pt x="19524" y="77749"/>
-                  </a:moveTo>
-                  <a:lnTo>
-                    <a:pt x="14291" y="83008"/>
-                  </a:lnTo>
-                  <a:lnTo>
-                    <a:pt x="14743" y="83459"/>
-                  </a:lnTo>
-                  <a:lnTo>
-                    <a:pt x="19923" y="78147"/>
-                  </a:lnTo>
-                  <a:lnTo>
-                    <a:pt x="19524" y="77749"/>
-                  </a:lnTo>
-                  <a:close/>
-                  <a:moveTo>
-                    <a:pt x="76473" y="78864"/>
-                  </a:moveTo>
-                  <a:lnTo>
-                    <a:pt x="76048" y="79263"/>
-                  </a:lnTo>
-                  <a:lnTo>
-                    <a:pt x="81016" y="84788"/>
-                  </a:lnTo>
-                  <a:lnTo>
-                    <a:pt x="81494" y="84336"/>
-                  </a:lnTo>
-                  <a:lnTo>
-                    <a:pt x="76473" y="78864"/>
-                  </a:lnTo>
-                  <a:close/>
-                  <a:moveTo>
-                    <a:pt x="21596" y="79688"/>
-                  </a:moveTo>
-                  <a:lnTo>
-                    <a:pt x="16735" y="85292"/>
-                  </a:lnTo>
-                  <a:lnTo>
-                    <a:pt x="17240" y="85717"/>
-                  </a:lnTo>
-                  <a:lnTo>
-                    <a:pt x="22021" y="80059"/>
-                  </a:lnTo>
-                  <a:lnTo>
-                    <a:pt x="21596" y="79688"/>
-                  </a:lnTo>
-                  <a:close/>
-                  <a:moveTo>
-                    <a:pt x="74322" y="80724"/>
-                  </a:moveTo>
-                  <a:lnTo>
-                    <a:pt x="73897" y="81069"/>
-                  </a:lnTo>
-                  <a:lnTo>
-                    <a:pt x="78466" y="86913"/>
-                  </a:lnTo>
-                  <a:lnTo>
-                    <a:pt x="78970" y="86514"/>
-                  </a:lnTo>
-                  <a:lnTo>
-                    <a:pt x="74322" y="80724"/>
-                  </a:lnTo>
-                  <a:close/>
-                  <a:moveTo>
-                    <a:pt x="23801" y="81467"/>
-                  </a:moveTo>
-                  <a:lnTo>
-                    <a:pt x="19312" y="87391"/>
-                  </a:lnTo>
-                  <a:lnTo>
-                    <a:pt x="19843" y="87789"/>
-                  </a:lnTo>
-                  <a:lnTo>
-                    <a:pt x="24252" y="81813"/>
-                  </a:lnTo>
-                  <a:lnTo>
-                    <a:pt x="23801" y="81467"/>
-                  </a:lnTo>
-                  <a:close/>
-                  <a:moveTo>
-                    <a:pt x="72064" y="82424"/>
-                  </a:moveTo>
-                  <a:cubicBezTo>
-                    <a:pt x="71905" y="82530"/>
-                    <a:pt x="71772" y="82636"/>
-                    <a:pt x="71613" y="82742"/>
-                  </a:cubicBezTo>
-                  <a:lnTo>
-                    <a:pt x="75756" y="88905"/>
-                  </a:lnTo>
-                  <a:lnTo>
-                    <a:pt x="76314" y="88506"/>
-                  </a:lnTo>
-                  <a:lnTo>
-                    <a:pt x="72064" y="82424"/>
-                  </a:lnTo>
-                  <a:close/>
-                  <a:moveTo>
-                    <a:pt x="26112" y="83088"/>
-                  </a:moveTo>
-                  <a:lnTo>
-                    <a:pt x="26112" y="83114"/>
-                  </a:lnTo>
-                  <a:lnTo>
-                    <a:pt x="22074" y="89330"/>
-                  </a:lnTo>
-                  <a:cubicBezTo>
-                    <a:pt x="22260" y="89436"/>
-                    <a:pt x="22446" y="89569"/>
-                    <a:pt x="22632" y="89675"/>
-                  </a:cubicBezTo>
-                  <a:lnTo>
-                    <a:pt x="26590" y="83406"/>
-                  </a:lnTo>
-                  <a:cubicBezTo>
-                    <a:pt x="26430" y="83300"/>
-                    <a:pt x="26271" y="83194"/>
-                    <a:pt x="26112" y="83088"/>
-                  </a:cubicBezTo>
-                  <a:close/>
-                  <a:moveTo>
-                    <a:pt x="69700" y="83964"/>
-                  </a:moveTo>
-                  <a:cubicBezTo>
-                    <a:pt x="69514" y="84044"/>
-                    <a:pt x="69355" y="84150"/>
-                    <a:pt x="69195" y="84256"/>
-                  </a:cubicBezTo>
-                  <a:lnTo>
-                    <a:pt x="72941" y="90658"/>
-                  </a:lnTo>
-                  <a:lnTo>
-                    <a:pt x="73499" y="90313"/>
-                  </a:lnTo>
-                  <a:lnTo>
-                    <a:pt x="69700" y="83964"/>
-                  </a:lnTo>
-                  <a:close/>
-                  <a:moveTo>
-                    <a:pt x="28555" y="84575"/>
-                  </a:moveTo>
-                  <a:lnTo>
-                    <a:pt x="24943" y="91056"/>
-                  </a:lnTo>
-                  <a:lnTo>
-                    <a:pt x="25527" y="91375"/>
-                  </a:lnTo>
-                  <a:lnTo>
-                    <a:pt x="29060" y="84867"/>
-                  </a:lnTo>
-                  <a:lnTo>
-                    <a:pt x="28555" y="84575"/>
-                  </a:lnTo>
-                  <a:close/>
-                  <a:moveTo>
-                    <a:pt x="67203" y="85319"/>
-                  </a:moveTo>
-                  <a:lnTo>
-                    <a:pt x="66699" y="85584"/>
-                  </a:lnTo>
-                  <a:lnTo>
-                    <a:pt x="69966" y="92225"/>
-                  </a:lnTo>
-                  <a:lnTo>
-                    <a:pt x="70577" y="91933"/>
-                  </a:lnTo>
-                  <a:lnTo>
-                    <a:pt x="67203" y="85319"/>
-                  </a:lnTo>
-                  <a:close/>
-                  <a:moveTo>
-                    <a:pt x="31079" y="85877"/>
-                  </a:moveTo>
-                  <a:lnTo>
-                    <a:pt x="27918" y="92597"/>
-                  </a:lnTo>
-                  <a:lnTo>
-                    <a:pt x="28529" y="92863"/>
-                  </a:lnTo>
-                  <a:lnTo>
-                    <a:pt x="31610" y="86116"/>
-                  </a:lnTo>
-                  <a:lnTo>
-                    <a:pt x="31079" y="85877"/>
-                  </a:lnTo>
-                  <a:close/>
-                  <a:moveTo>
-                    <a:pt x="64653" y="86514"/>
-                  </a:moveTo>
-                  <a:lnTo>
-                    <a:pt x="64122" y="86727"/>
-                  </a:lnTo>
-                  <a:lnTo>
-                    <a:pt x="66911" y="93606"/>
-                  </a:lnTo>
-                  <a:cubicBezTo>
-                    <a:pt x="67124" y="93527"/>
-                    <a:pt x="67336" y="93420"/>
-                    <a:pt x="67549" y="93341"/>
-                  </a:cubicBezTo>
-                  <a:lnTo>
-                    <a:pt x="64653" y="86514"/>
-                  </a:lnTo>
-                  <a:close/>
-                  <a:moveTo>
-                    <a:pt x="33682" y="86992"/>
-                  </a:moveTo>
-                  <a:lnTo>
-                    <a:pt x="30999" y="93898"/>
-                  </a:lnTo>
-                  <a:lnTo>
-                    <a:pt x="31610" y="94137"/>
-                  </a:lnTo>
-                  <a:lnTo>
-                    <a:pt x="34213" y="87178"/>
-                  </a:lnTo>
-                  <a:lnTo>
-                    <a:pt x="33682" y="86992"/>
-                  </a:lnTo>
-                  <a:close/>
-                  <a:moveTo>
-                    <a:pt x="61997" y="87523"/>
-                  </a:moveTo>
-                  <a:lnTo>
-                    <a:pt x="61466" y="87709"/>
-                  </a:lnTo>
-                  <a:lnTo>
-                    <a:pt x="63803" y="94748"/>
-                  </a:lnTo>
-                  <a:lnTo>
-                    <a:pt x="64414" y="94536"/>
-                  </a:lnTo>
-                  <a:lnTo>
-                    <a:pt x="61997" y="87523"/>
-                  </a:lnTo>
-                  <a:close/>
-                  <a:moveTo>
-                    <a:pt x="36365" y="87922"/>
-                  </a:moveTo>
-                  <a:lnTo>
-                    <a:pt x="34160" y="95014"/>
-                  </a:lnTo>
-                  <a:cubicBezTo>
-                    <a:pt x="34372" y="95094"/>
-                    <a:pt x="34585" y="95147"/>
-                    <a:pt x="34797" y="95200"/>
-                  </a:cubicBezTo>
-                  <a:lnTo>
-                    <a:pt x="36922" y="88081"/>
-                  </a:lnTo>
-                  <a:lnTo>
-                    <a:pt x="36365" y="87922"/>
-                  </a:lnTo>
-                  <a:close/>
-                  <a:moveTo>
-                    <a:pt x="59288" y="88347"/>
-                  </a:moveTo>
-                  <a:lnTo>
-                    <a:pt x="58757" y="88506"/>
-                  </a:lnTo>
-                  <a:lnTo>
-                    <a:pt x="60563" y="95678"/>
-                  </a:lnTo>
-                  <a:lnTo>
-                    <a:pt x="61227" y="95519"/>
-                  </a:lnTo>
-                  <a:lnTo>
-                    <a:pt x="59288" y="88347"/>
-                  </a:lnTo>
-                  <a:close/>
-                  <a:moveTo>
-                    <a:pt x="39100" y="88666"/>
-                  </a:moveTo>
-                  <a:lnTo>
-                    <a:pt x="37374" y="95891"/>
-                  </a:lnTo>
-                  <a:lnTo>
-                    <a:pt x="38038" y="96023"/>
-                  </a:lnTo>
-                  <a:lnTo>
-                    <a:pt x="39632" y="88798"/>
-                  </a:lnTo>
-                  <a:lnTo>
-                    <a:pt x="39100" y="88666"/>
-                  </a:lnTo>
-                  <a:close/>
-                  <a:moveTo>
-                    <a:pt x="56525" y="88984"/>
-                  </a:moveTo>
-                  <a:lnTo>
-                    <a:pt x="55994" y="89091"/>
-                  </a:lnTo>
-                  <a:lnTo>
-                    <a:pt x="57296" y="96395"/>
-                  </a:lnTo>
-                  <a:lnTo>
-                    <a:pt x="57960" y="96262"/>
-                  </a:lnTo>
-                  <a:lnTo>
-                    <a:pt x="56525" y="88984"/>
-                  </a:lnTo>
-                  <a:close/>
-                  <a:moveTo>
-                    <a:pt x="41863" y="89223"/>
-                  </a:moveTo>
-                  <a:lnTo>
-                    <a:pt x="40668" y="96528"/>
-                  </a:lnTo>
-                  <a:lnTo>
-                    <a:pt x="41332" y="96634"/>
-                  </a:lnTo>
-                  <a:lnTo>
-                    <a:pt x="42421" y="89303"/>
-                  </a:lnTo>
-                  <a:lnTo>
-                    <a:pt x="41863" y="89223"/>
-                  </a:lnTo>
-                  <a:close/>
-                  <a:moveTo>
-                    <a:pt x="53736" y="89436"/>
-                  </a:moveTo>
-                  <a:lnTo>
-                    <a:pt x="53178" y="89516"/>
-                  </a:lnTo>
-                  <a:lnTo>
-                    <a:pt x="53975" y="96900"/>
-                  </a:lnTo>
-                  <a:lnTo>
-                    <a:pt x="54639" y="96820"/>
-                  </a:lnTo>
-                  <a:lnTo>
-                    <a:pt x="53736" y="89436"/>
-                  </a:lnTo>
-                  <a:close/>
-                  <a:moveTo>
-                    <a:pt x="44679" y="89569"/>
-                  </a:moveTo>
-                  <a:lnTo>
-                    <a:pt x="43988" y="96953"/>
-                  </a:lnTo>
-                  <a:lnTo>
-                    <a:pt x="44652" y="97006"/>
-                  </a:lnTo>
-                  <a:lnTo>
-                    <a:pt x="45236" y="89622"/>
-                  </a:lnTo>
-                  <a:lnTo>
-                    <a:pt x="44679" y="89569"/>
-                  </a:lnTo>
-                  <a:close/>
-                  <a:moveTo>
-                    <a:pt x="50921" y="89702"/>
-                  </a:moveTo>
-                  <a:lnTo>
-                    <a:pt x="50336" y="89728"/>
-                  </a:lnTo>
-                  <a:lnTo>
-                    <a:pt x="50682" y="97139"/>
-                  </a:lnTo>
-                  <a:lnTo>
-                    <a:pt x="51346" y="97112"/>
-                  </a:lnTo>
-                  <a:lnTo>
-                    <a:pt x="50921" y="89702"/>
-                  </a:lnTo>
-                  <a:close/>
-                  <a:moveTo>
-                    <a:pt x="47494" y="89755"/>
-                  </a:moveTo>
-                  <a:lnTo>
-                    <a:pt x="47308" y="97166"/>
-                  </a:lnTo>
-                  <a:lnTo>
-                    <a:pt x="47972" y="97166"/>
-                  </a:lnTo>
-                  <a:lnTo>
-                    <a:pt x="48079" y="89755"/>
-                  </a:lnTo>
-                  <a:close/>
-                </a:path>
-              </a:pathLst>
-            </a:custGeom>
-            <a:solidFill>
-              <a:schemeClr val="lt1"/>
-            </a:solidFill>
-            <a:ln>
-              <a:noFill/>
-            </a:ln>
-          </p:spPr>
-          <p:txBody>
-            <a:bodyPr spcFirstLastPara="1" wrap="square" lIns="91425" tIns="91425" rIns="91425" bIns="91425" anchor="ctr" anchorCtr="0">
-              <a:noAutofit/>
-            </a:bodyPr>
-            <a:lstStyle/>
-            <a:p>
-              <a:pPr marL="0" lvl="0" indent="0" algn="l" rtl="0">
-                <a:spcBef>
-                  <a:spcPts val="0"/>
-                </a:spcBef>
-                <a:spcAft>
-                  <a:spcPts val="0"/>
-                </a:spcAft>
-                <a:buNone/>
-              </a:pPr>
-              <a:endParaRPr/>
-            </a:p>
-          </p:txBody>
-        </p:sp>
-      </p:grpSp>
-    </p:spTree>
-    <p:extLst>
-      <p:ext uri="{BB962C8B-B14F-4D97-AF65-F5344CB8AC3E}">
-        <p14:creationId xmlns:p14="http://schemas.microsoft.com/office/powerpoint/2010/main" val="234645874"/>
-      </p:ext>
-    </p:extLst>
-  </p:cSld>
-  <p:clrMapOvr>
-    <a:masterClrMapping/>
-  </p:clrMapOvr>
-</p:sldLayout>
-</file>
-
 <file path=ppt/slideLayouts/slideLayout2.xml><?xml version="1.0" encoding="utf-8"?>
 <p:sldLayout xmlns:a="http://schemas.openxmlformats.org/drawingml/2006/main" xmlns:r="http://schemas.openxmlformats.org/officeDocument/2006/relationships" xmlns:p="http://schemas.openxmlformats.org/presentationml/2006/main" matchingName="Section header" type="secHead">
   <p:cSld name="SECTION_HEADER">
@@ -26694,7 +23766,6 @@
     <p:sldLayoutId id="2147483675" r:id="rId8"/>
     <p:sldLayoutId id="2147483676" r:id="rId9"/>
     <p:sldLayoutId id="2147483677" r:id="rId10"/>
-    <p:sldLayoutId id="2147483681" r:id="rId11"/>
   </p:sldLayoutIdLst>
   <p:hf hdr="0" ftr="0" dt="0"/>
   <p:txStyles>
@@ -28274,7 +25345,7 @@
   <p:cSld>
     <p:spTree>
       <p:nvGrpSpPr>
-        <p:cNvPr id="1" name="Shape 819"/>
+        <p:cNvPr id="1" name="Shape 629"/>
         <p:cNvGrpSpPr/>
         <p:nvPr/>
       </p:nvGrpSpPr>
@@ -28288,13 +25359,13 @@
       </p:grpSpPr>
       <p:grpSp>
         <p:nvGrpSpPr>
-          <p:cNvPr id="823" name="Google Shape;823;p61"/>
+          <p:cNvPr id="633" name="Google Shape;633;p50"/>
           <p:cNvGrpSpPr/>
           <p:nvPr/>
         </p:nvGrpSpPr>
         <p:grpSpPr>
-          <a:xfrm rot="-8441737" flipH="1">
-            <a:off x="457794" y="3373587"/>
+          <a:xfrm rot="-2358263">
+            <a:off x="469294" y="243137"/>
             <a:ext cx="1257847" cy="1342522"/>
             <a:chOff x="-408900" y="504142"/>
             <a:chExt cx="1167600" cy="1246200"/>
@@ -28302,7 +25373,7 @@
         </p:grpSpPr>
         <p:cxnSp>
           <p:nvCxnSpPr>
-            <p:cNvPr id="824" name="Google Shape;824;p61"/>
+            <p:cNvPr id="634" name="Google Shape;634;p50"/>
             <p:cNvCxnSpPr/>
             <p:nvPr/>
           </p:nvCxnSpPr>
@@ -28328,7 +25399,7 @@
         </p:cxnSp>
         <p:cxnSp>
           <p:nvCxnSpPr>
-            <p:cNvPr id="825" name="Google Shape;825;p61"/>
+            <p:cNvPr id="635" name="Google Shape;635;p50"/>
             <p:cNvCxnSpPr/>
             <p:nvPr/>
           </p:nvCxnSpPr>
@@ -28354,7 +25425,7 @@
         </p:cxnSp>
         <p:cxnSp>
           <p:nvCxnSpPr>
-            <p:cNvPr id="826" name="Google Shape;826;p61"/>
+            <p:cNvPr id="636" name="Google Shape;636;p50"/>
             <p:cNvCxnSpPr/>
             <p:nvPr/>
           </p:nvCxnSpPr>
@@ -28384,7 +25455,7 @@
           <p:cNvPr id="4" name="Google Shape;504;p41">
             <a:extLst>
               <a:ext uri="{FF2B5EF4-FFF2-40B4-BE49-F238E27FC236}">
-                <a16:creationId xmlns:a16="http://schemas.microsoft.com/office/drawing/2014/main" id="{905BDB4D-6E91-DF75-2647-2CBBBF907861}"/>
+                <a16:creationId xmlns:a16="http://schemas.microsoft.com/office/drawing/2014/main" id="{14BB2582-97A2-8FD0-889D-FBD7563A865C}"/>
               </a:ext>
             </a:extLst>
           </p:cNvPr>
@@ -28660,7 +25731,7 @@
           <a:p>
             <a:r>
               <a:rPr lang="en-US" dirty="0"/>
-              <a:t>Challenges Encountered</a:t>
+              <a:t>Next Steps</a:t>
             </a:r>
             <a:endParaRPr lang="en-IE" dirty="0"/>
           </a:p>
@@ -28668,10 +25739,10 @@
       </p:sp>
       <p:sp>
         <p:nvSpPr>
-          <p:cNvPr id="7" name="TextBox 6">
+          <p:cNvPr id="9" name="TextBox 8">
             <a:extLst>
               <a:ext uri="{FF2B5EF4-FFF2-40B4-BE49-F238E27FC236}">
-                <a16:creationId xmlns:a16="http://schemas.microsoft.com/office/drawing/2014/main" id="{216231AF-AE35-F38F-193B-6BBDC3CC207C}"/>
+                <a16:creationId xmlns:a16="http://schemas.microsoft.com/office/drawing/2014/main" id="{860DBDB8-8276-0324-ADF2-7A32E917D986}"/>
               </a:ext>
             </a:extLst>
           </p:cNvPr>
@@ -28681,7 +25752,7 @@
         <p:spPr>
           <a:xfrm>
             <a:off x="1612223" y="1555789"/>
-            <a:ext cx="5919553" cy="1333698"/>
+            <a:ext cx="5919553" cy="2446824"/>
           </a:xfrm>
           <a:prstGeom prst="rect">
             <a:avLst/>
@@ -28727,7 +25798,7 @@
                 <a:latin typeface="Actor"/>
                 <a:sym typeface="Actor"/>
               </a:rPr>
-              <a:t>Difficulty in detecting subtle facial expressions under different lighting conditions.</a:t>
+              <a:t>Enhance Expression Recognition: Improve algorithm performance.</a:t>
             </a:r>
           </a:p>
           <a:p>
@@ -28744,20 +25815,24 @@
               <a:defRPr/>
             </a:pPr>
             <a:r>
-              <a:rPr kumimoji="0" lang="en-US" sz="1600" b="0" i="0" u="none" strike="noStrike" kern="0" cap="none" spc="0" normalizeH="0" baseline="0" noProof="0" dirty="0">
-                <a:ln>
-                  <a:noFill/>
-                </a:ln>
+              <a:rPr lang="en-US" sz="1600" dirty="0" err="1">
                 <a:solidFill>
                   <a:srgbClr val="FFFFFF"/>
                 </a:solidFill>
-                <a:effectLst/>
-                <a:uLnTx/>
-                <a:uFillTx/>
                 <a:latin typeface="Actor"/>
                 <a:sym typeface="Actor"/>
               </a:rPr>
-              <a:t>Handling edge cases (e.g., users wearing glasses or masks).</a:t>
+              <a:t>Rigorou</a:t>
+            </a:r>
+            <a:r>
+              <a:rPr lang="en-US" sz="1600" dirty="0">
+                <a:solidFill>
+                  <a:srgbClr val="FFFFFF"/>
+                </a:solidFill>
+                <a:latin typeface="Actor"/>
+                <a:sym typeface="Actor"/>
+              </a:rPr>
+              <a:t> testing: Expand dataset for diverse demographics and conditions.</a:t>
             </a:r>
           </a:p>
           <a:p>
@@ -28781,17 +25856,36 @@
                 <a:latin typeface="Actor"/>
                 <a:sym typeface="Actor"/>
               </a:rPr>
-              <a:t>Balancing security and usability for all demographics.</a:t>
+              <a:t>Security Evaluation: Conduct spoofing tests and integrate additional anti-spoofing measures.</a:t>
+            </a:r>
+          </a:p>
+          <a:p>
+            <a:pPr marL="457200" indent="-330200">
+              <a:spcBef>
+                <a:spcPts val="1000"/>
+              </a:spcBef>
+              <a:buClr>
+                <a:srgbClr val="7E4FCF"/>
+              </a:buClr>
+              <a:buSzPts val="1600"/>
+              <a:buFont typeface="Actor"/>
+              <a:buChar char="●"/>
+              <a:defRPr/>
+            </a:pPr>
+            <a:r>
+              <a:rPr lang="en-US" sz="1600" dirty="0">
+                <a:solidFill>
+                  <a:srgbClr val="FFFFFF"/>
+                </a:solidFill>
+                <a:latin typeface="Actor"/>
+                <a:sym typeface="Actor"/>
+              </a:rPr>
+              <a:t>UI/UX Refinement: Ensure seamless user experience with feedback loops.</a:t>
             </a:r>
           </a:p>
         </p:txBody>
       </p:sp>
     </p:spTree>
-    <p:extLst>
-      <p:ext uri="{BB962C8B-B14F-4D97-AF65-F5344CB8AC3E}">
-        <p14:creationId xmlns:p14="http://schemas.microsoft.com/office/powerpoint/2010/main" val="54068248"/>
-      </p:ext>
-    </p:extLst>
   </p:cSld>
   <p:clrMapOvr>
     <a:masterClrMapping/>
@@ -29190,559 +26284,6 @@
           <a:p>
             <a:r>
               <a:rPr lang="en-US" dirty="0"/>
-              <a:t>Next Steps</a:t>
-            </a:r>
-            <a:endParaRPr lang="en-IE" dirty="0"/>
-          </a:p>
-        </p:txBody>
-      </p:sp>
-      <p:sp>
-        <p:nvSpPr>
-          <p:cNvPr id="9" name="TextBox 8">
-            <a:extLst>
-              <a:ext uri="{FF2B5EF4-FFF2-40B4-BE49-F238E27FC236}">
-                <a16:creationId xmlns:a16="http://schemas.microsoft.com/office/drawing/2014/main" id="{860DBDB8-8276-0324-ADF2-7A32E917D986}"/>
-              </a:ext>
-            </a:extLst>
-          </p:cNvPr>
-          <p:cNvSpPr txBox="1"/>
-          <p:nvPr/>
-        </p:nvSpPr>
-        <p:spPr>
-          <a:xfrm>
-            <a:off x="1612223" y="1555789"/>
-            <a:ext cx="5919553" cy="2446824"/>
-          </a:xfrm>
-          <a:prstGeom prst="rect">
-            <a:avLst/>
-          </a:prstGeom>
-          <a:noFill/>
-        </p:spPr>
-        <p:txBody>
-          <a:bodyPr wrap="square">
-            <a:spAutoFit/>
-          </a:bodyPr>
-          <a:lstStyle/>
-          <a:p>
-            <a:pPr marL="457200" marR="0" lvl="0" indent="-330200" algn="l" defTabSz="914400" rtl="0" eaLnBrk="1" fontAlgn="auto" latinLnBrk="0" hangingPunct="1">
-              <a:lnSpc>
-                <a:spcPct val="100000"/>
-              </a:lnSpc>
-              <a:spcBef>
-                <a:spcPts val="1000"/>
-              </a:spcBef>
-              <a:spcAft>
-                <a:spcPts val="0"/>
-              </a:spcAft>
-              <a:buClr>
-                <a:srgbClr val="7E4FCF"/>
-              </a:buClr>
-              <a:buSzPts val="1600"/>
-              <a:buFont typeface="Actor"/>
-              <a:buChar char="●"/>
-              <a:tabLst/>
-              <a:defRPr/>
-            </a:pPr>
-            <a:r>
-              <a:rPr kumimoji="0" lang="en-US" sz="1600" b="0" i="0" u="none" strike="noStrike" kern="0" cap="none" spc="0" normalizeH="0" baseline="0" noProof="0" dirty="0">
-                <a:ln>
-                  <a:noFill/>
-                </a:ln>
-                <a:solidFill>
-                  <a:srgbClr val="FFFFFF"/>
-                </a:solidFill>
-                <a:effectLst/>
-                <a:uLnTx/>
-                <a:uFillTx/>
-                <a:latin typeface="Actor"/>
-                <a:sym typeface="Actor"/>
-              </a:rPr>
-              <a:t>Enhance Expression Recognition: Improve algorithm performance.</a:t>
-            </a:r>
-          </a:p>
-          <a:p>
-            <a:pPr marL="457200" indent="-330200">
-              <a:spcBef>
-                <a:spcPts val="1000"/>
-              </a:spcBef>
-              <a:buClr>
-                <a:srgbClr val="7E4FCF"/>
-              </a:buClr>
-              <a:buSzPts val="1600"/>
-              <a:buFont typeface="Actor"/>
-              <a:buChar char="●"/>
-              <a:defRPr/>
-            </a:pPr>
-            <a:r>
-              <a:rPr lang="en-US" sz="1600" dirty="0" err="1">
-                <a:solidFill>
-                  <a:srgbClr val="FFFFFF"/>
-                </a:solidFill>
-                <a:latin typeface="Actor"/>
-                <a:sym typeface="Actor"/>
-              </a:rPr>
-              <a:t>Rigorou</a:t>
-            </a:r>
-            <a:r>
-              <a:rPr lang="en-US" sz="1600" dirty="0">
-                <a:solidFill>
-                  <a:srgbClr val="FFFFFF"/>
-                </a:solidFill>
-                <a:latin typeface="Actor"/>
-                <a:sym typeface="Actor"/>
-              </a:rPr>
-              <a:t> testing: Expand dataset for diverse demographics and conditions.</a:t>
-            </a:r>
-          </a:p>
-          <a:p>
-            <a:pPr marL="457200" indent="-330200">
-              <a:spcBef>
-                <a:spcPts val="1000"/>
-              </a:spcBef>
-              <a:buClr>
-                <a:srgbClr val="7E4FCF"/>
-              </a:buClr>
-              <a:buSzPts val="1600"/>
-              <a:buFont typeface="Actor"/>
-              <a:buChar char="●"/>
-              <a:defRPr/>
-            </a:pPr>
-            <a:r>
-              <a:rPr lang="en-US" sz="1600" dirty="0">
-                <a:solidFill>
-                  <a:srgbClr val="FFFFFF"/>
-                </a:solidFill>
-                <a:latin typeface="Actor"/>
-                <a:sym typeface="Actor"/>
-              </a:rPr>
-              <a:t>Security Evaluation: Conduct spoofing tests and integrate additional anti-spoofing measures.</a:t>
-            </a:r>
-          </a:p>
-          <a:p>
-            <a:pPr marL="457200" indent="-330200">
-              <a:spcBef>
-                <a:spcPts val="1000"/>
-              </a:spcBef>
-              <a:buClr>
-                <a:srgbClr val="7E4FCF"/>
-              </a:buClr>
-              <a:buSzPts val="1600"/>
-              <a:buFont typeface="Actor"/>
-              <a:buChar char="●"/>
-              <a:defRPr/>
-            </a:pPr>
-            <a:r>
-              <a:rPr lang="en-US" sz="1600" dirty="0">
-                <a:solidFill>
-                  <a:srgbClr val="FFFFFF"/>
-                </a:solidFill>
-                <a:latin typeface="Actor"/>
-                <a:sym typeface="Actor"/>
-              </a:rPr>
-              <a:t>UI/UX Refinement: Ensure seamless user experience with feedback loops.</a:t>
-            </a:r>
-          </a:p>
-        </p:txBody>
-      </p:sp>
-    </p:spTree>
-  </p:cSld>
-  <p:clrMapOvr>
-    <a:masterClrMapping/>
-  </p:clrMapOvr>
-</p:sld>
-</file>
-
-<file path=ppt/slides/slide12.xml><?xml version="1.0" encoding="utf-8"?>
-<p:sld xmlns:a="http://schemas.openxmlformats.org/drawingml/2006/main" xmlns:r="http://schemas.openxmlformats.org/officeDocument/2006/relationships" xmlns:p="http://schemas.openxmlformats.org/presentationml/2006/main">
-  <p:cSld>
-    <p:spTree>
-      <p:nvGrpSpPr>
-        <p:cNvPr id="1" name="Shape 629"/>
-        <p:cNvGrpSpPr/>
-        <p:nvPr/>
-      </p:nvGrpSpPr>
-      <p:grpSpPr>
-        <a:xfrm>
-          <a:off x="0" y="0"/>
-          <a:ext cx="0" cy="0"/>
-          <a:chOff x="0" y="0"/>
-          <a:chExt cx="0" cy="0"/>
-        </a:xfrm>
-      </p:grpSpPr>
-      <p:grpSp>
-        <p:nvGrpSpPr>
-          <p:cNvPr id="633" name="Google Shape;633;p50"/>
-          <p:cNvGrpSpPr/>
-          <p:nvPr/>
-        </p:nvGrpSpPr>
-        <p:grpSpPr>
-          <a:xfrm rot="-2358263">
-            <a:off x="469294" y="243137"/>
-            <a:ext cx="1257847" cy="1342522"/>
-            <a:chOff x="-408900" y="504142"/>
-            <a:chExt cx="1167600" cy="1246200"/>
-          </a:xfrm>
-        </p:grpSpPr>
-        <p:cxnSp>
-          <p:nvCxnSpPr>
-            <p:cNvPr id="634" name="Google Shape;634;p50"/>
-            <p:cNvCxnSpPr/>
-            <p:nvPr/>
-          </p:nvCxnSpPr>
-          <p:spPr>
-            <a:xfrm rot="-7477944">
-              <a:off x="-336090" y="770661"/>
-              <a:ext cx="1021979" cy="713164"/>
-            </a:xfrm>
-            <a:prstGeom prst="straightConnector1">
-              <a:avLst/>
-            </a:prstGeom>
-            <a:noFill/>
-            <a:ln w="38100" cap="flat" cmpd="sng">
-              <a:solidFill>
-                <a:schemeClr val="lt2"/>
-              </a:solidFill>
-              <a:prstDash val="solid"/>
-              <a:round/>
-              <a:headEnd type="none" w="med" len="med"/>
-              <a:tailEnd type="none" w="med" len="med"/>
-            </a:ln>
-          </p:spPr>
-        </p:cxnSp>
-        <p:cxnSp>
-          <p:nvCxnSpPr>
-            <p:cNvPr id="635" name="Google Shape;635;p50"/>
-            <p:cNvCxnSpPr/>
-            <p:nvPr/>
-          </p:nvCxnSpPr>
-          <p:spPr>
-            <a:xfrm rot="10800000" flipH="1">
-              <a:off x="176606" y="1461749"/>
-              <a:ext cx="263100" cy="275400"/>
-            </a:xfrm>
-            <a:prstGeom prst="straightConnector1">
-              <a:avLst/>
-            </a:prstGeom>
-            <a:noFill/>
-            <a:ln w="38100" cap="flat" cmpd="sng">
-              <a:solidFill>
-                <a:schemeClr val="lt2"/>
-              </a:solidFill>
-              <a:prstDash val="solid"/>
-              <a:round/>
-              <a:headEnd type="none" w="med" len="med"/>
-              <a:tailEnd type="none" w="med" len="med"/>
-            </a:ln>
-          </p:spPr>
-        </p:cxnSp>
-        <p:cxnSp>
-          <p:nvCxnSpPr>
-            <p:cNvPr id="636" name="Google Shape;636;p50"/>
-            <p:cNvCxnSpPr/>
-            <p:nvPr/>
-          </p:nvCxnSpPr>
-          <p:spPr>
-            <a:xfrm rot="10800000">
-              <a:off x="-122164" y="1456780"/>
-              <a:ext cx="288900" cy="280200"/>
-            </a:xfrm>
-            <a:prstGeom prst="straightConnector1">
-              <a:avLst/>
-            </a:prstGeom>
-            <a:noFill/>
-            <a:ln w="38100" cap="flat" cmpd="sng">
-              <a:solidFill>
-                <a:schemeClr val="lt2"/>
-              </a:solidFill>
-              <a:prstDash val="solid"/>
-              <a:round/>
-              <a:headEnd type="none" w="med" len="med"/>
-              <a:tailEnd type="none" w="med" len="med"/>
-            </a:ln>
-          </p:spPr>
-        </p:cxnSp>
-      </p:grpSp>
-      <p:sp>
-        <p:nvSpPr>
-          <p:cNvPr id="4" name="Google Shape;504;p41">
-            <a:extLst>
-              <a:ext uri="{FF2B5EF4-FFF2-40B4-BE49-F238E27FC236}">
-                <a16:creationId xmlns:a16="http://schemas.microsoft.com/office/drawing/2014/main" id="{14BB2582-97A2-8FD0-889D-FBD7563A865C}"/>
-              </a:ext>
-            </a:extLst>
-          </p:cNvPr>
-          <p:cNvSpPr txBox="1">
-            <a:spLocks/>
-          </p:cNvSpPr>
-          <p:nvPr/>
-        </p:nvSpPr>
-        <p:spPr>
-          <a:xfrm>
-            <a:off x="451434" y="577190"/>
-            <a:ext cx="8116554" cy="572700"/>
-          </a:xfrm>
-          <a:prstGeom prst="rect">
-            <a:avLst/>
-          </a:prstGeom>
-          <a:noFill/>
-          <a:ln>
-            <a:noFill/>
-          </a:ln>
-        </p:spPr>
-        <p:txBody>
-          <a:bodyPr spcFirstLastPara="1" wrap="square" lIns="91425" tIns="91425" rIns="91425" bIns="91425" anchor="t" anchorCtr="0">
-            <a:noAutofit/>
-          </a:bodyPr>
-          <a:lstStyle>
-            <a:defPPr marR="0" lvl="0" algn="l" rtl="0">
-              <a:lnSpc>
-                <a:spcPct val="100000"/>
-              </a:lnSpc>
-              <a:spcBef>
-                <a:spcPts val="0"/>
-              </a:spcBef>
-              <a:spcAft>
-                <a:spcPts val="0"/>
-              </a:spcAft>
-            </a:defPPr>
-            <a:lvl1pPr marR="0" lvl="0" algn="ctr" rtl="0">
-              <a:lnSpc>
-                <a:spcPct val="100000"/>
-              </a:lnSpc>
-              <a:spcBef>
-                <a:spcPts val="0"/>
-              </a:spcBef>
-              <a:spcAft>
-                <a:spcPts val="0"/>
-              </a:spcAft>
-              <a:buClr>
-                <a:schemeClr val="lt1"/>
-              </a:buClr>
-              <a:buSzPts val="3600"/>
-              <a:buFont typeface="Unbounded"/>
-              <a:buNone/>
-              <a:defRPr sz="4000" b="1" i="0" u="none" strike="noStrike" cap="none">
-                <a:solidFill>
-                  <a:schemeClr val="lt1"/>
-                </a:solidFill>
-                <a:latin typeface="Unbounded"/>
-                <a:ea typeface="Unbounded"/>
-                <a:cs typeface="Unbounded"/>
-                <a:sym typeface="Unbounded"/>
-              </a:defRPr>
-            </a:lvl1pPr>
-            <a:lvl2pPr marR="0" lvl="1" algn="ctr" rtl="0">
-              <a:lnSpc>
-                <a:spcPct val="100000"/>
-              </a:lnSpc>
-              <a:spcBef>
-                <a:spcPts val="0"/>
-              </a:spcBef>
-              <a:spcAft>
-                <a:spcPts val="0"/>
-              </a:spcAft>
-              <a:buClr>
-                <a:schemeClr val="lt1"/>
-              </a:buClr>
-              <a:buSzPts val="3600"/>
-              <a:buFont typeface="Unbounded"/>
-              <a:buNone/>
-              <a:defRPr sz="3600" b="1" i="0" u="none" strike="noStrike" cap="none">
-                <a:solidFill>
-                  <a:schemeClr val="lt1"/>
-                </a:solidFill>
-                <a:latin typeface="Unbounded"/>
-                <a:ea typeface="Unbounded"/>
-                <a:cs typeface="Unbounded"/>
-                <a:sym typeface="Unbounded"/>
-              </a:defRPr>
-            </a:lvl2pPr>
-            <a:lvl3pPr marR="0" lvl="2" algn="ctr" rtl="0">
-              <a:lnSpc>
-                <a:spcPct val="100000"/>
-              </a:lnSpc>
-              <a:spcBef>
-                <a:spcPts val="0"/>
-              </a:spcBef>
-              <a:spcAft>
-                <a:spcPts val="0"/>
-              </a:spcAft>
-              <a:buClr>
-                <a:schemeClr val="lt1"/>
-              </a:buClr>
-              <a:buSzPts val="3600"/>
-              <a:buFont typeface="Unbounded"/>
-              <a:buNone/>
-              <a:defRPr sz="3600" b="1" i="0" u="none" strike="noStrike" cap="none">
-                <a:solidFill>
-                  <a:schemeClr val="lt1"/>
-                </a:solidFill>
-                <a:latin typeface="Unbounded"/>
-                <a:ea typeface="Unbounded"/>
-                <a:cs typeface="Unbounded"/>
-                <a:sym typeface="Unbounded"/>
-              </a:defRPr>
-            </a:lvl3pPr>
-            <a:lvl4pPr marR="0" lvl="3" algn="ctr" rtl="0">
-              <a:lnSpc>
-                <a:spcPct val="100000"/>
-              </a:lnSpc>
-              <a:spcBef>
-                <a:spcPts val="0"/>
-              </a:spcBef>
-              <a:spcAft>
-                <a:spcPts val="0"/>
-              </a:spcAft>
-              <a:buClr>
-                <a:schemeClr val="lt1"/>
-              </a:buClr>
-              <a:buSzPts val="3600"/>
-              <a:buFont typeface="Unbounded"/>
-              <a:buNone/>
-              <a:defRPr sz="3600" b="1" i="0" u="none" strike="noStrike" cap="none">
-                <a:solidFill>
-                  <a:schemeClr val="lt1"/>
-                </a:solidFill>
-                <a:latin typeface="Unbounded"/>
-                <a:ea typeface="Unbounded"/>
-                <a:cs typeface="Unbounded"/>
-                <a:sym typeface="Unbounded"/>
-              </a:defRPr>
-            </a:lvl4pPr>
-            <a:lvl5pPr marR="0" lvl="4" algn="ctr" rtl="0">
-              <a:lnSpc>
-                <a:spcPct val="100000"/>
-              </a:lnSpc>
-              <a:spcBef>
-                <a:spcPts val="0"/>
-              </a:spcBef>
-              <a:spcAft>
-                <a:spcPts val="0"/>
-              </a:spcAft>
-              <a:buClr>
-                <a:schemeClr val="lt1"/>
-              </a:buClr>
-              <a:buSzPts val="3600"/>
-              <a:buFont typeface="Unbounded"/>
-              <a:buNone/>
-              <a:defRPr sz="3600" b="1" i="0" u="none" strike="noStrike" cap="none">
-                <a:solidFill>
-                  <a:schemeClr val="lt1"/>
-                </a:solidFill>
-                <a:latin typeface="Unbounded"/>
-                <a:ea typeface="Unbounded"/>
-                <a:cs typeface="Unbounded"/>
-                <a:sym typeface="Unbounded"/>
-              </a:defRPr>
-            </a:lvl5pPr>
-            <a:lvl6pPr marR="0" lvl="5" algn="ctr" rtl="0">
-              <a:lnSpc>
-                <a:spcPct val="100000"/>
-              </a:lnSpc>
-              <a:spcBef>
-                <a:spcPts val="0"/>
-              </a:spcBef>
-              <a:spcAft>
-                <a:spcPts val="0"/>
-              </a:spcAft>
-              <a:buClr>
-                <a:schemeClr val="lt1"/>
-              </a:buClr>
-              <a:buSzPts val="3600"/>
-              <a:buFont typeface="Unbounded"/>
-              <a:buNone/>
-              <a:defRPr sz="3600" b="1" i="0" u="none" strike="noStrike" cap="none">
-                <a:solidFill>
-                  <a:schemeClr val="lt1"/>
-                </a:solidFill>
-                <a:latin typeface="Unbounded"/>
-                <a:ea typeface="Unbounded"/>
-                <a:cs typeface="Unbounded"/>
-                <a:sym typeface="Unbounded"/>
-              </a:defRPr>
-            </a:lvl6pPr>
-            <a:lvl7pPr marR="0" lvl="6" algn="ctr" rtl="0">
-              <a:lnSpc>
-                <a:spcPct val="100000"/>
-              </a:lnSpc>
-              <a:spcBef>
-                <a:spcPts val="0"/>
-              </a:spcBef>
-              <a:spcAft>
-                <a:spcPts val="0"/>
-              </a:spcAft>
-              <a:buClr>
-                <a:schemeClr val="lt1"/>
-              </a:buClr>
-              <a:buSzPts val="3600"/>
-              <a:buFont typeface="Unbounded"/>
-              <a:buNone/>
-              <a:defRPr sz="3600" b="1" i="0" u="none" strike="noStrike" cap="none">
-                <a:solidFill>
-                  <a:schemeClr val="lt1"/>
-                </a:solidFill>
-                <a:latin typeface="Unbounded"/>
-                <a:ea typeface="Unbounded"/>
-                <a:cs typeface="Unbounded"/>
-                <a:sym typeface="Unbounded"/>
-              </a:defRPr>
-            </a:lvl7pPr>
-            <a:lvl8pPr marR="0" lvl="7" algn="ctr" rtl="0">
-              <a:lnSpc>
-                <a:spcPct val="100000"/>
-              </a:lnSpc>
-              <a:spcBef>
-                <a:spcPts val="0"/>
-              </a:spcBef>
-              <a:spcAft>
-                <a:spcPts val="0"/>
-              </a:spcAft>
-              <a:buClr>
-                <a:schemeClr val="lt1"/>
-              </a:buClr>
-              <a:buSzPts val="3600"/>
-              <a:buFont typeface="Unbounded"/>
-              <a:buNone/>
-              <a:defRPr sz="3600" b="1" i="0" u="none" strike="noStrike" cap="none">
-                <a:solidFill>
-                  <a:schemeClr val="lt1"/>
-                </a:solidFill>
-                <a:latin typeface="Unbounded"/>
-                <a:ea typeface="Unbounded"/>
-                <a:cs typeface="Unbounded"/>
-                <a:sym typeface="Unbounded"/>
-              </a:defRPr>
-            </a:lvl8pPr>
-            <a:lvl9pPr marR="0" lvl="8" algn="ctr" rtl="0">
-              <a:lnSpc>
-                <a:spcPct val="100000"/>
-              </a:lnSpc>
-              <a:spcBef>
-                <a:spcPts val="0"/>
-              </a:spcBef>
-              <a:spcAft>
-                <a:spcPts val="0"/>
-              </a:spcAft>
-              <a:buClr>
-                <a:schemeClr val="lt1"/>
-              </a:buClr>
-              <a:buSzPts val="3600"/>
-              <a:buFont typeface="Unbounded"/>
-              <a:buNone/>
-              <a:defRPr sz="3600" b="1" i="0" u="none" strike="noStrike" cap="none">
-                <a:solidFill>
-                  <a:schemeClr val="lt1"/>
-                </a:solidFill>
-                <a:latin typeface="Unbounded"/>
-                <a:ea typeface="Unbounded"/>
-                <a:cs typeface="Unbounded"/>
-                <a:sym typeface="Unbounded"/>
-              </a:defRPr>
-            </a:lvl9pPr>
-          </a:lstStyle>
-          <a:p>
-            <a:r>
-              <a:rPr lang="en-US" dirty="0"/>
               <a:t>Future Potential </a:t>
             </a:r>
             <a:endParaRPr lang="en-IE" dirty="0"/>
@@ -29883,7 +26424,7 @@
 </p:sld>
 </file>
 
-<file path=ppt/slides/slide13.xml><?xml version="1.0" encoding="utf-8"?>
+<file path=ppt/slides/slide12.xml><?xml version="1.0" encoding="utf-8"?>
 <p:sld xmlns:a="http://schemas.openxmlformats.org/drawingml/2006/main" xmlns:r="http://schemas.openxmlformats.org/officeDocument/2006/relationships" xmlns:p="http://schemas.openxmlformats.org/presentationml/2006/main">
   <p:cSld>
     <p:spTree>
@@ -30488,7 +27029,7 @@
 </p:sld>
 </file>
 
-<file path=ppt/slides/slide14.xml><?xml version="1.0" encoding="utf-8"?>
+<file path=ppt/slides/slide13.xml><?xml version="1.0" encoding="utf-8"?>
 <p:sld xmlns:a="http://schemas.openxmlformats.org/drawingml/2006/main" xmlns:r="http://schemas.openxmlformats.org/officeDocument/2006/relationships" xmlns:p="http://schemas.openxmlformats.org/presentationml/2006/main">
   <p:cSld>
     <p:spTree>
@@ -30948,7 +27489,7 @@
 </p:sld>
 </file>
 
-<file path=ppt/slides/slide15.xml><?xml version="1.0" encoding="utf-8"?>
+<file path=ppt/slides/slide14.xml><?xml version="1.0" encoding="utf-8"?>
 <p:sld xmlns:a="http://schemas.openxmlformats.org/drawingml/2006/main" xmlns:r="http://schemas.openxmlformats.org/officeDocument/2006/relationships" xmlns:p="http://schemas.openxmlformats.org/presentationml/2006/main">
   <p:cSld>
     <p:spTree>
@@ -31240,7 +27781,7 @@
 </p:sld>
 </file>
 
-<file path=ppt/slides/slide16.xml><?xml version="1.0" encoding="utf-8"?>
+<file path=ppt/slides/slide15.xml><?xml version="1.0" encoding="utf-8"?>
 <p:sld xmlns:a="http://schemas.openxmlformats.org/drawingml/2006/main" xmlns:r="http://schemas.openxmlformats.org/officeDocument/2006/relationships" xmlns:p="http://schemas.openxmlformats.org/presentationml/2006/main">
   <p:cSld>
     <p:spTree>
@@ -33591,7 +30132,7 @@
         <p:spPr>
           <a:xfrm>
             <a:off x="1612223" y="1214968"/>
-            <a:ext cx="5919553" cy="2713563"/>
+            <a:ext cx="5919553" cy="2369880"/>
           </a:xfrm>
           <a:prstGeom prst="rect">
             <a:avLst/>
@@ -33624,39 +30165,7 @@
                   <a:schemeClr val="bg1"/>
                 </a:solidFill>
               </a:rPr>
-              <a:t>Problem Statement</a:t>
-            </a:r>
-          </a:p>
-          <a:p>
-            <a:pPr marL="412750" lvl="0" indent="-285750" algn="l" rtl="0">
-              <a:spcBef>
-                <a:spcPts val="1000"/>
-              </a:spcBef>
-              <a:spcAft>
-                <a:spcPts val="0"/>
-              </a:spcAft>
-              <a:buClr>
-                <a:schemeClr val="tx2"/>
-              </a:buClr>
-              <a:buSzPts val="1600"/>
-              <a:buFont typeface="Arial" panose="020B0604020202020204" pitchFamily="34" charset="0"/>
-              <a:buChar char="•"/>
-            </a:pPr>
-            <a:r>
-              <a:rPr lang="en-US" dirty="0" err="1">
-                <a:solidFill>
-                  <a:schemeClr val="bg1"/>
-                </a:solidFill>
-              </a:rPr>
-              <a:t>BioPass</a:t>
-            </a:r>
-            <a:r>
-              <a:rPr lang="en-US" dirty="0">
-                <a:solidFill>
-                  <a:schemeClr val="bg1"/>
-                </a:solidFill>
-              </a:rPr>
-              <a:t> Overview</a:t>
+              <a:t>BioPass Overview</a:t>
             </a:r>
           </a:p>
           <a:p>
@@ -35181,522 +31690,6 @@
   <p:cSld>
     <p:spTree>
       <p:nvGrpSpPr>
-        <p:cNvPr id="1" name="Shape 687"/>
-        <p:cNvGrpSpPr/>
-        <p:nvPr/>
-      </p:nvGrpSpPr>
-      <p:grpSpPr>
-        <a:xfrm>
-          <a:off x="0" y="0"/>
-          <a:ext cx="0" cy="0"/>
-          <a:chOff x="0" y="0"/>
-          <a:chExt cx="0" cy="0"/>
-        </a:xfrm>
-      </p:grpSpPr>
-      <p:grpSp>
-        <p:nvGrpSpPr>
-          <p:cNvPr id="688" name="Google Shape;688;p54"/>
-          <p:cNvGrpSpPr/>
-          <p:nvPr/>
-        </p:nvGrpSpPr>
-        <p:grpSpPr>
-          <a:xfrm>
-            <a:off x="4565580" y="1260432"/>
-            <a:ext cx="3432984" cy="2496295"/>
-            <a:chOff x="331763" y="414153"/>
-            <a:chExt cx="6903246" cy="5019697"/>
-          </a:xfrm>
-        </p:grpSpPr>
-        <p:sp>
-          <p:nvSpPr>
-            <p:cNvPr id="689" name="Google Shape;689;p54"/>
-            <p:cNvSpPr/>
-            <p:nvPr/>
-          </p:nvSpPr>
-          <p:spPr>
-            <a:xfrm>
-              <a:off x="2953125" y="4725150"/>
-              <a:ext cx="1660725" cy="708700"/>
-            </a:xfrm>
-            <a:custGeom>
-              <a:avLst/>
-              <a:gdLst/>
-              <a:ahLst/>
-              <a:cxnLst/>
-              <a:rect l="l" t="t" r="r" b="b"/>
-              <a:pathLst>
-                <a:path w="66429" h="28348" extrusionOk="0">
-                  <a:moveTo>
-                    <a:pt x="6889" y="1"/>
-                  </a:moveTo>
-                  <a:lnTo>
-                    <a:pt x="1" y="28347"/>
-                  </a:lnTo>
-                  <a:lnTo>
-                    <a:pt x="66429" y="28347"/>
-                  </a:lnTo>
-                  <a:lnTo>
-                    <a:pt x="59475" y="1"/>
-                  </a:lnTo>
-                  <a:lnTo>
-                    <a:pt x="33182" y="464"/>
-                  </a:lnTo>
-                  <a:lnTo>
-                    <a:pt x="6889" y="1"/>
-                  </a:lnTo>
-                  <a:close/>
-                </a:path>
-              </a:pathLst>
-            </a:custGeom>
-            <a:solidFill>
-              <a:schemeClr val="lt1"/>
-            </a:solidFill>
-            <a:ln>
-              <a:noFill/>
-            </a:ln>
-          </p:spPr>
-          <p:txBody>
-            <a:bodyPr spcFirstLastPara="1" wrap="square" lIns="91425" tIns="91425" rIns="91425" bIns="91425" anchor="ctr" anchorCtr="0">
-              <a:noAutofit/>
-            </a:bodyPr>
-            <a:lstStyle/>
-            <a:p>
-              <a:pPr marL="0" lvl="0" indent="0" algn="l" rtl="0">
-                <a:spcBef>
-                  <a:spcPts val="0"/>
-                </a:spcBef>
-                <a:spcAft>
-                  <a:spcPts val="0"/>
-                </a:spcAft>
-                <a:buNone/>
-              </a:pPr>
-              <a:endParaRPr/>
-            </a:p>
-          </p:txBody>
-        </p:sp>
-        <p:sp>
-          <p:nvSpPr>
-            <p:cNvPr id="690" name="Google Shape;690;p54"/>
-            <p:cNvSpPr/>
-            <p:nvPr/>
-          </p:nvSpPr>
-          <p:spPr>
-            <a:xfrm>
-              <a:off x="331763" y="414153"/>
-              <a:ext cx="6903246" cy="4353879"/>
-            </a:xfrm>
-            <a:custGeom>
-              <a:avLst/>
-              <a:gdLst/>
-              <a:ahLst/>
-              <a:cxnLst/>
-              <a:rect l="l" t="t" r="r" b="b"/>
-              <a:pathLst>
-                <a:path w="248162" h="181204" extrusionOk="0">
-                  <a:moveTo>
-                    <a:pt x="4636" y="0"/>
-                  </a:moveTo>
-                  <a:cubicBezTo>
-                    <a:pt x="2053" y="0"/>
-                    <a:pt x="0" y="2053"/>
-                    <a:pt x="0" y="4636"/>
-                  </a:cubicBezTo>
-                  <a:lnTo>
-                    <a:pt x="0" y="176634"/>
-                  </a:lnTo>
-                  <a:cubicBezTo>
-                    <a:pt x="0" y="179151"/>
-                    <a:pt x="2053" y="181204"/>
-                    <a:pt x="4636" y="181204"/>
-                  </a:cubicBezTo>
-                  <a:lnTo>
-                    <a:pt x="243526" y="181204"/>
-                  </a:lnTo>
-                  <a:cubicBezTo>
-                    <a:pt x="246109" y="181204"/>
-                    <a:pt x="248162" y="179151"/>
-                    <a:pt x="248162" y="176634"/>
-                  </a:cubicBezTo>
-                  <a:lnTo>
-                    <a:pt x="248162" y="4636"/>
-                  </a:lnTo>
-                  <a:cubicBezTo>
-                    <a:pt x="248162" y="2053"/>
-                    <a:pt x="246109" y="0"/>
-                    <a:pt x="243526" y="0"/>
-                  </a:cubicBezTo>
-                  <a:close/>
-                </a:path>
-              </a:pathLst>
-            </a:custGeom>
-            <a:solidFill>
-              <a:schemeClr val="lt1"/>
-            </a:solidFill>
-            <a:ln>
-              <a:noFill/>
-            </a:ln>
-          </p:spPr>
-          <p:txBody>
-            <a:bodyPr spcFirstLastPara="1" wrap="square" lIns="91425" tIns="91425" rIns="91425" bIns="91425" anchor="ctr" anchorCtr="0">
-              <a:noAutofit/>
-            </a:bodyPr>
-            <a:lstStyle/>
-            <a:p>
-              <a:pPr marL="0" lvl="0" indent="0" algn="l" rtl="0">
-                <a:spcBef>
-                  <a:spcPts val="0"/>
-                </a:spcBef>
-                <a:spcAft>
-                  <a:spcPts val="0"/>
-                </a:spcAft>
-                <a:buNone/>
-              </a:pPr>
-              <a:endParaRPr/>
-            </a:p>
-          </p:txBody>
-        </p:sp>
-        <p:sp>
-          <p:nvSpPr>
-            <p:cNvPr id="691" name="Google Shape;691;p54"/>
-            <p:cNvSpPr/>
-            <p:nvPr/>
-          </p:nvSpPr>
-          <p:spPr>
-            <a:xfrm>
-              <a:off x="547300" y="600323"/>
-              <a:ext cx="6472159" cy="3981525"/>
-            </a:xfrm>
-            <a:custGeom>
-              <a:avLst/>
-              <a:gdLst/>
-              <a:ahLst/>
-              <a:cxnLst/>
-              <a:rect l="l" t="t" r="r" b="b"/>
-              <a:pathLst>
-                <a:path w="232665" h="165707" extrusionOk="0">
-                  <a:moveTo>
-                    <a:pt x="1" y="1"/>
-                  </a:moveTo>
-                  <a:lnTo>
-                    <a:pt x="1" y="24307"/>
-                  </a:lnTo>
-                  <a:lnTo>
-                    <a:pt x="1" y="165707"/>
-                  </a:lnTo>
-                  <a:lnTo>
-                    <a:pt x="232665" y="165707"/>
-                  </a:lnTo>
-                  <a:lnTo>
-                    <a:pt x="232665" y="121532"/>
-                  </a:lnTo>
-                  <a:lnTo>
-                    <a:pt x="232665" y="1"/>
-                  </a:lnTo>
-                  <a:close/>
-                </a:path>
-              </a:pathLst>
-            </a:custGeom>
-            <a:solidFill>
-              <a:schemeClr val="lt1"/>
-            </a:solidFill>
-            <a:ln>
-              <a:noFill/>
-            </a:ln>
-          </p:spPr>
-          <p:txBody>
-            <a:bodyPr spcFirstLastPara="1" wrap="square" lIns="91425" tIns="91425" rIns="91425" bIns="91425" anchor="ctr" anchorCtr="0">
-              <a:noAutofit/>
-            </a:bodyPr>
-            <a:lstStyle/>
-            <a:p>
-              <a:pPr marL="0" lvl="0" indent="0" algn="l" rtl="0">
-                <a:spcBef>
-                  <a:spcPts val="0"/>
-                </a:spcBef>
-                <a:spcAft>
-                  <a:spcPts val="0"/>
-                </a:spcAft>
-                <a:buNone/>
-              </a:pPr>
-              <a:endParaRPr/>
-            </a:p>
-          </p:txBody>
-        </p:sp>
-        <p:sp>
-          <p:nvSpPr>
-            <p:cNvPr id="692" name="Google Shape;692;p54"/>
-            <p:cNvSpPr/>
-            <p:nvPr/>
-          </p:nvSpPr>
-          <p:spPr>
-            <a:xfrm>
-              <a:off x="2772650" y="5206975"/>
-              <a:ext cx="2020025" cy="226875"/>
-            </a:xfrm>
-            <a:custGeom>
-              <a:avLst/>
-              <a:gdLst/>
-              <a:ahLst/>
-              <a:cxnLst/>
-              <a:rect l="l" t="t" r="r" b="b"/>
-              <a:pathLst>
-                <a:path w="80801" h="9075" extrusionOk="0">
-                  <a:moveTo>
-                    <a:pt x="4571" y="1"/>
-                  </a:moveTo>
-                  <a:cubicBezTo>
-                    <a:pt x="2054" y="1"/>
-                    <a:pt x="1" y="2054"/>
-                    <a:pt x="1" y="4570"/>
-                  </a:cubicBezTo>
-                  <a:cubicBezTo>
-                    <a:pt x="1" y="7021"/>
-                    <a:pt x="2054" y="9074"/>
-                    <a:pt x="4571" y="9074"/>
-                  </a:cubicBezTo>
-                  <a:lnTo>
-                    <a:pt x="76297" y="9074"/>
-                  </a:lnTo>
-                  <a:cubicBezTo>
-                    <a:pt x="78814" y="9074"/>
-                    <a:pt x="80801" y="7021"/>
-                    <a:pt x="80801" y="4570"/>
-                  </a:cubicBezTo>
-                  <a:cubicBezTo>
-                    <a:pt x="80801" y="2054"/>
-                    <a:pt x="78814" y="1"/>
-                    <a:pt x="76297" y="1"/>
-                  </a:cubicBezTo>
-                  <a:close/>
-                </a:path>
-              </a:pathLst>
-            </a:custGeom>
-            <a:solidFill>
-              <a:schemeClr val="lt1"/>
-            </a:solidFill>
-            <a:ln>
-              <a:noFill/>
-            </a:ln>
-          </p:spPr>
-          <p:txBody>
-            <a:bodyPr spcFirstLastPara="1" wrap="square" lIns="91425" tIns="91425" rIns="91425" bIns="91425" anchor="ctr" anchorCtr="0">
-              <a:noAutofit/>
-            </a:bodyPr>
-            <a:lstStyle/>
-            <a:p>
-              <a:pPr marL="0" lvl="0" indent="0" algn="l" rtl="0">
-                <a:spcBef>
-                  <a:spcPts val="0"/>
-                </a:spcBef>
-                <a:spcAft>
-                  <a:spcPts val="0"/>
-                </a:spcAft>
-                <a:buNone/>
-              </a:pPr>
-              <a:endParaRPr/>
-            </a:p>
-          </p:txBody>
-        </p:sp>
-      </p:grpSp>
-      <p:pic>
-        <p:nvPicPr>
-          <p:cNvPr id="693" name="Google Shape;693;p54"/>
-          <p:cNvPicPr preferRelativeResize="0"/>
-          <p:nvPr/>
-        </p:nvPicPr>
-        <p:blipFill rotWithShape="1">
-          <a:blip r:embed="rId3">
-            <a:alphaModFix/>
-          </a:blip>
-          <a:srcRect l="3891" r="3882"/>
-          <a:stretch/>
-        </p:blipFill>
-        <p:spPr>
-          <a:xfrm>
-            <a:off x="4657478" y="1352658"/>
-            <a:ext cx="3249110" cy="1981718"/>
-          </a:xfrm>
-          <a:prstGeom prst="rect">
-            <a:avLst/>
-          </a:prstGeom>
-          <a:noFill/>
-          <a:ln>
-            <a:noFill/>
-          </a:ln>
-        </p:spPr>
-      </p:pic>
-      <p:sp>
-        <p:nvSpPr>
-          <p:cNvPr id="694" name="Google Shape;694;p54"/>
-          <p:cNvSpPr txBox="1">
-            <a:spLocks noGrp="1"/>
-          </p:cNvSpPr>
-          <p:nvPr>
-            <p:ph type="title"/>
-          </p:nvPr>
-        </p:nvSpPr>
-        <p:spPr>
-          <a:xfrm>
-            <a:off x="885450" y="1466975"/>
-            <a:ext cx="2749800" cy="1041600"/>
-          </a:xfrm>
-          <a:prstGeom prst="rect">
-            <a:avLst/>
-          </a:prstGeom>
-        </p:spPr>
-        <p:txBody>
-          <a:bodyPr spcFirstLastPara="1" wrap="square" lIns="91425" tIns="91425" rIns="91425" bIns="91425" anchor="b" anchorCtr="0">
-            <a:noAutofit/>
-          </a:bodyPr>
-          <a:lstStyle/>
-          <a:p>
-            <a:pPr marL="0" lvl="0" indent="0" algn="l" rtl="0">
-              <a:spcBef>
-                <a:spcPts val="0"/>
-              </a:spcBef>
-              <a:spcAft>
-                <a:spcPts val="0"/>
-              </a:spcAft>
-              <a:buNone/>
-            </a:pPr>
-            <a:r>
-              <a:rPr lang="en"/>
-              <a:t>Computer mockup</a:t>
-            </a:r>
-            <a:endParaRPr/>
-          </a:p>
-        </p:txBody>
-      </p:sp>
-      <p:sp>
-        <p:nvSpPr>
-          <p:cNvPr id="695" name="Google Shape;695;p54"/>
-          <p:cNvSpPr txBox="1">
-            <a:spLocks noGrp="1"/>
-          </p:cNvSpPr>
-          <p:nvPr>
-            <p:ph type="subTitle" idx="1"/>
-          </p:nvPr>
-        </p:nvSpPr>
-        <p:spPr>
-          <a:xfrm>
-            <a:off x="885450" y="2508575"/>
-            <a:ext cx="2749800" cy="1041600"/>
-          </a:xfrm>
-          <a:prstGeom prst="rect">
-            <a:avLst/>
-          </a:prstGeom>
-        </p:spPr>
-        <p:txBody>
-          <a:bodyPr spcFirstLastPara="1" wrap="square" lIns="91425" tIns="91425" rIns="91425" bIns="91425" anchor="t" anchorCtr="0">
-            <a:noAutofit/>
-          </a:bodyPr>
-          <a:lstStyle/>
-          <a:p>
-            <a:pPr marL="0" lvl="0" indent="0" algn="l" rtl="0">
-              <a:spcBef>
-                <a:spcPts val="0"/>
-              </a:spcBef>
-              <a:spcAft>
-                <a:spcPts val="0"/>
-              </a:spcAft>
-              <a:buNone/>
-            </a:pPr>
-            <a:r>
-              <a:rPr lang="en-US" dirty="0"/>
-              <a:t>I chose these </a:t>
-            </a:r>
-            <a:r>
-              <a:rPr lang="en-US" dirty="0" err="1"/>
-              <a:t>colours</a:t>
-            </a:r>
-            <a:r>
-              <a:rPr lang="en-US" dirty="0"/>
-              <a:t> combined with this aesthetic because I want </a:t>
-            </a:r>
-            <a:r>
-              <a:rPr lang="en-US" dirty="0" err="1"/>
-              <a:t>BioPass</a:t>
-            </a:r>
-            <a:r>
-              <a:rPr lang="en-US" dirty="0"/>
-              <a:t> to come off as inviting and warm as possible while also presenting as uniform and professional.</a:t>
-            </a:r>
-            <a:endParaRPr dirty="0"/>
-          </a:p>
-        </p:txBody>
-      </p:sp>
-      <p:pic>
-        <p:nvPicPr>
-          <p:cNvPr id="5" name="Picture 4" descr="A computer with a black screen&#10;&#10;Description automatically generated">
-            <a:extLst>
-              <a:ext uri="{FF2B5EF4-FFF2-40B4-BE49-F238E27FC236}">
-                <a16:creationId xmlns:a16="http://schemas.microsoft.com/office/drawing/2014/main" id="{D605A001-2795-0CAD-38B5-A24B71153DF2}"/>
-              </a:ext>
-            </a:extLst>
-          </p:cNvPr>
-          <p:cNvPicPr>
-            <a:picLocks noChangeAspect="1"/>
-          </p:cNvPicPr>
-          <p:nvPr/>
-        </p:nvPicPr>
-        <p:blipFill rotWithShape="1">
-          <a:blip r:embed="rId4"/>
-          <a:srcRect l="7907" r="8208"/>
-          <a:stretch/>
-        </p:blipFill>
-        <p:spPr>
-          <a:xfrm>
-            <a:off x="3818372" y="857756"/>
-            <a:ext cx="4923693" cy="3301637"/>
-          </a:xfrm>
-          <a:prstGeom prst="rect">
-            <a:avLst/>
-          </a:prstGeom>
-        </p:spPr>
-      </p:pic>
-      <p:pic>
-        <p:nvPicPr>
-          <p:cNvPr id="7" name="Picture 6" descr="A screenshot of a bio pass&#10;&#10;Description automatically generated">
-            <a:extLst>
-              <a:ext uri="{FF2B5EF4-FFF2-40B4-BE49-F238E27FC236}">
-                <a16:creationId xmlns:a16="http://schemas.microsoft.com/office/drawing/2014/main" id="{DFA7414D-43AF-17B3-F32C-18D9BFA685AC}"/>
-              </a:ext>
-            </a:extLst>
-          </p:cNvPr>
-          <p:cNvPicPr>
-            <a:picLocks noChangeAspect="1"/>
-          </p:cNvPicPr>
-          <p:nvPr/>
-        </p:nvPicPr>
-        <p:blipFill>
-          <a:blip r:embed="rId5"/>
-          <a:stretch>
-            <a:fillRect/>
-          </a:stretch>
-        </p:blipFill>
-        <p:spPr>
-          <a:xfrm>
-            <a:off x="4200210" y="1145476"/>
-            <a:ext cx="4178921" cy="2350643"/>
-          </a:xfrm>
-          <a:prstGeom prst="rect">
-            <a:avLst/>
-          </a:prstGeom>
-        </p:spPr>
-      </p:pic>
-    </p:spTree>
-  </p:cSld>
-  <p:clrMapOvr>
-    <a:masterClrMapping/>
-  </p:clrMapOvr>
-</p:sld>
-</file>
-
-<file path=ppt/slides/slide7.xml><?xml version="1.0" encoding="utf-8"?>
-<p:sld xmlns:a="http://schemas.openxmlformats.org/drawingml/2006/main" xmlns:r="http://schemas.openxmlformats.org/officeDocument/2006/relationships" xmlns:p="http://schemas.openxmlformats.org/presentationml/2006/main">
-  <p:cSld>
-    <p:spTree>
-      <p:nvGrpSpPr>
         <p:cNvPr id="1" name="Shape 503"/>
         <p:cNvGrpSpPr/>
         <p:nvPr/>
@@ -36036,7 +32029,7 @@
 </p:sld>
 </file>
 
-<file path=ppt/slides/slide8.xml><?xml version="1.0" encoding="utf-8"?>
+<file path=ppt/slides/slide7.xml><?xml version="1.0" encoding="utf-8"?>
 <p:sld xmlns:a="http://schemas.openxmlformats.org/drawingml/2006/main" xmlns:r="http://schemas.openxmlformats.org/officeDocument/2006/relationships" xmlns:p="http://schemas.openxmlformats.org/presentationml/2006/main">
   <p:cSld>
     <p:spTree>
@@ -37152,7 +33145,7 @@
 </p:sld>
 </file>
 
-<file path=ppt/slides/slide9.xml><?xml version="1.0" encoding="utf-8"?>
+<file path=ppt/slides/slide8.xml><?xml version="1.0" encoding="utf-8"?>
 <p:sld xmlns:a="http://schemas.openxmlformats.org/drawingml/2006/main" xmlns:r="http://schemas.openxmlformats.org/officeDocument/2006/relationships" xmlns:p="http://schemas.openxmlformats.org/presentationml/2006/main">
   <p:cSld>
     <p:spTree>
@@ -37694,6 +33687,536 @@
         </p:txBody>
       </p:sp>
     </p:spTree>
+  </p:cSld>
+  <p:clrMapOvr>
+    <a:masterClrMapping/>
+  </p:clrMapOvr>
+</p:sld>
+</file>
+
+<file path=ppt/slides/slide9.xml><?xml version="1.0" encoding="utf-8"?>
+<p:sld xmlns:a="http://schemas.openxmlformats.org/drawingml/2006/main" xmlns:r="http://schemas.openxmlformats.org/officeDocument/2006/relationships" xmlns:p="http://schemas.openxmlformats.org/presentationml/2006/main">
+  <p:cSld>
+    <p:spTree>
+      <p:nvGrpSpPr>
+        <p:cNvPr id="1" name="Shape 819"/>
+        <p:cNvGrpSpPr/>
+        <p:nvPr/>
+      </p:nvGrpSpPr>
+      <p:grpSpPr>
+        <a:xfrm>
+          <a:off x="0" y="0"/>
+          <a:ext cx="0" cy="0"/>
+          <a:chOff x="0" y="0"/>
+          <a:chExt cx="0" cy="0"/>
+        </a:xfrm>
+      </p:grpSpPr>
+      <p:grpSp>
+        <p:nvGrpSpPr>
+          <p:cNvPr id="823" name="Google Shape;823;p61"/>
+          <p:cNvGrpSpPr/>
+          <p:nvPr/>
+        </p:nvGrpSpPr>
+        <p:grpSpPr>
+          <a:xfrm rot="-8441737" flipH="1">
+            <a:off x="457794" y="3373587"/>
+            <a:ext cx="1257847" cy="1342522"/>
+            <a:chOff x="-408900" y="504142"/>
+            <a:chExt cx="1167600" cy="1246200"/>
+          </a:xfrm>
+        </p:grpSpPr>
+        <p:cxnSp>
+          <p:nvCxnSpPr>
+            <p:cNvPr id="824" name="Google Shape;824;p61"/>
+            <p:cNvCxnSpPr/>
+            <p:nvPr/>
+          </p:nvCxnSpPr>
+          <p:spPr>
+            <a:xfrm rot="-7477944">
+              <a:off x="-336090" y="770661"/>
+              <a:ext cx="1021979" cy="713164"/>
+            </a:xfrm>
+            <a:prstGeom prst="straightConnector1">
+              <a:avLst/>
+            </a:prstGeom>
+            <a:noFill/>
+            <a:ln w="38100" cap="flat" cmpd="sng">
+              <a:solidFill>
+                <a:schemeClr val="lt2"/>
+              </a:solidFill>
+              <a:prstDash val="solid"/>
+              <a:round/>
+              <a:headEnd type="none" w="med" len="med"/>
+              <a:tailEnd type="none" w="med" len="med"/>
+            </a:ln>
+          </p:spPr>
+        </p:cxnSp>
+        <p:cxnSp>
+          <p:nvCxnSpPr>
+            <p:cNvPr id="825" name="Google Shape;825;p61"/>
+            <p:cNvCxnSpPr/>
+            <p:nvPr/>
+          </p:nvCxnSpPr>
+          <p:spPr>
+            <a:xfrm rot="10800000" flipH="1">
+              <a:off x="176606" y="1461749"/>
+              <a:ext cx="263100" cy="275400"/>
+            </a:xfrm>
+            <a:prstGeom prst="straightConnector1">
+              <a:avLst/>
+            </a:prstGeom>
+            <a:noFill/>
+            <a:ln w="38100" cap="flat" cmpd="sng">
+              <a:solidFill>
+                <a:schemeClr val="lt2"/>
+              </a:solidFill>
+              <a:prstDash val="solid"/>
+              <a:round/>
+              <a:headEnd type="none" w="med" len="med"/>
+              <a:tailEnd type="none" w="med" len="med"/>
+            </a:ln>
+          </p:spPr>
+        </p:cxnSp>
+        <p:cxnSp>
+          <p:nvCxnSpPr>
+            <p:cNvPr id="826" name="Google Shape;826;p61"/>
+            <p:cNvCxnSpPr/>
+            <p:nvPr/>
+          </p:nvCxnSpPr>
+          <p:spPr>
+            <a:xfrm rot="10800000">
+              <a:off x="-122164" y="1456780"/>
+              <a:ext cx="288900" cy="280200"/>
+            </a:xfrm>
+            <a:prstGeom prst="straightConnector1">
+              <a:avLst/>
+            </a:prstGeom>
+            <a:noFill/>
+            <a:ln w="38100" cap="flat" cmpd="sng">
+              <a:solidFill>
+                <a:schemeClr val="lt2"/>
+              </a:solidFill>
+              <a:prstDash val="solid"/>
+              <a:round/>
+              <a:headEnd type="none" w="med" len="med"/>
+              <a:tailEnd type="none" w="med" len="med"/>
+            </a:ln>
+          </p:spPr>
+        </p:cxnSp>
+      </p:grpSp>
+      <p:sp>
+        <p:nvSpPr>
+          <p:cNvPr id="4" name="Google Shape;504;p41">
+            <a:extLst>
+              <a:ext uri="{FF2B5EF4-FFF2-40B4-BE49-F238E27FC236}">
+                <a16:creationId xmlns:a16="http://schemas.microsoft.com/office/drawing/2014/main" id="{905BDB4D-6E91-DF75-2647-2CBBBF907861}"/>
+              </a:ext>
+            </a:extLst>
+          </p:cNvPr>
+          <p:cNvSpPr txBox="1">
+            <a:spLocks/>
+          </p:cNvSpPr>
+          <p:nvPr/>
+        </p:nvSpPr>
+        <p:spPr>
+          <a:xfrm>
+            <a:off x="451434" y="577190"/>
+            <a:ext cx="8116554" cy="572700"/>
+          </a:xfrm>
+          <a:prstGeom prst="rect">
+            <a:avLst/>
+          </a:prstGeom>
+          <a:noFill/>
+          <a:ln>
+            <a:noFill/>
+          </a:ln>
+        </p:spPr>
+        <p:txBody>
+          <a:bodyPr spcFirstLastPara="1" wrap="square" lIns="91425" tIns="91425" rIns="91425" bIns="91425" anchor="t" anchorCtr="0">
+            <a:noAutofit/>
+          </a:bodyPr>
+          <a:lstStyle>
+            <a:defPPr marR="0" lvl="0" algn="l" rtl="0">
+              <a:lnSpc>
+                <a:spcPct val="100000"/>
+              </a:lnSpc>
+              <a:spcBef>
+                <a:spcPts val="0"/>
+              </a:spcBef>
+              <a:spcAft>
+                <a:spcPts val="0"/>
+              </a:spcAft>
+            </a:defPPr>
+            <a:lvl1pPr marR="0" lvl="0" algn="ctr" rtl="0">
+              <a:lnSpc>
+                <a:spcPct val="100000"/>
+              </a:lnSpc>
+              <a:spcBef>
+                <a:spcPts val="0"/>
+              </a:spcBef>
+              <a:spcAft>
+                <a:spcPts val="0"/>
+              </a:spcAft>
+              <a:buClr>
+                <a:schemeClr val="lt1"/>
+              </a:buClr>
+              <a:buSzPts val="3600"/>
+              <a:buFont typeface="Unbounded"/>
+              <a:buNone/>
+              <a:defRPr sz="4000" b="1" i="0" u="none" strike="noStrike" cap="none">
+                <a:solidFill>
+                  <a:schemeClr val="lt1"/>
+                </a:solidFill>
+                <a:latin typeface="Unbounded"/>
+                <a:ea typeface="Unbounded"/>
+                <a:cs typeface="Unbounded"/>
+                <a:sym typeface="Unbounded"/>
+              </a:defRPr>
+            </a:lvl1pPr>
+            <a:lvl2pPr marR="0" lvl="1" algn="ctr" rtl="0">
+              <a:lnSpc>
+                <a:spcPct val="100000"/>
+              </a:lnSpc>
+              <a:spcBef>
+                <a:spcPts val="0"/>
+              </a:spcBef>
+              <a:spcAft>
+                <a:spcPts val="0"/>
+              </a:spcAft>
+              <a:buClr>
+                <a:schemeClr val="lt1"/>
+              </a:buClr>
+              <a:buSzPts val="3600"/>
+              <a:buFont typeface="Unbounded"/>
+              <a:buNone/>
+              <a:defRPr sz="3600" b="1" i="0" u="none" strike="noStrike" cap="none">
+                <a:solidFill>
+                  <a:schemeClr val="lt1"/>
+                </a:solidFill>
+                <a:latin typeface="Unbounded"/>
+                <a:ea typeface="Unbounded"/>
+                <a:cs typeface="Unbounded"/>
+                <a:sym typeface="Unbounded"/>
+              </a:defRPr>
+            </a:lvl2pPr>
+            <a:lvl3pPr marR="0" lvl="2" algn="ctr" rtl="0">
+              <a:lnSpc>
+                <a:spcPct val="100000"/>
+              </a:lnSpc>
+              <a:spcBef>
+                <a:spcPts val="0"/>
+              </a:spcBef>
+              <a:spcAft>
+                <a:spcPts val="0"/>
+              </a:spcAft>
+              <a:buClr>
+                <a:schemeClr val="lt1"/>
+              </a:buClr>
+              <a:buSzPts val="3600"/>
+              <a:buFont typeface="Unbounded"/>
+              <a:buNone/>
+              <a:defRPr sz="3600" b="1" i="0" u="none" strike="noStrike" cap="none">
+                <a:solidFill>
+                  <a:schemeClr val="lt1"/>
+                </a:solidFill>
+                <a:latin typeface="Unbounded"/>
+                <a:ea typeface="Unbounded"/>
+                <a:cs typeface="Unbounded"/>
+                <a:sym typeface="Unbounded"/>
+              </a:defRPr>
+            </a:lvl3pPr>
+            <a:lvl4pPr marR="0" lvl="3" algn="ctr" rtl="0">
+              <a:lnSpc>
+                <a:spcPct val="100000"/>
+              </a:lnSpc>
+              <a:spcBef>
+                <a:spcPts val="0"/>
+              </a:spcBef>
+              <a:spcAft>
+                <a:spcPts val="0"/>
+              </a:spcAft>
+              <a:buClr>
+                <a:schemeClr val="lt1"/>
+              </a:buClr>
+              <a:buSzPts val="3600"/>
+              <a:buFont typeface="Unbounded"/>
+              <a:buNone/>
+              <a:defRPr sz="3600" b="1" i="0" u="none" strike="noStrike" cap="none">
+                <a:solidFill>
+                  <a:schemeClr val="lt1"/>
+                </a:solidFill>
+                <a:latin typeface="Unbounded"/>
+                <a:ea typeface="Unbounded"/>
+                <a:cs typeface="Unbounded"/>
+                <a:sym typeface="Unbounded"/>
+              </a:defRPr>
+            </a:lvl4pPr>
+            <a:lvl5pPr marR="0" lvl="4" algn="ctr" rtl="0">
+              <a:lnSpc>
+                <a:spcPct val="100000"/>
+              </a:lnSpc>
+              <a:spcBef>
+                <a:spcPts val="0"/>
+              </a:spcBef>
+              <a:spcAft>
+                <a:spcPts val="0"/>
+              </a:spcAft>
+              <a:buClr>
+                <a:schemeClr val="lt1"/>
+              </a:buClr>
+              <a:buSzPts val="3600"/>
+              <a:buFont typeface="Unbounded"/>
+              <a:buNone/>
+              <a:defRPr sz="3600" b="1" i="0" u="none" strike="noStrike" cap="none">
+                <a:solidFill>
+                  <a:schemeClr val="lt1"/>
+                </a:solidFill>
+                <a:latin typeface="Unbounded"/>
+                <a:ea typeface="Unbounded"/>
+                <a:cs typeface="Unbounded"/>
+                <a:sym typeface="Unbounded"/>
+              </a:defRPr>
+            </a:lvl5pPr>
+            <a:lvl6pPr marR="0" lvl="5" algn="ctr" rtl="0">
+              <a:lnSpc>
+                <a:spcPct val="100000"/>
+              </a:lnSpc>
+              <a:spcBef>
+                <a:spcPts val="0"/>
+              </a:spcBef>
+              <a:spcAft>
+                <a:spcPts val="0"/>
+              </a:spcAft>
+              <a:buClr>
+                <a:schemeClr val="lt1"/>
+              </a:buClr>
+              <a:buSzPts val="3600"/>
+              <a:buFont typeface="Unbounded"/>
+              <a:buNone/>
+              <a:defRPr sz="3600" b="1" i="0" u="none" strike="noStrike" cap="none">
+                <a:solidFill>
+                  <a:schemeClr val="lt1"/>
+                </a:solidFill>
+                <a:latin typeface="Unbounded"/>
+                <a:ea typeface="Unbounded"/>
+                <a:cs typeface="Unbounded"/>
+                <a:sym typeface="Unbounded"/>
+              </a:defRPr>
+            </a:lvl6pPr>
+            <a:lvl7pPr marR="0" lvl="6" algn="ctr" rtl="0">
+              <a:lnSpc>
+                <a:spcPct val="100000"/>
+              </a:lnSpc>
+              <a:spcBef>
+                <a:spcPts val="0"/>
+              </a:spcBef>
+              <a:spcAft>
+                <a:spcPts val="0"/>
+              </a:spcAft>
+              <a:buClr>
+                <a:schemeClr val="lt1"/>
+              </a:buClr>
+              <a:buSzPts val="3600"/>
+              <a:buFont typeface="Unbounded"/>
+              <a:buNone/>
+              <a:defRPr sz="3600" b="1" i="0" u="none" strike="noStrike" cap="none">
+                <a:solidFill>
+                  <a:schemeClr val="lt1"/>
+                </a:solidFill>
+                <a:latin typeface="Unbounded"/>
+                <a:ea typeface="Unbounded"/>
+                <a:cs typeface="Unbounded"/>
+                <a:sym typeface="Unbounded"/>
+              </a:defRPr>
+            </a:lvl7pPr>
+            <a:lvl8pPr marR="0" lvl="7" algn="ctr" rtl="0">
+              <a:lnSpc>
+                <a:spcPct val="100000"/>
+              </a:lnSpc>
+              <a:spcBef>
+                <a:spcPts val="0"/>
+              </a:spcBef>
+              <a:spcAft>
+                <a:spcPts val="0"/>
+              </a:spcAft>
+              <a:buClr>
+                <a:schemeClr val="lt1"/>
+              </a:buClr>
+              <a:buSzPts val="3600"/>
+              <a:buFont typeface="Unbounded"/>
+              <a:buNone/>
+              <a:defRPr sz="3600" b="1" i="0" u="none" strike="noStrike" cap="none">
+                <a:solidFill>
+                  <a:schemeClr val="lt1"/>
+                </a:solidFill>
+                <a:latin typeface="Unbounded"/>
+                <a:ea typeface="Unbounded"/>
+                <a:cs typeface="Unbounded"/>
+                <a:sym typeface="Unbounded"/>
+              </a:defRPr>
+            </a:lvl8pPr>
+            <a:lvl9pPr marR="0" lvl="8" algn="ctr" rtl="0">
+              <a:lnSpc>
+                <a:spcPct val="100000"/>
+              </a:lnSpc>
+              <a:spcBef>
+                <a:spcPts val="0"/>
+              </a:spcBef>
+              <a:spcAft>
+                <a:spcPts val="0"/>
+              </a:spcAft>
+              <a:buClr>
+                <a:schemeClr val="lt1"/>
+              </a:buClr>
+              <a:buSzPts val="3600"/>
+              <a:buFont typeface="Unbounded"/>
+              <a:buNone/>
+              <a:defRPr sz="3600" b="1" i="0" u="none" strike="noStrike" cap="none">
+                <a:solidFill>
+                  <a:schemeClr val="lt1"/>
+                </a:solidFill>
+                <a:latin typeface="Unbounded"/>
+                <a:ea typeface="Unbounded"/>
+                <a:cs typeface="Unbounded"/>
+                <a:sym typeface="Unbounded"/>
+              </a:defRPr>
+            </a:lvl9pPr>
+          </a:lstStyle>
+          <a:p>
+            <a:r>
+              <a:rPr lang="en-US" dirty="0"/>
+              <a:t>Challenges Encountered</a:t>
+            </a:r>
+            <a:endParaRPr lang="en-IE" dirty="0"/>
+          </a:p>
+        </p:txBody>
+      </p:sp>
+      <p:sp>
+        <p:nvSpPr>
+          <p:cNvPr id="7" name="TextBox 6">
+            <a:extLst>
+              <a:ext uri="{FF2B5EF4-FFF2-40B4-BE49-F238E27FC236}">
+                <a16:creationId xmlns:a16="http://schemas.microsoft.com/office/drawing/2014/main" id="{216231AF-AE35-F38F-193B-6BBDC3CC207C}"/>
+              </a:ext>
+            </a:extLst>
+          </p:cNvPr>
+          <p:cNvSpPr txBox="1"/>
+          <p:nvPr/>
+        </p:nvSpPr>
+        <p:spPr>
+          <a:xfrm>
+            <a:off x="1612223" y="1555789"/>
+            <a:ext cx="5919553" cy="1333698"/>
+          </a:xfrm>
+          <a:prstGeom prst="rect">
+            <a:avLst/>
+          </a:prstGeom>
+          <a:noFill/>
+        </p:spPr>
+        <p:txBody>
+          <a:bodyPr wrap="square">
+            <a:spAutoFit/>
+          </a:bodyPr>
+          <a:lstStyle/>
+          <a:p>
+            <a:pPr marL="457200" marR="0" lvl="0" indent="-330200" algn="l" defTabSz="914400" rtl="0" eaLnBrk="1" fontAlgn="auto" latinLnBrk="0" hangingPunct="1">
+              <a:lnSpc>
+                <a:spcPct val="100000"/>
+              </a:lnSpc>
+              <a:spcBef>
+                <a:spcPts val="1000"/>
+              </a:spcBef>
+              <a:spcAft>
+                <a:spcPts val="0"/>
+              </a:spcAft>
+              <a:buClr>
+                <a:srgbClr val="7E4FCF"/>
+              </a:buClr>
+              <a:buSzPts val="1600"/>
+              <a:buFont typeface="Actor"/>
+              <a:buChar char="●"/>
+              <a:tabLst/>
+              <a:defRPr/>
+            </a:pPr>
+            <a:r>
+              <a:rPr kumimoji="0" lang="en-US" sz="1600" b="0" i="0" u="none" strike="noStrike" kern="0" cap="none" spc="0" normalizeH="0" baseline="0" noProof="0" dirty="0">
+                <a:ln>
+                  <a:noFill/>
+                </a:ln>
+                <a:solidFill>
+                  <a:srgbClr val="FFFFFF"/>
+                </a:solidFill>
+                <a:effectLst/>
+                <a:uLnTx/>
+                <a:uFillTx/>
+                <a:latin typeface="Actor"/>
+                <a:sym typeface="Actor"/>
+              </a:rPr>
+              <a:t>Difficulty in detecting subtle facial expressions under different lighting conditions.</a:t>
+            </a:r>
+          </a:p>
+          <a:p>
+            <a:pPr marL="457200" indent="-330200">
+              <a:spcBef>
+                <a:spcPts val="1000"/>
+              </a:spcBef>
+              <a:buClr>
+                <a:srgbClr val="7E4FCF"/>
+              </a:buClr>
+              <a:buSzPts val="1600"/>
+              <a:buFont typeface="Actor"/>
+              <a:buChar char="●"/>
+              <a:defRPr/>
+            </a:pPr>
+            <a:r>
+              <a:rPr kumimoji="0" lang="en-US" sz="1600" b="0" i="0" u="none" strike="noStrike" kern="0" cap="none" spc="0" normalizeH="0" baseline="0" noProof="0" dirty="0">
+                <a:ln>
+                  <a:noFill/>
+                </a:ln>
+                <a:solidFill>
+                  <a:srgbClr val="FFFFFF"/>
+                </a:solidFill>
+                <a:effectLst/>
+                <a:uLnTx/>
+                <a:uFillTx/>
+                <a:latin typeface="Actor"/>
+                <a:sym typeface="Actor"/>
+              </a:rPr>
+              <a:t>Handling edge cases (e.g., users wearing glasses or masks).</a:t>
+            </a:r>
+          </a:p>
+          <a:p>
+            <a:pPr marL="457200" indent="-330200">
+              <a:spcBef>
+                <a:spcPts val="1000"/>
+              </a:spcBef>
+              <a:buClr>
+                <a:srgbClr val="7E4FCF"/>
+              </a:buClr>
+              <a:buSzPts val="1600"/>
+              <a:buFont typeface="Actor"/>
+              <a:buChar char="●"/>
+              <a:defRPr/>
+            </a:pPr>
+            <a:r>
+              <a:rPr lang="en-US" sz="1600" dirty="0">
+                <a:solidFill>
+                  <a:srgbClr val="FFFFFF"/>
+                </a:solidFill>
+                <a:latin typeface="Actor"/>
+                <a:sym typeface="Actor"/>
+              </a:rPr>
+              <a:t>Balancing security and usability for all demographics.</a:t>
+            </a:r>
+          </a:p>
+        </p:txBody>
+      </p:sp>
+    </p:spTree>
+    <p:extLst>
+      <p:ext uri="{BB962C8B-B14F-4D97-AF65-F5344CB8AC3E}">
+        <p14:creationId xmlns:p14="http://schemas.microsoft.com/office/powerpoint/2010/main" val="54068248"/>
+      </p:ext>
+    </p:extLst>
   </p:cSld>
   <p:clrMapOvr>
     <a:masterClrMapping/>
